--- a/03-bundling/06-vite/00-teoría/Introducción a vite.pptx
+++ b/03-bundling/06-vite/00-teoría/Introducción a vite.pptx
@@ -7133,7 +7133,7 @@
           </a:ln>
           <a:extLst>
             <a:ext uri="{C572A759-6A51-4108-AA02-DFA0A04FC94B}">
-              <ma14:wrappingTextBoxFlag xmlns:ma14="http://schemas.microsoft.com/office/mac/drawingml/2011/main" xmlns:a14="http://schemas.microsoft.com/office/drawing/2010/main" xmlns:m="http://schemas.openxmlformats.org/officeDocument/2006/math" xmlns="" val="1"/>
+              <ma14:wrappingTextBoxFlag xmlns="" xmlns:m="http://schemas.openxmlformats.org/officeDocument/2006/math" xmlns:a14="http://schemas.microsoft.com/office/drawing/2010/main" xmlns:ma14="http://schemas.microsoft.com/office/mac/drawingml/2011/main" val="1"/>
             </a:ext>
           </a:extLst>
         </p:spPr>
@@ -7172,7 +7172,7 @@
           </a:ln>
           <a:extLst>
             <a:ext uri="{C572A759-6A51-4108-AA02-DFA0A04FC94B}">
-              <ma14:wrappingTextBoxFlag xmlns:ma14="http://schemas.microsoft.com/office/mac/drawingml/2011/main" xmlns:a14="http://schemas.microsoft.com/office/drawing/2010/main" xmlns:m="http://schemas.openxmlformats.org/officeDocument/2006/math" xmlns="" val="1"/>
+              <ma14:wrappingTextBoxFlag xmlns="" xmlns:m="http://schemas.openxmlformats.org/officeDocument/2006/math" xmlns:a14="http://schemas.microsoft.com/office/drawing/2010/main" xmlns:ma14="http://schemas.microsoft.com/office/mac/drawingml/2011/main" val="1"/>
             </a:ext>
           </a:extLst>
         </p:spPr>
@@ -8130,7 +8130,7 @@
           </a:ln>
           <a:extLst>
             <a:ext uri="{C572A759-6A51-4108-AA02-DFA0A04FC94B}">
-              <ma14:wrappingTextBoxFlag xmlns:ma14="http://schemas.microsoft.com/office/mac/drawingml/2011/main" xmlns:a14="http://schemas.microsoft.com/office/drawing/2010/main" xmlns:m="http://schemas.openxmlformats.org/officeDocument/2006/math" xmlns="" val="1"/>
+              <ma14:wrappingTextBoxFlag xmlns="" xmlns:m="http://schemas.openxmlformats.org/officeDocument/2006/math" xmlns:a14="http://schemas.microsoft.com/office/drawing/2010/main" xmlns:ma14="http://schemas.microsoft.com/office/mac/drawingml/2011/main" val="1"/>
             </a:ext>
           </a:extLst>
         </p:spPr>
@@ -8182,7 +8182,7 @@
           </a:ln>
           <a:extLst>
             <a:ext uri="{C572A759-6A51-4108-AA02-DFA0A04FC94B}">
-              <ma14:wrappingTextBoxFlag xmlns:ma14="http://schemas.microsoft.com/office/mac/drawingml/2011/main" xmlns:a14="http://schemas.microsoft.com/office/drawing/2010/main" xmlns:m="http://schemas.openxmlformats.org/officeDocument/2006/math" xmlns="" val="1"/>
+              <ma14:wrappingTextBoxFlag xmlns="" xmlns:m="http://schemas.openxmlformats.org/officeDocument/2006/math" xmlns:a14="http://schemas.microsoft.com/office/drawing/2010/main" xmlns:ma14="http://schemas.microsoft.com/office/mac/drawingml/2011/main" val="1"/>
             </a:ext>
           </a:extLst>
         </p:spPr>
@@ -8346,7 +8346,7 @@
           </a:ln>
           <a:extLst>
             <a:ext uri="{C572A759-6A51-4108-AA02-DFA0A04FC94B}">
-              <ma14:wrappingTextBoxFlag xmlns:ma14="http://schemas.microsoft.com/office/mac/drawingml/2011/main" xmlns:a14="http://schemas.microsoft.com/office/drawing/2010/main" xmlns:m="http://schemas.openxmlformats.org/officeDocument/2006/math" xmlns="" val="1"/>
+              <ma14:wrappingTextBoxFlag xmlns="" xmlns:m="http://schemas.openxmlformats.org/officeDocument/2006/math" xmlns:a14="http://schemas.microsoft.com/office/drawing/2010/main" xmlns:ma14="http://schemas.microsoft.com/office/mac/drawingml/2011/main" val="1"/>
             </a:ext>
           </a:extLst>
         </p:spPr>
@@ -8619,7 +8619,7 @@
             <a:effectLst/>
             <a:extLst>
               <a:ext uri="{C572A759-6A51-4108-AA02-DFA0A04FC94B}">
-                <ma14:wrappingTextBoxFlag xmlns:ma14="http://schemas.microsoft.com/office/mac/drawingml/2011/main" xmlns:a14="http://schemas.microsoft.com/office/drawing/2010/main" xmlns:m="http://schemas.openxmlformats.org/officeDocument/2006/math" xmlns="" val="1"/>
+                <ma14:wrappingTextBoxFlag xmlns="" xmlns:m="http://schemas.openxmlformats.org/officeDocument/2006/math" xmlns:a14="http://schemas.microsoft.com/office/drawing/2010/main" xmlns:ma14="http://schemas.microsoft.com/office/mac/drawingml/2011/main" val="1"/>
               </a:ext>
             </a:extLst>
           </p:spPr>
@@ -8669,7 +8669,7 @@
             <a:effectLst/>
             <a:extLst>
               <a:ext uri="{C572A759-6A51-4108-AA02-DFA0A04FC94B}">
-                <ma14:wrappingTextBoxFlag xmlns:ma14="http://schemas.microsoft.com/office/mac/drawingml/2011/main" xmlns:a14="http://schemas.microsoft.com/office/drawing/2010/main" xmlns:m="http://schemas.openxmlformats.org/officeDocument/2006/math" xmlns="" val="1"/>
+                <ma14:wrappingTextBoxFlag xmlns="" xmlns:m="http://schemas.openxmlformats.org/officeDocument/2006/math" xmlns:a14="http://schemas.microsoft.com/office/drawing/2010/main" xmlns:ma14="http://schemas.microsoft.com/office/mac/drawingml/2011/main" val="1"/>
               </a:ext>
             </a:extLst>
           </p:spPr>
@@ -8719,7 +8719,7 @@
             <a:effectLst/>
             <a:extLst>
               <a:ext uri="{C572A759-6A51-4108-AA02-DFA0A04FC94B}">
-                <ma14:wrappingTextBoxFlag xmlns:ma14="http://schemas.microsoft.com/office/mac/drawingml/2011/main" xmlns:a14="http://schemas.microsoft.com/office/drawing/2010/main" xmlns:m="http://schemas.openxmlformats.org/officeDocument/2006/math" xmlns="" val="1"/>
+                <ma14:wrappingTextBoxFlag xmlns="" xmlns:m="http://schemas.openxmlformats.org/officeDocument/2006/math" xmlns:a14="http://schemas.microsoft.com/office/drawing/2010/main" xmlns:ma14="http://schemas.microsoft.com/office/mac/drawingml/2011/main" val="1"/>
               </a:ext>
             </a:extLst>
           </p:spPr>
@@ -8769,7 +8769,7 @@
             <a:effectLst/>
             <a:extLst>
               <a:ext uri="{C572A759-6A51-4108-AA02-DFA0A04FC94B}">
-                <ma14:wrappingTextBoxFlag xmlns:ma14="http://schemas.microsoft.com/office/mac/drawingml/2011/main" xmlns:a14="http://schemas.microsoft.com/office/drawing/2010/main" xmlns:m="http://schemas.openxmlformats.org/officeDocument/2006/math" xmlns="" val="1"/>
+                <ma14:wrappingTextBoxFlag xmlns="" xmlns:m="http://schemas.openxmlformats.org/officeDocument/2006/math" xmlns:a14="http://schemas.microsoft.com/office/drawing/2010/main" xmlns:ma14="http://schemas.microsoft.com/office/mac/drawingml/2011/main" val="1"/>
               </a:ext>
             </a:extLst>
           </p:spPr>
@@ -9880,7 +9880,7 @@
           <a:effectLst/>
           <a:extLst>
             <a:ext uri="{C572A759-6A51-4108-AA02-DFA0A04FC94B}">
-              <ma14:wrappingTextBoxFlag xmlns:ma14="http://schemas.microsoft.com/office/mac/drawingml/2011/main" xmlns:a14="http://schemas.microsoft.com/office/drawing/2010/main" xmlns:m="http://schemas.openxmlformats.org/officeDocument/2006/math" xmlns="" val="1"/>
+              <ma14:wrappingTextBoxFlag xmlns="" xmlns:m="http://schemas.openxmlformats.org/officeDocument/2006/math" xmlns:a14="http://schemas.microsoft.com/office/drawing/2010/main" xmlns:ma14="http://schemas.microsoft.com/office/mac/drawingml/2011/main" val="1"/>
             </a:ext>
           </a:extLst>
         </p:spPr>
@@ -9940,7 +9940,7 @@
           <a:effectLst/>
           <a:extLst>
             <a:ext uri="{C572A759-6A51-4108-AA02-DFA0A04FC94B}">
-              <ma14:wrappingTextBoxFlag xmlns:ma14="http://schemas.microsoft.com/office/mac/drawingml/2011/main" xmlns:a14="http://schemas.microsoft.com/office/drawing/2010/main" xmlns:m="http://schemas.openxmlformats.org/officeDocument/2006/math" xmlns="" val="1"/>
+              <ma14:wrappingTextBoxFlag xmlns="" xmlns:m="http://schemas.openxmlformats.org/officeDocument/2006/math" xmlns:a14="http://schemas.microsoft.com/office/drawing/2010/main" xmlns:ma14="http://schemas.microsoft.com/office/mac/drawingml/2011/main" val="1"/>
             </a:ext>
           </a:extLst>
         </p:spPr>
@@ -10000,7 +10000,7 @@
           <a:effectLst/>
           <a:extLst>
             <a:ext uri="{C572A759-6A51-4108-AA02-DFA0A04FC94B}">
-              <ma14:wrappingTextBoxFlag xmlns:ma14="http://schemas.microsoft.com/office/mac/drawingml/2011/main" xmlns:a14="http://schemas.microsoft.com/office/drawing/2010/main" xmlns:m="http://schemas.openxmlformats.org/officeDocument/2006/math" xmlns="" val="1"/>
+              <ma14:wrappingTextBoxFlag xmlns="" xmlns:m="http://schemas.openxmlformats.org/officeDocument/2006/math" xmlns:a14="http://schemas.microsoft.com/office/drawing/2010/main" xmlns:ma14="http://schemas.microsoft.com/office/mac/drawingml/2011/main" val="1"/>
             </a:ext>
           </a:extLst>
         </p:spPr>
@@ -10148,7 +10148,7 @@
           </a:ln>
           <a:extLst>
             <a:ext uri="{C572A759-6A51-4108-AA02-DFA0A04FC94B}">
-              <ma14:wrappingTextBoxFlag xmlns:ma14="http://schemas.microsoft.com/office/mac/drawingml/2011/main" xmlns:a14="http://schemas.microsoft.com/office/drawing/2010/main" xmlns:m="http://schemas.openxmlformats.org/officeDocument/2006/math" xmlns="" val="1"/>
+              <ma14:wrappingTextBoxFlag xmlns="" xmlns:m="http://schemas.openxmlformats.org/officeDocument/2006/math" xmlns:a14="http://schemas.microsoft.com/office/drawing/2010/main" xmlns:ma14="http://schemas.microsoft.com/office/mac/drawingml/2011/main" val="1"/>
             </a:ext>
           </a:extLst>
         </p:spPr>
@@ -10329,7 +10329,7 @@
           </a:ln>
           <a:extLst>
             <a:ext uri="{C572A759-6A51-4108-AA02-DFA0A04FC94B}">
-              <ma14:wrappingTextBoxFlag xmlns:ma14="http://schemas.microsoft.com/office/mac/drawingml/2011/main" xmlns:a14="http://schemas.microsoft.com/office/drawing/2010/main" xmlns:m="http://schemas.openxmlformats.org/officeDocument/2006/math" xmlns="" val="1"/>
+              <ma14:wrappingTextBoxFlag xmlns="" xmlns:m="http://schemas.openxmlformats.org/officeDocument/2006/math" xmlns:a14="http://schemas.microsoft.com/office/drawing/2010/main" xmlns:ma14="http://schemas.microsoft.com/office/mac/drawingml/2011/main" val="1"/>
             </a:ext>
           </a:extLst>
         </p:spPr>
@@ -10510,7 +10510,7 @@
           </a:ln>
           <a:extLst>
             <a:ext uri="{C572A759-6A51-4108-AA02-DFA0A04FC94B}">
-              <ma14:wrappingTextBoxFlag xmlns:ma14="http://schemas.microsoft.com/office/mac/drawingml/2011/main" xmlns:a14="http://schemas.microsoft.com/office/drawing/2010/main" xmlns:m="http://schemas.openxmlformats.org/officeDocument/2006/math" xmlns="" val="1"/>
+              <ma14:wrappingTextBoxFlag xmlns="" xmlns:m="http://schemas.openxmlformats.org/officeDocument/2006/math" xmlns:a14="http://schemas.microsoft.com/office/drawing/2010/main" xmlns:ma14="http://schemas.microsoft.com/office/mac/drawingml/2011/main" val="1"/>
             </a:ext>
           </a:extLst>
         </p:spPr>
@@ -10743,42 +10743,6 @@
           </a:p>
         </p:txBody>
       </p:sp>
-      <p:pic>
-        <p:nvPicPr>
-          <p:cNvPr id="4" name="Imagen 3">
-            <a:extLst>
-              <a:ext uri="{FF2B5EF4-FFF2-40B4-BE49-F238E27FC236}">
-                <a16:creationId xmlns:a16="http://schemas.microsoft.com/office/drawing/2014/main" id="{E7801F8C-2A0D-E0A8-A5AE-79DCD7E14209}"/>
-              </a:ext>
-            </a:extLst>
-          </p:cNvPr>
-          <p:cNvPicPr>
-            <a:picLocks noChangeAspect="1"/>
-          </p:cNvPicPr>
-          <p:nvPr/>
-        </p:nvPicPr>
-        <p:blipFill>
-          <a:blip r:embed="rId2" cstate="print">
-            <a:extLst>
-              <a:ext uri="{28A0092B-C50C-407E-A947-70E740481C1C}">
-                <a14:useLocalDpi xmlns:a14="http://schemas.microsoft.com/office/drawing/2010/main" val="0"/>
-              </a:ext>
-            </a:extLst>
-          </a:blip>
-          <a:stretch>
-            <a:fillRect/>
-          </a:stretch>
-        </p:blipFill>
-        <p:spPr>
-          <a:xfrm>
-            <a:off x="2764096" y="2612811"/>
-            <a:ext cx="4180473" cy="2175656"/>
-          </a:xfrm>
-          <a:prstGeom prst="rect">
-            <a:avLst/>
-          </a:prstGeom>
-        </p:spPr>
-      </p:pic>
       <p:sp>
         <p:nvSpPr>
           <p:cNvPr id="28" name="CuadroTexto 27">
@@ -10832,7 +10796,7 @@
                 </a:solidFill>
                 <a:effectLst/>
                 <a:latin typeface="Dank Mono Regular" panose="00000509000000000000" pitchFamily="50" charset="0"/>
-                <a:hlinkClick r:id="rId3"/>
+                <a:hlinkClick r:id="rId2"/>
               </a:rPr>
               <a:t>Estadísticas de uso</a:t>
             </a:r>
@@ -11404,7 +11368,7 @@
           <a:effectLst/>
           <a:extLst>
             <a:ext uri="{C572A759-6A51-4108-AA02-DFA0A04FC94B}">
-              <ma14:wrappingTextBoxFlag xmlns:ma14="http://schemas.microsoft.com/office/mac/drawingml/2011/main" xmlns:a14="http://schemas.microsoft.com/office/drawing/2010/main" xmlns:m="http://schemas.openxmlformats.org/officeDocument/2006/math" xmlns="" val="1"/>
+              <ma14:wrappingTextBoxFlag xmlns="" xmlns:m="http://schemas.openxmlformats.org/officeDocument/2006/math" xmlns:a14="http://schemas.microsoft.com/office/drawing/2010/main" xmlns:ma14="http://schemas.microsoft.com/office/mac/drawingml/2011/main" val="1"/>
             </a:ext>
           </a:extLst>
         </p:spPr>
@@ -11464,7 +11428,7 @@
           <a:effectLst/>
           <a:extLst>
             <a:ext uri="{C572A759-6A51-4108-AA02-DFA0A04FC94B}">
-              <ma14:wrappingTextBoxFlag xmlns:ma14="http://schemas.microsoft.com/office/mac/drawingml/2011/main" xmlns:a14="http://schemas.microsoft.com/office/drawing/2010/main" xmlns:m="http://schemas.openxmlformats.org/officeDocument/2006/math" xmlns="" val="1"/>
+              <ma14:wrappingTextBoxFlag xmlns="" xmlns:m="http://schemas.openxmlformats.org/officeDocument/2006/math" xmlns:a14="http://schemas.microsoft.com/office/drawing/2010/main" xmlns:ma14="http://schemas.microsoft.com/office/mac/drawingml/2011/main" val="1"/>
             </a:ext>
           </a:extLst>
         </p:spPr>
@@ -11524,7 +11488,7 @@
           <a:effectLst/>
           <a:extLst>
             <a:ext uri="{C572A759-6A51-4108-AA02-DFA0A04FC94B}">
-              <ma14:wrappingTextBoxFlag xmlns:ma14="http://schemas.microsoft.com/office/mac/drawingml/2011/main" xmlns:a14="http://schemas.microsoft.com/office/drawing/2010/main" xmlns:m="http://schemas.openxmlformats.org/officeDocument/2006/math" xmlns="" val="1"/>
+              <ma14:wrappingTextBoxFlag xmlns="" xmlns:m="http://schemas.openxmlformats.org/officeDocument/2006/math" xmlns:a14="http://schemas.microsoft.com/office/drawing/2010/main" xmlns:ma14="http://schemas.microsoft.com/office/mac/drawingml/2011/main" val="1"/>
             </a:ext>
           </a:extLst>
         </p:spPr>
@@ -11554,6 +11518,36 @@
           </a:p>
         </p:txBody>
       </p:sp>
+      <p:pic>
+        <p:nvPicPr>
+          <p:cNvPr id="3" name="Imagen 2">
+            <a:extLst>
+              <a:ext uri="{FF2B5EF4-FFF2-40B4-BE49-F238E27FC236}">
+                <a16:creationId xmlns:a16="http://schemas.microsoft.com/office/drawing/2014/main" id="{7BD2D05B-416B-F769-A7E9-0DB65DD9C4F3}"/>
+              </a:ext>
+            </a:extLst>
+          </p:cNvPr>
+          <p:cNvPicPr>
+            <a:picLocks noChangeAspect="1"/>
+          </p:cNvPicPr>
+          <p:nvPr/>
+        </p:nvPicPr>
+        <p:blipFill>
+          <a:blip r:embed="rId3"/>
+          <a:stretch>
+            <a:fillRect/>
+          </a:stretch>
+        </p:blipFill>
+        <p:spPr>
+          <a:xfrm>
+            <a:off x="2745886" y="2473391"/>
+            <a:ext cx="3946038" cy="2422222"/>
+          </a:xfrm>
+          <a:prstGeom prst="rect">
+            <a:avLst/>
+          </a:prstGeom>
+        </p:spPr>
+      </p:pic>
     </p:spTree>
     <p:extLst>
       <p:ext uri="{BB962C8B-B14F-4D97-AF65-F5344CB8AC3E}">
@@ -11683,7 +11677,7 @@
           </a:ln>
           <a:extLst>
             <a:ext uri="{C572A759-6A51-4108-AA02-DFA0A04FC94B}">
-              <ma14:wrappingTextBoxFlag xmlns:ma14="http://schemas.microsoft.com/office/mac/drawingml/2011/main" xmlns:a14="http://schemas.microsoft.com/office/drawing/2010/main" xmlns:m="http://schemas.openxmlformats.org/officeDocument/2006/math" xmlns="" val="1"/>
+              <ma14:wrappingTextBoxFlag xmlns="" xmlns:m="http://schemas.openxmlformats.org/officeDocument/2006/math" xmlns:a14="http://schemas.microsoft.com/office/drawing/2010/main" xmlns:ma14="http://schemas.microsoft.com/office/mac/drawingml/2011/main" val="1"/>
             </a:ext>
           </a:extLst>
         </p:spPr>
@@ -11746,7 +11740,7 @@
           </a:ln>
           <a:extLst>
             <a:ext uri="{C572A759-6A51-4108-AA02-DFA0A04FC94B}">
-              <ma14:wrappingTextBoxFlag xmlns:ma14="http://schemas.microsoft.com/office/mac/drawingml/2011/main" xmlns:a14="http://schemas.microsoft.com/office/drawing/2010/main" xmlns:m="http://schemas.openxmlformats.org/officeDocument/2006/math" xmlns="" val="1"/>
+              <ma14:wrappingTextBoxFlag xmlns="" xmlns:m="http://schemas.openxmlformats.org/officeDocument/2006/math" xmlns:a14="http://schemas.microsoft.com/office/drawing/2010/main" xmlns:ma14="http://schemas.microsoft.com/office/mac/drawingml/2011/main" val="1"/>
             </a:ext>
           </a:extLst>
         </p:spPr>
@@ -11802,7 +11796,7 @@
           </a:ln>
           <a:extLst>
             <a:ext uri="{C572A759-6A51-4108-AA02-DFA0A04FC94B}">
-              <ma14:wrappingTextBoxFlag xmlns:ma14="http://schemas.microsoft.com/office/mac/drawingml/2011/main" xmlns:a14="http://schemas.microsoft.com/office/drawing/2010/main" xmlns:m="http://schemas.openxmlformats.org/officeDocument/2006/math" xmlns="" val="1"/>
+              <ma14:wrappingTextBoxFlag xmlns="" xmlns:m="http://schemas.openxmlformats.org/officeDocument/2006/math" xmlns:a14="http://schemas.microsoft.com/office/drawing/2010/main" xmlns:ma14="http://schemas.microsoft.com/office/mac/drawingml/2011/main" val="1"/>
             </a:ext>
           </a:extLst>
         </p:spPr>
@@ -11869,7 +11863,7 @@
           <a:effectLst/>
           <a:extLst>
             <a:ext uri="{C572A759-6A51-4108-AA02-DFA0A04FC94B}">
-              <ma14:wrappingTextBoxFlag xmlns:ma14="http://schemas.microsoft.com/office/mac/drawingml/2011/main" xmlns:a14="http://schemas.microsoft.com/office/drawing/2010/main" xmlns:m="http://schemas.openxmlformats.org/officeDocument/2006/math" xmlns="" val="1"/>
+              <ma14:wrappingTextBoxFlag xmlns="" xmlns:m="http://schemas.openxmlformats.org/officeDocument/2006/math" xmlns:a14="http://schemas.microsoft.com/office/drawing/2010/main" xmlns:ma14="http://schemas.microsoft.com/office/mac/drawingml/2011/main" val="1"/>
             </a:ext>
           </a:extLst>
         </p:spPr>
@@ -11929,7 +11923,7 @@
           <a:effectLst/>
           <a:extLst>
             <a:ext uri="{C572A759-6A51-4108-AA02-DFA0A04FC94B}">
-              <ma14:wrappingTextBoxFlag xmlns:ma14="http://schemas.microsoft.com/office/mac/drawingml/2011/main" xmlns:a14="http://schemas.microsoft.com/office/drawing/2010/main" xmlns:m="http://schemas.openxmlformats.org/officeDocument/2006/math" xmlns="" val="1"/>
+              <ma14:wrappingTextBoxFlag xmlns="" xmlns:m="http://schemas.openxmlformats.org/officeDocument/2006/math" xmlns:a14="http://schemas.microsoft.com/office/drawing/2010/main" xmlns:ma14="http://schemas.microsoft.com/office/mac/drawingml/2011/main" val="1"/>
             </a:ext>
           </a:extLst>
         </p:spPr>
@@ -12137,7 +12131,7 @@
           <a:effectLst/>
           <a:extLst>
             <a:ext uri="{C572A759-6A51-4108-AA02-DFA0A04FC94B}">
-              <ma14:wrappingTextBoxFlag xmlns:ma14="http://schemas.microsoft.com/office/mac/drawingml/2011/main" xmlns:a14="http://schemas.microsoft.com/office/drawing/2010/main" xmlns:m="http://schemas.openxmlformats.org/officeDocument/2006/math" xmlns="" val="1"/>
+              <ma14:wrappingTextBoxFlag xmlns="" xmlns:m="http://schemas.openxmlformats.org/officeDocument/2006/math" xmlns:a14="http://schemas.microsoft.com/office/drawing/2010/main" xmlns:ma14="http://schemas.microsoft.com/office/mac/drawingml/2011/main" val="1"/>
             </a:ext>
           </a:extLst>
         </p:spPr>
@@ -12442,7 +12436,7 @@
           </a:ln>
           <a:extLst>
             <a:ext uri="{C572A759-6A51-4108-AA02-DFA0A04FC94B}">
-              <ma14:wrappingTextBoxFlag xmlns:ma14="http://schemas.microsoft.com/office/mac/drawingml/2011/main" xmlns:a14="http://schemas.microsoft.com/office/drawing/2010/main" xmlns:m="http://schemas.openxmlformats.org/officeDocument/2006/math" xmlns="" val="1"/>
+              <ma14:wrappingTextBoxFlag xmlns="" xmlns:m="http://schemas.openxmlformats.org/officeDocument/2006/math" xmlns:a14="http://schemas.microsoft.com/office/drawing/2010/main" xmlns:ma14="http://schemas.microsoft.com/office/mac/drawingml/2011/main" val="1"/>
             </a:ext>
           </a:extLst>
         </p:spPr>
@@ -12594,7 +12588,7 @@
           <a:effectLst/>
           <a:extLst>
             <a:ext uri="{C572A759-6A51-4108-AA02-DFA0A04FC94B}">
-              <ma14:wrappingTextBoxFlag xmlns:ma14="http://schemas.microsoft.com/office/mac/drawingml/2011/main" xmlns:a14="http://schemas.microsoft.com/office/drawing/2010/main" xmlns:m="http://schemas.openxmlformats.org/officeDocument/2006/math" xmlns="" val="1"/>
+              <ma14:wrappingTextBoxFlag xmlns="" xmlns:m="http://schemas.openxmlformats.org/officeDocument/2006/math" xmlns:a14="http://schemas.microsoft.com/office/drawing/2010/main" xmlns:ma14="http://schemas.microsoft.com/office/mac/drawingml/2011/main" val="1"/>
             </a:ext>
           </a:extLst>
         </p:spPr>
@@ -13118,7 +13112,7 @@
           </a:ln>
           <a:extLst>
             <a:ext uri="{C572A759-6A51-4108-AA02-DFA0A04FC94B}">
-              <ma14:wrappingTextBoxFlag xmlns:ma14="http://schemas.microsoft.com/office/mac/drawingml/2011/main" xmlns:a14="http://schemas.microsoft.com/office/drawing/2010/main" xmlns:m="http://schemas.openxmlformats.org/officeDocument/2006/math" xmlns="" val="1"/>
+              <ma14:wrappingTextBoxFlag xmlns="" xmlns:m="http://schemas.openxmlformats.org/officeDocument/2006/math" xmlns:a14="http://schemas.microsoft.com/office/drawing/2010/main" xmlns:ma14="http://schemas.microsoft.com/office/mac/drawingml/2011/main" val="1"/>
             </a:ext>
           </a:extLst>
         </p:spPr>
@@ -13270,7 +13264,7 @@
           <a:effectLst/>
           <a:extLst>
             <a:ext uri="{C572A759-6A51-4108-AA02-DFA0A04FC94B}">
-              <ma14:wrappingTextBoxFlag xmlns:ma14="http://schemas.microsoft.com/office/mac/drawingml/2011/main" xmlns:a14="http://schemas.microsoft.com/office/drawing/2010/main" xmlns:m="http://schemas.openxmlformats.org/officeDocument/2006/math" xmlns="" val="1"/>
+              <ma14:wrappingTextBoxFlag xmlns="" xmlns:m="http://schemas.openxmlformats.org/officeDocument/2006/math" xmlns:a14="http://schemas.microsoft.com/office/drawing/2010/main" xmlns:ma14="http://schemas.microsoft.com/office/mac/drawingml/2011/main" val="1"/>
             </a:ext>
           </a:extLst>
         </p:spPr>
@@ -13342,7 +13336,7 @@
           </a:ln>
           <a:extLst>
             <a:ext uri="{C572A759-6A51-4108-AA02-DFA0A04FC94B}">
-              <ma14:wrappingTextBoxFlag xmlns:ma14="http://schemas.microsoft.com/office/mac/drawingml/2011/main" xmlns:a14="http://schemas.microsoft.com/office/drawing/2010/main" xmlns:m="http://schemas.openxmlformats.org/officeDocument/2006/math" xmlns="" val="1"/>
+              <ma14:wrappingTextBoxFlag xmlns="" xmlns:m="http://schemas.openxmlformats.org/officeDocument/2006/math" xmlns:a14="http://schemas.microsoft.com/office/drawing/2010/main" xmlns:ma14="http://schemas.microsoft.com/office/mac/drawingml/2011/main" val="1"/>
             </a:ext>
           </a:extLst>
         </p:spPr>
@@ -13518,7 +13512,7 @@
           <a:effectLst/>
           <a:extLst>
             <a:ext uri="{C572A759-6A51-4108-AA02-DFA0A04FC94B}">
-              <ma14:wrappingTextBoxFlag xmlns:ma14="http://schemas.microsoft.com/office/mac/drawingml/2011/main" xmlns:a14="http://schemas.microsoft.com/office/drawing/2010/main" xmlns:m="http://schemas.openxmlformats.org/officeDocument/2006/math" xmlns="" val="1"/>
+              <ma14:wrappingTextBoxFlag xmlns="" xmlns:m="http://schemas.openxmlformats.org/officeDocument/2006/math" xmlns:a14="http://schemas.microsoft.com/office/drawing/2010/main" xmlns:ma14="http://schemas.microsoft.com/office/mac/drawingml/2011/main" val="1"/>
             </a:ext>
           </a:extLst>
         </p:spPr>
@@ -13694,7 +13688,7 @@
           </a:ln>
           <a:extLst>
             <a:ext uri="{C572A759-6A51-4108-AA02-DFA0A04FC94B}">
-              <ma14:wrappingTextBoxFlag xmlns:ma14="http://schemas.microsoft.com/office/mac/drawingml/2011/main" xmlns:a14="http://schemas.microsoft.com/office/drawing/2010/main" xmlns:m="http://schemas.openxmlformats.org/officeDocument/2006/math" xmlns="" val="1"/>
+              <ma14:wrappingTextBoxFlag xmlns="" xmlns:m="http://schemas.openxmlformats.org/officeDocument/2006/math" xmlns:a14="http://schemas.microsoft.com/office/drawing/2010/main" xmlns:ma14="http://schemas.microsoft.com/office/mac/drawingml/2011/main" val="1"/>
             </a:ext>
           </a:extLst>
         </p:spPr>
@@ -13761,7 +13755,7 @@
           <a:effectLst/>
           <a:extLst>
             <a:ext uri="{C572A759-6A51-4108-AA02-DFA0A04FC94B}">
-              <ma14:wrappingTextBoxFlag xmlns:ma14="http://schemas.microsoft.com/office/mac/drawingml/2011/main" xmlns:a14="http://schemas.microsoft.com/office/drawing/2010/main" xmlns:m="http://schemas.openxmlformats.org/officeDocument/2006/math" xmlns="" val="1"/>
+              <ma14:wrappingTextBoxFlag xmlns="" xmlns:m="http://schemas.openxmlformats.org/officeDocument/2006/math" xmlns:a14="http://schemas.microsoft.com/office/drawing/2010/main" xmlns:ma14="http://schemas.microsoft.com/office/mac/drawingml/2011/main" val="1"/>
             </a:ext>
           </a:extLst>
         </p:spPr>
@@ -13821,7 +13815,7 @@
           <a:effectLst/>
           <a:extLst>
             <a:ext uri="{C572A759-6A51-4108-AA02-DFA0A04FC94B}">
-              <ma14:wrappingTextBoxFlag xmlns:ma14="http://schemas.microsoft.com/office/mac/drawingml/2011/main" xmlns:a14="http://schemas.microsoft.com/office/drawing/2010/main" xmlns:m="http://schemas.openxmlformats.org/officeDocument/2006/math" xmlns="" val="1"/>
+              <ma14:wrappingTextBoxFlag xmlns="" xmlns:m="http://schemas.openxmlformats.org/officeDocument/2006/math" xmlns:a14="http://schemas.microsoft.com/office/drawing/2010/main" xmlns:ma14="http://schemas.microsoft.com/office/mac/drawingml/2011/main" val="1"/>
             </a:ext>
           </a:extLst>
         </p:spPr>
@@ -14081,7 +14075,7 @@
           </a:ln>
           <a:extLst>
             <a:ext uri="{C572A759-6A51-4108-AA02-DFA0A04FC94B}">
-              <ma14:wrappingTextBoxFlag xmlns:ma14="http://schemas.microsoft.com/office/mac/drawingml/2011/main" xmlns:a14="http://schemas.microsoft.com/office/drawing/2010/main" xmlns:m="http://schemas.openxmlformats.org/officeDocument/2006/math" xmlns="" val="1"/>
+              <ma14:wrappingTextBoxFlag xmlns="" xmlns:m="http://schemas.openxmlformats.org/officeDocument/2006/math" xmlns:a14="http://schemas.microsoft.com/office/drawing/2010/main" xmlns:ma14="http://schemas.microsoft.com/office/mac/drawingml/2011/main" val="1"/>
             </a:ext>
           </a:extLst>
         </p:spPr>
@@ -15523,7 +15517,7 @@
           </a:ln>
           <a:extLst>
             <a:ext uri="{C572A759-6A51-4108-AA02-DFA0A04FC94B}">
-              <ma14:wrappingTextBoxFlag xmlns="" xmlns:m="http://schemas.openxmlformats.org/officeDocument/2006/math" xmlns:a14="http://schemas.microsoft.com/office/drawing/2010/main" xmlns:ma14="http://schemas.microsoft.com/office/mac/drawingml/2011/main" val="1"/>
+              <ma14:wrappingTextBoxFlag xmlns:ma14="http://schemas.microsoft.com/office/mac/drawingml/2011/main" xmlns:a14="http://schemas.microsoft.com/office/drawing/2010/main" xmlns:m="http://schemas.openxmlformats.org/officeDocument/2006/math" xmlns="" val="1"/>
             </a:ext>
           </a:extLst>
         </p:spPr>
@@ -16993,7 +16987,7 @@
               </a:ln>
               <a:extLst>
                 <a:ext uri="{C572A759-6A51-4108-AA02-DFA0A04FC94B}">
-                  <ma14:wrappingTextBoxFlag xmlns:ma14="http://schemas.microsoft.com/office/mac/drawingml/2011/main" xmlns:a14="http://schemas.microsoft.com/office/drawing/2010/main" xmlns:m="http://schemas.openxmlformats.org/officeDocument/2006/math" xmlns="" val="1"/>
+                  <ma14:wrappingTextBoxFlag xmlns="" xmlns:m="http://schemas.openxmlformats.org/officeDocument/2006/math" xmlns:a14="http://schemas.microsoft.com/office/drawing/2010/main" xmlns:ma14="http://schemas.microsoft.com/office/mac/drawingml/2011/main" val="1"/>
                 </a:ext>
               </a:extLst>
             </p:spPr>
@@ -17097,7 +17091,7 @@
               </a:ln>
               <a:extLst>
                 <a:ext uri="{C572A759-6A51-4108-AA02-DFA0A04FC94B}">
-                  <ma14:wrappingTextBoxFlag xmlns:ma14="http://schemas.microsoft.com/office/mac/drawingml/2011/main" xmlns:a14="http://schemas.microsoft.com/office/drawing/2010/main" xmlns:m="http://schemas.openxmlformats.org/officeDocument/2006/math" xmlns="" val="1"/>
+                  <ma14:wrappingTextBoxFlag xmlns="" xmlns:m="http://schemas.openxmlformats.org/officeDocument/2006/math" xmlns:a14="http://schemas.microsoft.com/office/drawing/2010/main" xmlns:ma14="http://schemas.microsoft.com/office/mac/drawingml/2011/main" val="1"/>
                 </a:ext>
               </a:extLst>
             </p:spPr>
@@ -20431,7 +20425,7 @@
             </a:ln>
             <a:extLst>
               <a:ext uri="{C572A759-6A51-4108-AA02-DFA0A04FC94B}">
-                <ma14:wrappingTextBoxFlag xmlns="" xmlns:m="http://schemas.openxmlformats.org/officeDocument/2006/math" xmlns:a14="http://schemas.microsoft.com/office/drawing/2010/main" xmlns:ma14="http://schemas.microsoft.com/office/mac/drawingml/2011/main" val="1"/>
+                <ma14:wrappingTextBoxFlag xmlns:ma14="http://schemas.microsoft.com/office/mac/drawingml/2011/main" xmlns:a14="http://schemas.microsoft.com/office/drawing/2010/main" xmlns:m="http://schemas.openxmlformats.org/officeDocument/2006/math" xmlns="" val="1"/>
               </a:ext>
             </a:extLst>
           </p:spPr>
@@ -20512,7 +20506,7 @@
             </a:ln>
             <a:extLst>
               <a:ext uri="{C572A759-6A51-4108-AA02-DFA0A04FC94B}">
-                <ma14:wrappingTextBoxFlag xmlns="" xmlns:m="http://schemas.openxmlformats.org/officeDocument/2006/math" xmlns:a14="http://schemas.microsoft.com/office/drawing/2010/main" xmlns:ma14="http://schemas.microsoft.com/office/mac/drawingml/2011/main" val="1"/>
+                <ma14:wrappingTextBoxFlag xmlns:ma14="http://schemas.microsoft.com/office/mac/drawingml/2011/main" xmlns:a14="http://schemas.microsoft.com/office/drawing/2010/main" xmlns:m="http://schemas.openxmlformats.org/officeDocument/2006/math" xmlns="" val="1"/>
               </a:ext>
             </a:extLst>
           </p:spPr>
@@ -20991,7 +20985,7 @@
               </a:ln>
               <a:extLst>
                 <a:ext uri="{C572A759-6A51-4108-AA02-DFA0A04FC94B}">
-                  <ma14:wrappingTextBoxFlag xmlns="" xmlns:m="http://schemas.openxmlformats.org/officeDocument/2006/math" xmlns:a14="http://schemas.microsoft.com/office/drawing/2010/main" xmlns:ma14="http://schemas.microsoft.com/office/mac/drawingml/2011/main" val="1"/>
+                  <ma14:wrappingTextBoxFlag xmlns:ma14="http://schemas.microsoft.com/office/mac/drawingml/2011/main" xmlns:a14="http://schemas.microsoft.com/office/drawing/2010/main" xmlns:m="http://schemas.openxmlformats.org/officeDocument/2006/math" xmlns="" val="1"/>
                 </a:ext>
               </a:extLst>
             </p:spPr>
@@ -21110,7 +21104,7 @@
           </a:ln>
           <a:extLst>
             <a:ext uri="{C572A759-6A51-4108-AA02-DFA0A04FC94B}">
-              <ma14:wrappingTextBoxFlag xmlns:ma14="http://schemas.microsoft.com/office/mac/drawingml/2011/main" xmlns:a14="http://schemas.microsoft.com/office/drawing/2010/main" xmlns:m="http://schemas.openxmlformats.org/officeDocument/2006/math" xmlns="" val="1"/>
+              <ma14:wrappingTextBoxFlag xmlns="" xmlns:m="http://schemas.openxmlformats.org/officeDocument/2006/math" xmlns:a14="http://schemas.microsoft.com/office/drawing/2010/main" xmlns:ma14="http://schemas.microsoft.com/office/mac/drawingml/2011/main" val="1"/>
             </a:ext>
           </a:extLst>
         </p:spPr>
@@ -21405,7 +21399,7 @@
           <a:effectLst/>
           <a:extLst>
             <a:ext uri="{C572A759-6A51-4108-AA02-DFA0A04FC94B}">
-              <ma14:wrappingTextBoxFlag xmlns:ma14="http://schemas.microsoft.com/office/mac/drawingml/2011/main" xmlns:a14="http://schemas.microsoft.com/office/drawing/2010/main" xmlns:m="http://schemas.openxmlformats.org/officeDocument/2006/math" xmlns="" val="1"/>
+              <ma14:wrappingTextBoxFlag xmlns="" xmlns:m="http://schemas.openxmlformats.org/officeDocument/2006/math" xmlns:a14="http://schemas.microsoft.com/office/drawing/2010/main" xmlns:ma14="http://schemas.microsoft.com/office/mac/drawingml/2011/main" val="1"/>
             </a:ext>
           </a:extLst>
         </p:spPr>
@@ -21559,35 +21553,7 @@
                 <a:ea typeface="Open Sans" panose="020B0606030504020204" pitchFamily="34" charset="0"/>
                 <a:cs typeface="Open Sans" panose="020B0606030504020204" pitchFamily="34" charset="0"/>
               </a:rPr>
-              <a:t> nativo </a:t>
-            </a:r>
-            <a:r>
-              <a:rPr lang="es-ES" sz="1200">
-                <a:solidFill>
-                  <a:schemeClr val="tx1">
-                    <a:lumMod val="85000"/>
-                    <a:lumOff val="15000"/>
-                  </a:schemeClr>
-                </a:solidFill>
-                <a:latin typeface="Open Sans" panose="020B0606030504020204" pitchFamily="34" charset="0"/>
-                <a:ea typeface="Open Sans" panose="020B0606030504020204" pitchFamily="34" charset="0"/>
-                <a:cs typeface="Open Sans" panose="020B0606030504020204" pitchFamily="34" charset="0"/>
-              </a:rPr>
-              <a:t>(sintaxis </a:t>
-            </a:r>
-            <a:r>
-              <a:rPr lang="es-ES" sz="1200" dirty="0">
-                <a:solidFill>
-                  <a:schemeClr val="tx1">
-                    <a:lumMod val="85000"/>
-                    <a:lumOff val="15000"/>
-                  </a:schemeClr>
-                </a:solidFill>
-                <a:latin typeface="Open Sans" panose="020B0606030504020204" pitchFamily="34" charset="0"/>
-                <a:ea typeface="Open Sans" panose="020B0606030504020204" pitchFamily="34" charset="0"/>
-                <a:cs typeface="Open Sans" panose="020B0606030504020204" pitchFamily="34" charset="0"/>
-              </a:rPr>
-              <a:t>de </a:t>
+              <a:t> nativo (sintaxis de </a:t>
             </a:r>
             <a:r>
               <a:rPr lang="es-ES" sz="1200" dirty="0" err="1">
@@ -21943,45 +21909,59 @@
                 <a:ea typeface="Open Sans" panose="020B0606030504020204" pitchFamily="34" charset="0"/>
                 <a:cs typeface="Open Sans" panose="020B0606030504020204" pitchFamily="34" charset="0"/>
               </a:rPr>
-              <a:t>Código fuente - 304 </a:t>
-            </a:r>
-            <a:r>
-              <a:rPr lang="es-ES" sz="1200" dirty="0" err="1">
+              <a:t>Código fuente - </a:t>
+            </a:r>
+            <a:r>
+              <a:rPr lang="es-ES" sz="1200" dirty="0">
                 <a:solidFill>
                   <a:schemeClr val="tx1">
                     <a:lumMod val="50000"/>
                     <a:lumOff val="50000"/>
                   </a:schemeClr>
                 </a:solidFill>
-                <a:latin typeface="Open Sans" panose="020B0606030504020204" pitchFamily="34" charset="0"/>
+                <a:latin typeface="Monospac821 BT" panose="020B0609020202020204" pitchFamily="49" charset="0"/>
                 <a:ea typeface="Open Sans" panose="020B0606030504020204" pitchFamily="34" charset="0"/>
                 <a:cs typeface="Open Sans" panose="020B0606030504020204" pitchFamily="34" charset="0"/>
               </a:rPr>
-              <a:t>Not</a:t>
-            </a:r>
-            <a:r>
-              <a:rPr lang="es-ES" sz="1200" dirty="0">
+              <a:t>304 </a:t>
+            </a:r>
+            <a:r>
+              <a:rPr lang="es-ES" sz="1200" dirty="0" err="1">
                 <a:solidFill>
                   <a:schemeClr val="tx1">
                     <a:lumMod val="50000"/>
                     <a:lumOff val="50000"/>
                   </a:schemeClr>
                 </a:solidFill>
-                <a:latin typeface="Open Sans" panose="020B0606030504020204" pitchFamily="34" charset="0"/>
+                <a:latin typeface="Monospac821 BT" panose="020B0609020202020204" pitchFamily="49" charset="0"/>
                 <a:ea typeface="Open Sans" panose="020B0606030504020204" pitchFamily="34" charset="0"/>
                 <a:cs typeface="Open Sans" panose="020B0606030504020204" pitchFamily="34" charset="0"/>
               </a:rPr>
-              <a:t> </a:t>
-            </a:r>
-            <a:r>
-              <a:rPr lang="es-ES" sz="1200" dirty="0" err="1">
+              <a:t>Not</a:t>
+            </a:r>
+            <a:r>
+              <a:rPr lang="es-ES" sz="1200" dirty="0">
                 <a:solidFill>
                   <a:schemeClr val="tx1">
                     <a:lumMod val="50000"/>
                     <a:lumOff val="50000"/>
                   </a:schemeClr>
                 </a:solidFill>
-                <a:latin typeface="Open Sans" panose="020B0606030504020204" pitchFamily="34" charset="0"/>
+                <a:latin typeface="Monospac821 BT" panose="020B0609020202020204" pitchFamily="49" charset="0"/>
+                <a:ea typeface="Open Sans" panose="020B0606030504020204" pitchFamily="34" charset="0"/>
+                <a:cs typeface="Open Sans" panose="020B0606030504020204" pitchFamily="34" charset="0"/>
+              </a:rPr>
+              <a:t> </a:t>
+            </a:r>
+            <a:r>
+              <a:rPr lang="es-ES" sz="1200" dirty="0" err="1">
+                <a:solidFill>
+                  <a:schemeClr val="tx1">
+                    <a:lumMod val="50000"/>
+                    <a:lumOff val="50000"/>
+                  </a:schemeClr>
+                </a:solidFill>
+                <a:latin typeface="Monospac821 BT" panose="020B0609020202020204" pitchFamily="49" charset="0"/>
                 <a:ea typeface="Open Sans" panose="020B0606030504020204" pitchFamily="34" charset="0"/>
                 <a:cs typeface="Open Sans" panose="020B0606030504020204" pitchFamily="34" charset="0"/>
               </a:rPr>
@@ -22175,7 +22155,7 @@
           <a:effectLst/>
           <a:extLst>
             <a:ext uri="{C572A759-6A51-4108-AA02-DFA0A04FC94B}">
-              <ma14:wrappingTextBoxFlag xmlns:ma14="http://schemas.microsoft.com/office/mac/drawingml/2011/main" xmlns:a14="http://schemas.microsoft.com/office/drawing/2010/main" xmlns:m="http://schemas.openxmlformats.org/officeDocument/2006/math" xmlns="" val="1"/>
+              <ma14:wrappingTextBoxFlag xmlns="" xmlns:m="http://schemas.openxmlformats.org/officeDocument/2006/math" xmlns:a14="http://schemas.microsoft.com/office/drawing/2010/main" xmlns:ma14="http://schemas.microsoft.com/office/mac/drawingml/2011/main" val="1"/>
             </a:ext>
           </a:extLst>
         </p:spPr>
@@ -22549,7 +22529,7 @@
               <a:t> pero en modo </a:t>
             </a:r>
             <a:r>
-              <a:rPr lang="es-ES" sz="1200" dirty="0" err="1">
+              <a:rPr lang="es-ES" sz="1200" i="1" dirty="0" err="1">
                 <a:solidFill>
                   <a:schemeClr val="tx1">
                     <a:lumMod val="50000"/>
@@ -22563,7 +22543,7 @@
               <a:t>isolated</a:t>
             </a:r>
             <a:r>
-              <a:rPr lang="es-ES" sz="1200" dirty="0">
+              <a:rPr lang="es-ES" sz="1200" i="1" dirty="0">
                 <a:solidFill>
                   <a:schemeClr val="tx1">
                     <a:lumMod val="50000"/>
@@ -22589,11 +22569,102 @@
             </a:endParaRPr>
           </a:p>
           <a:p>
+            <a:pPr marL="171450" indent="-171450">
+              <a:spcBef>
+                <a:spcPts val="600"/>
+              </a:spcBef>
+              <a:buBlip>
+                <a:blip r:embed="rId4"/>
+              </a:buBlip>
+            </a:pPr>
+            <a:r>
+              <a:rPr lang="es-ES" sz="1200" b="1" dirty="0" err="1">
+                <a:solidFill>
+                  <a:schemeClr val="tx1">
+                    <a:lumMod val="85000"/>
+                    <a:lumOff val="15000"/>
+                  </a:schemeClr>
+                </a:solidFill>
+                <a:latin typeface="Open Sans" panose="020B0606030504020204" pitchFamily="34" charset="0"/>
+                <a:ea typeface="Open Sans" panose="020B0606030504020204" pitchFamily="34" charset="0"/>
+                <a:cs typeface="Open Sans" panose="020B0606030504020204" pitchFamily="34" charset="0"/>
+              </a:rPr>
+              <a:t>Opinionado</a:t>
+            </a:r>
+            <a:endParaRPr lang="es-ES" sz="1200" b="1" dirty="0">
+              <a:solidFill>
+                <a:schemeClr val="tx1">
+                  <a:lumMod val="85000"/>
+                  <a:lumOff val="15000"/>
+                </a:schemeClr>
+              </a:solidFill>
+              <a:latin typeface="Open Sans" panose="020B0606030504020204" pitchFamily="34" charset="0"/>
+              <a:ea typeface="Open Sans" panose="020B0606030504020204" pitchFamily="34" charset="0"/>
+              <a:cs typeface="Open Sans" panose="020B0606030504020204" pitchFamily="34" charset="0"/>
+            </a:endParaRPr>
+          </a:p>
+          <a:p>
             <a:pPr>
               <a:spcBef>
                 <a:spcPts val="600"/>
               </a:spcBef>
             </a:pPr>
+            <a:r>
+              <a:rPr lang="es-ES" sz="1200" dirty="0" err="1">
+                <a:solidFill>
+                  <a:schemeClr val="tx1">
+                    <a:lumMod val="50000"/>
+                    <a:lumOff val="50000"/>
+                  </a:schemeClr>
+                </a:solidFill>
+                <a:latin typeface="Open Sans" panose="020B0606030504020204" pitchFamily="34" charset="0"/>
+                <a:ea typeface="Open Sans" panose="020B0606030504020204" pitchFamily="34" charset="0"/>
+                <a:cs typeface="Open Sans" panose="020B0606030504020204" pitchFamily="34" charset="0"/>
+              </a:rPr>
+              <a:t>Sintáxis</a:t>
+            </a:r>
+            <a:r>
+              <a:rPr lang="es-ES" sz="1200" dirty="0">
+                <a:solidFill>
+                  <a:schemeClr val="tx1">
+                    <a:lumMod val="50000"/>
+                    <a:lumOff val="50000"/>
+                  </a:schemeClr>
+                </a:solidFill>
+                <a:latin typeface="Open Sans" panose="020B0606030504020204" pitchFamily="34" charset="0"/>
+                <a:ea typeface="Open Sans" panose="020B0606030504020204" pitchFamily="34" charset="0"/>
+                <a:cs typeface="Open Sans" panose="020B0606030504020204" pitchFamily="34" charset="0"/>
+              </a:rPr>
+              <a:t>/directivas exclusivas de Vite (</a:t>
+            </a:r>
+            <a:r>
+              <a:rPr lang="es-ES" sz="1200" dirty="0" err="1">
+                <a:solidFill>
+                  <a:schemeClr val="tx1">
+                    <a:lumMod val="50000"/>
+                    <a:lumOff val="50000"/>
+                  </a:schemeClr>
+                </a:solidFill>
+                <a:latin typeface="Monospac821 BT" panose="020B0609020202020204" pitchFamily="49" charset="0"/>
+                <a:ea typeface="Open Sans" panose="020B0606030504020204" pitchFamily="34" charset="0"/>
+                <a:cs typeface="Open Sans" panose="020B0606030504020204" pitchFamily="34" charset="0"/>
+              </a:rPr>
+              <a:t>import.meta.glob</a:t>
+            </a:r>
+            <a:r>
+              <a:rPr lang="es-ES" sz="1200" dirty="0">
+                <a:solidFill>
+                  <a:schemeClr val="tx1">
+                    <a:lumMod val="50000"/>
+                    <a:lumOff val="50000"/>
+                  </a:schemeClr>
+                </a:solidFill>
+                <a:latin typeface="Open Sans" panose="020B0606030504020204" pitchFamily="34" charset="0"/>
+                <a:ea typeface="Open Sans" panose="020B0606030504020204" pitchFamily="34" charset="0"/>
+                <a:cs typeface="Open Sans" panose="020B0606030504020204" pitchFamily="34" charset="0"/>
+              </a:rPr>
+              <a:t>) que sólo Vite conoce y entiende. Te acoplas.</a:t>
+            </a:r>
             <a:endParaRPr lang="es-ES" sz="1200" b="1" i="1" dirty="0">
               <a:solidFill>
                 <a:schemeClr val="tx1">
@@ -22743,7 +22814,7 @@
           </a:ln>
           <a:extLst>
             <a:ext uri="{C572A759-6A51-4108-AA02-DFA0A04FC94B}">
-              <ma14:wrappingTextBoxFlag xmlns="" xmlns:m="http://schemas.openxmlformats.org/officeDocument/2006/math" xmlns:a14="http://schemas.microsoft.com/office/drawing/2010/main" xmlns:ma14="http://schemas.microsoft.com/office/mac/drawingml/2011/main" val="1"/>
+              <ma14:wrappingTextBoxFlag xmlns:ma14="http://schemas.microsoft.com/office/mac/drawingml/2011/main" xmlns:a14="http://schemas.microsoft.com/office/drawing/2010/main" xmlns:m="http://schemas.openxmlformats.org/officeDocument/2006/math" xmlns="" val="1"/>
             </a:ext>
           </a:extLst>
         </p:spPr>
@@ -22805,7 +22876,7 @@
           </a:ln>
           <a:extLst>
             <a:ext uri="{C572A759-6A51-4108-AA02-DFA0A04FC94B}">
-              <ma14:wrappingTextBoxFlag xmlns="" xmlns:m="http://schemas.openxmlformats.org/officeDocument/2006/math" xmlns:a14="http://schemas.microsoft.com/office/drawing/2010/main" xmlns:ma14="http://schemas.microsoft.com/office/mac/drawingml/2011/main" val="1"/>
+              <ma14:wrappingTextBoxFlag xmlns:ma14="http://schemas.microsoft.com/office/mac/drawingml/2011/main" xmlns:a14="http://schemas.microsoft.com/office/drawing/2010/main" xmlns:m="http://schemas.openxmlformats.org/officeDocument/2006/math" xmlns="" val="1"/>
             </a:ext>
           </a:extLst>
         </p:spPr>
@@ -22957,7 +23028,7 @@
           </a:ln>
           <a:extLst>
             <a:ext uri="{C572A759-6A51-4108-AA02-DFA0A04FC94B}">
-              <ma14:wrappingTextBoxFlag xmlns="" xmlns:m="http://schemas.openxmlformats.org/officeDocument/2006/math" xmlns:a14="http://schemas.microsoft.com/office/drawing/2010/main" xmlns:ma14="http://schemas.microsoft.com/office/mac/drawingml/2011/main" val="1"/>
+              <ma14:wrappingTextBoxFlag xmlns:ma14="http://schemas.microsoft.com/office/mac/drawingml/2011/main" xmlns:a14="http://schemas.microsoft.com/office/drawing/2010/main" xmlns:m="http://schemas.openxmlformats.org/officeDocument/2006/math" xmlns="" val="1"/>
             </a:ext>
           </a:extLst>
         </p:spPr>
@@ -23136,7 +23207,7 @@
           </a:ln>
           <a:extLst>
             <a:ext uri="{C572A759-6A51-4108-AA02-DFA0A04FC94B}">
-              <ma14:wrappingTextBoxFlag xmlns="" xmlns:m="http://schemas.openxmlformats.org/officeDocument/2006/math" xmlns:a14="http://schemas.microsoft.com/office/drawing/2010/main" xmlns:ma14="http://schemas.microsoft.com/office/mac/drawingml/2011/main" val="1"/>
+              <ma14:wrappingTextBoxFlag xmlns:ma14="http://schemas.microsoft.com/office/mac/drawingml/2011/main" xmlns:a14="http://schemas.microsoft.com/office/drawing/2010/main" xmlns:m="http://schemas.openxmlformats.org/officeDocument/2006/math" xmlns="" val="1"/>
             </a:ext>
           </a:extLst>
         </p:spPr>

--- a/03-bundling/06-vite/00-teoría/Introducción a vite.pptx
+++ b/03-bundling/06-vite/00-teoría/Introducción a vite.pptx
@@ -7133,7 +7133,7 @@
           </a:ln>
           <a:extLst>
             <a:ext uri="{C572A759-6A51-4108-AA02-DFA0A04FC94B}">
-              <ma14:wrappingTextBoxFlag xmlns="" xmlns:m="http://schemas.openxmlformats.org/officeDocument/2006/math" xmlns:a14="http://schemas.microsoft.com/office/drawing/2010/main" xmlns:ma14="http://schemas.microsoft.com/office/mac/drawingml/2011/main" val="1"/>
+              <ma14:wrappingTextBoxFlag xmlns:ma14="http://schemas.microsoft.com/office/mac/drawingml/2011/main" xmlns:a14="http://schemas.microsoft.com/office/drawing/2010/main" xmlns:m="http://schemas.openxmlformats.org/officeDocument/2006/math" xmlns="" val="1"/>
             </a:ext>
           </a:extLst>
         </p:spPr>
@@ -7172,7 +7172,7 @@
           </a:ln>
           <a:extLst>
             <a:ext uri="{C572A759-6A51-4108-AA02-DFA0A04FC94B}">
-              <ma14:wrappingTextBoxFlag xmlns="" xmlns:m="http://schemas.openxmlformats.org/officeDocument/2006/math" xmlns:a14="http://schemas.microsoft.com/office/drawing/2010/main" xmlns:ma14="http://schemas.microsoft.com/office/mac/drawingml/2011/main" val="1"/>
+              <ma14:wrappingTextBoxFlag xmlns:ma14="http://schemas.microsoft.com/office/mac/drawingml/2011/main" xmlns:a14="http://schemas.microsoft.com/office/drawing/2010/main" xmlns:m="http://schemas.openxmlformats.org/officeDocument/2006/math" xmlns="" val="1"/>
             </a:ext>
           </a:extLst>
         </p:spPr>
@@ -8130,7 +8130,7 @@
           </a:ln>
           <a:extLst>
             <a:ext uri="{C572A759-6A51-4108-AA02-DFA0A04FC94B}">
-              <ma14:wrappingTextBoxFlag xmlns="" xmlns:m="http://schemas.openxmlformats.org/officeDocument/2006/math" xmlns:a14="http://schemas.microsoft.com/office/drawing/2010/main" xmlns:ma14="http://schemas.microsoft.com/office/mac/drawingml/2011/main" val="1"/>
+              <ma14:wrappingTextBoxFlag xmlns:ma14="http://schemas.microsoft.com/office/mac/drawingml/2011/main" xmlns:a14="http://schemas.microsoft.com/office/drawing/2010/main" xmlns:m="http://schemas.openxmlformats.org/officeDocument/2006/math" xmlns="" val="1"/>
             </a:ext>
           </a:extLst>
         </p:spPr>
@@ -8182,7 +8182,7 @@
           </a:ln>
           <a:extLst>
             <a:ext uri="{C572A759-6A51-4108-AA02-DFA0A04FC94B}">
-              <ma14:wrappingTextBoxFlag xmlns="" xmlns:m="http://schemas.openxmlformats.org/officeDocument/2006/math" xmlns:a14="http://schemas.microsoft.com/office/drawing/2010/main" xmlns:ma14="http://schemas.microsoft.com/office/mac/drawingml/2011/main" val="1"/>
+              <ma14:wrappingTextBoxFlag xmlns:ma14="http://schemas.microsoft.com/office/mac/drawingml/2011/main" xmlns:a14="http://schemas.microsoft.com/office/drawing/2010/main" xmlns:m="http://schemas.openxmlformats.org/officeDocument/2006/math" xmlns="" val="1"/>
             </a:ext>
           </a:extLst>
         </p:spPr>
@@ -8346,7 +8346,7 @@
           </a:ln>
           <a:extLst>
             <a:ext uri="{C572A759-6A51-4108-AA02-DFA0A04FC94B}">
-              <ma14:wrappingTextBoxFlag xmlns="" xmlns:m="http://schemas.openxmlformats.org/officeDocument/2006/math" xmlns:a14="http://schemas.microsoft.com/office/drawing/2010/main" xmlns:ma14="http://schemas.microsoft.com/office/mac/drawingml/2011/main" val="1"/>
+              <ma14:wrappingTextBoxFlag xmlns:ma14="http://schemas.microsoft.com/office/mac/drawingml/2011/main" xmlns:a14="http://schemas.microsoft.com/office/drawing/2010/main" xmlns:m="http://schemas.openxmlformats.org/officeDocument/2006/math" xmlns="" val="1"/>
             </a:ext>
           </a:extLst>
         </p:spPr>
@@ -8619,7 +8619,7 @@
             <a:effectLst/>
             <a:extLst>
               <a:ext uri="{C572A759-6A51-4108-AA02-DFA0A04FC94B}">
-                <ma14:wrappingTextBoxFlag xmlns="" xmlns:m="http://schemas.openxmlformats.org/officeDocument/2006/math" xmlns:a14="http://schemas.microsoft.com/office/drawing/2010/main" xmlns:ma14="http://schemas.microsoft.com/office/mac/drawingml/2011/main" val="1"/>
+                <ma14:wrappingTextBoxFlag xmlns:ma14="http://schemas.microsoft.com/office/mac/drawingml/2011/main" xmlns:a14="http://schemas.microsoft.com/office/drawing/2010/main" xmlns:m="http://schemas.openxmlformats.org/officeDocument/2006/math" xmlns="" val="1"/>
               </a:ext>
             </a:extLst>
           </p:spPr>
@@ -8669,7 +8669,7 @@
             <a:effectLst/>
             <a:extLst>
               <a:ext uri="{C572A759-6A51-4108-AA02-DFA0A04FC94B}">
-                <ma14:wrappingTextBoxFlag xmlns="" xmlns:m="http://schemas.openxmlformats.org/officeDocument/2006/math" xmlns:a14="http://schemas.microsoft.com/office/drawing/2010/main" xmlns:ma14="http://schemas.microsoft.com/office/mac/drawingml/2011/main" val="1"/>
+                <ma14:wrappingTextBoxFlag xmlns:ma14="http://schemas.microsoft.com/office/mac/drawingml/2011/main" xmlns:a14="http://schemas.microsoft.com/office/drawing/2010/main" xmlns:m="http://schemas.openxmlformats.org/officeDocument/2006/math" xmlns="" val="1"/>
               </a:ext>
             </a:extLst>
           </p:spPr>
@@ -8719,7 +8719,7 @@
             <a:effectLst/>
             <a:extLst>
               <a:ext uri="{C572A759-6A51-4108-AA02-DFA0A04FC94B}">
-                <ma14:wrappingTextBoxFlag xmlns="" xmlns:m="http://schemas.openxmlformats.org/officeDocument/2006/math" xmlns:a14="http://schemas.microsoft.com/office/drawing/2010/main" xmlns:ma14="http://schemas.microsoft.com/office/mac/drawingml/2011/main" val="1"/>
+                <ma14:wrappingTextBoxFlag xmlns:ma14="http://schemas.microsoft.com/office/mac/drawingml/2011/main" xmlns:a14="http://schemas.microsoft.com/office/drawing/2010/main" xmlns:m="http://schemas.openxmlformats.org/officeDocument/2006/math" xmlns="" val="1"/>
               </a:ext>
             </a:extLst>
           </p:spPr>
@@ -8769,7 +8769,7 @@
             <a:effectLst/>
             <a:extLst>
               <a:ext uri="{C572A759-6A51-4108-AA02-DFA0A04FC94B}">
-                <ma14:wrappingTextBoxFlag xmlns="" xmlns:m="http://schemas.openxmlformats.org/officeDocument/2006/math" xmlns:a14="http://schemas.microsoft.com/office/drawing/2010/main" xmlns:ma14="http://schemas.microsoft.com/office/mac/drawingml/2011/main" val="1"/>
+                <ma14:wrappingTextBoxFlag xmlns:ma14="http://schemas.microsoft.com/office/mac/drawingml/2011/main" xmlns:a14="http://schemas.microsoft.com/office/drawing/2010/main" xmlns:m="http://schemas.openxmlformats.org/officeDocument/2006/math" xmlns="" val="1"/>
               </a:ext>
             </a:extLst>
           </p:spPr>
@@ -9880,7 +9880,7 @@
           <a:effectLst/>
           <a:extLst>
             <a:ext uri="{C572A759-6A51-4108-AA02-DFA0A04FC94B}">
-              <ma14:wrappingTextBoxFlag xmlns="" xmlns:m="http://schemas.openxmlformats.org/officeDocument/2006/math" xmlns:a14="http://schemas.microsoft.com/office/drawing/2010/main" xmlns:ma14="http://schemas.microsoft.com/office/mac/drawingml/2011/main" val="1"/>
+              <ma14:wrappingTextBoxFlag xmlns:ma14="http://schemas.microsoft.com/office/mac/drawingml/2011/main" xmlns:a14="http://schemas.microsoft.com/office/drawing/2010/main" xmlns:m="http://schemas.openxmlformats.org/officeDocument/2006/math" xmlns="" val="1"/>
             </a:ext>
           </a:extLst>
         </p:spPr>
@@ -9940,7 +9940,7 @@
           <a:effectLst/>
           <a:extLst>
             <a:ext uri="{C572A759-6A51-4108-AA02-DFA0A04FC94B}">
-              <ma14:wrappingTextBoxFlag xmlns="" xmlns:m="http://schemas.openxmlformats.org/officeDocument/2006/math" xmlns:a14="http://schemas.microsoft.com/office/drawing/2010/main" xmlns:ma14="http://schemas.microsoft.com/office/mac/drawingml/2011/main" val="1"/>
+              <ma14:wrappingTextBoxFlag xmlns:ma14="http://schemas.microsoft.com/office/mac/drawingml/2011/main" xmlns:a14="http://schemas.microsoft.com/office/drawing/2010/main" xmlns:m="http://schemas.openxmlformats.org/officeDocument/2006/math" xmlns="" val="1"/>
             </a:ext>
           </a:extLst>
         </p:spPr>
@@ -10000,7 +10000,7 @@
           <a:effectLst/>
           <a:extLst>
             <a:ext uri="{C572A759-6A51-4108-AA02-DFA0A04FC94B}">
-              <ma14:wrappingTextBoxFlag xmlns="" xmlns:m="http://schemas.openxmlformats.org/officeDocument/2006/math" xmlns:a14="http://schemas.microsoft.com/office/drawing/2010/main" xmlns:ma14="http://schemas.microsoft.com/office/mac/drawingml/2011/main" val="1"/>
+              <ma14:wrappingTextBoxFlag xmlns:ma14="http://schemas.microsoft.com/office/mac/drawingml/2011/main" xmlns:a14="http://schemas.microsoft.com/office/drawing/2010/main" xmlns:m="http://schemas.openxmlformats.org/officeDocument/2006/math" xmlns="" val="1"/>
             </a:ext>
           </a:extLst>
         </p:spPr>
@@ -10148,7 +10148,7 @@
           </a:ln>
           <a:extLst>
             <a:ext uri="{C572A759-6A51-4108-AA02-DFA0A04FC94B}">
-              <ma14:wrappingTextBoxFlag xmlns="" xmlns:m="http://schemas.openxmlformats.org/officeDocument/2006/math" xmlns:a14="http://schemas.microsoft.com/office/drawing/2010/main" xmlns:ma14="http://schemas.microsoft.com/office/mac/drawingml/2011/main" val="1"/>
+              <ma14:wrappingTextBoxFlag xmlns:ma14="http://schemas.microsoft.com/office/mac/drawingml/2011/main" xmlns:a14="http://schemas.microsoft.com/office/drawing/2010/main" xmlns:m="http://schemas.openxmlformats.org/officeDocument/2006/math" xmlns="" val="1"/>
             </a:ext>
           </a:extLst>
         </p:spPr>
@@ -10329,7 +10329,7 @@
           </a:ln>
           <a:extLst>
             <a:ext uri="{C572A759-6A51-4108-AA02-DFA0A04FC94B}">
-              <ma14:wrappingTextBoxFlag xmlns="" xmlns:m="http://schemas.openxmlformats.org/officeDocument/2006/math" xmlns:a14="http://schemas.microsoft.com/office/drawing/2010/main" xmlns:ma14="http://schemas.microsoft.com/office/mac/drawingml/2011/main" val="1"/>
+              <ma14:wrappingTextBoxFlag xmlns:ma14="http://schemas.microsoft.com/office/mac/drawingml/2011/main" xmlns:a14="http://schemas.microsoft.com/office/drawing/2010/main" xmlns:m="http://schemas.openxmlformats.org/officeDocument/2006/math" xmlns="" val="1"/>
             </a:ext>
           </a:extLst>
         </p:spPr>
@@ -10510,7 +10510,7 @@
           </a:ln>
           <a:extLst>
             <a:ext uri="{C572A759-6A51-4108-AA02-DFA0A04FC94B}">
-              <ma14:wrappingTextBoxFlag xmlns="" xmlns:m="http://schemas.openxmlformats.org/officeDocument/2006/math" xmlns:a14="http://schemas.microsoft.com/office/drawing/2010/main" xmlns:ma14="http://schemas.microsoft.com/office/mac/drawingml/2011/main" val="1"/>
+              <ma14:wrappingTextBoxFlag xmlns:ma14="http://schemas.microsoft.com/office/mac/drawingml/2011/main" xmlns:a14="http://schemas.microsoft.com/office/drawing/2010/main" xmlns:m="http://schemas.openxmlformats.org/officeDocument/2006/math" xmlns="" val="1"/>
             </a:ext>
           </a:extLst>
         </p:spPr>
@@ -11368,7 +11368,7 @@
           <a:effectLst/>
           <a:extLst>
             <a:ext uri="{C572A759-6A51-4108-AA02-DFA0A04FC94B}">
-              <ma14:wrappingTextBoxFlag xmlns="" xmlns:m="http://schemas.openxmlformats.org/officeDocument/2006/math" xmlns:a14="http://schemas.microsoft.com/office/drawing/2010/main" xmlns:ma14="http://schemas.microsoft.com/office/mac/drawingml/2011/main" val="1"/>
+              <ma14:wrappingTextBoxFlag xmlns:ma14="http://schemas.microsoft.com/office/mac/drawingml/2011/main" xmlns:a14="http://schemas.microsoft.com/office/drawing/2010/main" xmlns:m="http://schemas.openxmlformats.org/officeDocument/2006/math" xmlns="" val="1"/>
             </a:ext>
           </a:extLst>
         </p:spPr>
@@ -11428,7 +11428,7 @@
           <a:effectLst/>
           <a:extLst>
             <a:ext uri="{C572A759-6A51-4108-AA02-DFA0A04FC94B}">
-              <ma14:wrappingTextBoxFlag xmlns="" xmlns:m="http://schemas.openxmlformats.org/officeDocument/2006/math" xmlns:a14="http://schemas.microsoft.com/office/drawing/2010/main" xmlns:ma14="http://schemas.microsoft.com/office/mac/drawingml/2011/main" val="1"/>
+              <ma14:wrappingTextBoxFlag xmlns:ma14="http://schemas.microsoft.com/office/mac/drawingml/2011/main" xmlns:a14="http://schemas.microsoft.com/office/drawing/2010/main" xmlns:m="http://schemas.openxmlformats.org/officeDocument/2006/math" xmlns="" val="1"/>
             </a:ext>
           </a:extLst>
         </p:spPr>
@@ -11488,7 +11488,7 @@
           <a:effectLst/>
           <a:extLst>
             <a:ext uri="{C572A759-6A51-4108-AA02-DFA0A04FC94B}">
-              <ma14:wrappingTextBoxFlag xmlns="" xmlns:m="http://schemas.openxmlformats.org/officeDocument/2006/math" xmlns:a14="http://schemas.microsoft.com/office/drawing/2010/main" xmlns:ma14="http://schemas.microsoft.com/office/mac/drawingml/2011/main" val="1"/>
+              <ma14:wrappingTextBoxFlag xmlns:ma14="http://schemas.microsoft.com/office/mac/drawingml/2011/main" xmlns:a14="http://schemas.microsoft.com/office/drawing/2010/main" xmlns:m="http://schemas.openxmlformats.org/officeDocument/2006/math" xmlns="" val="1"/>
             </a:ext>
           </a:extLst>
         </p:spPr>
@@ -11520,10 +11520,10 @@
       </p:sp>
       <p:pic>
         <p:nvPicPr>
-          <p:cNvPr id="3" name="Imagen 2">
+          <p:cNvPr id="4" name="Imagen 3">
             <a:extLst>
               <a:ext uri="{FF2B5EF4-FFF2-40B4-BE49-F238E27FC236}">
-                <a16:creationId xmlns:a16="http://schemas.microsoft.com/office/drawing/2014/main" id="{7BD2D05B-416B-F769-A7E9-0DB65DD9C4F3}"/>
+                <a16:creationId xmlns:a16="http://schemas.microsoft.com/office/drawing/2014/main" id="{EFC1F4D9-69E7-DA69-9767-E770C69DF3BA}"/>
               </a:ext>
             </a:extLst>
           </p:cNvPr>
@@ -11540,8 +11540,8 @@
         </p:blipFill>
         <p:spPr>
           <a:xfrm>
-            <a:off x="2745886" y="2473391"/>
-            <a:ext cx="3946038" cy="2422222"/>
+            <a:off x="2710567" y="2519943"/>
+            <a:ext cx="3862788" cy="2268524"/>
           </a:xfrm>
           <a:prstGeom prst="rect">
             <a:avLst/>
@@ -11677,7 +11677,7 @@
           </a:ln>
           <a:extLst>
             <a:ext uri="{C572A759-6A51-4108-AA02-DFA0A04FC94B}">
-              <ma14:wrappingTextBoxFlag xmlns="" xmlns:m="http://schemas.openxmlformats.org/officeDocument/2006/math" xmlns:a14="http://schemas.microsoft.com/office/drawing/2010/main" xmlns:ma14="http://schemas.microsoft.com/office/mac/drawingml/2011/main" val="1"/>
+              <ma14:wrappingTextBoxFlag xmlns:ma14="http://schemas.microsoft.com/office/mac/drawingml/2011/main" xmlns:a14="http://schemas.microsoft.com/office/drawing/2010/main" xmlns:m="http://schemas.openxmlformats.org/officeDocument/2006/math" xmlns="" val="1"/>
             </a:ext>
           </a:extLst>
         </p:spPr>
@@ -11740,7 +11740,7 @@
           </a:ln>
           <a:extLst>
             <a:ext uri="{C572A759-6A51-4108-AA02-DFA0A04FC94B}">
-              <ma14:wrappingTextBoxFlag xmlns="" xmlns:m="http://schemas.openxmlformats.org/officeDocument/2006/math" xmlns:a14="http://schemas.microsoft.com/office/drawing/2010/main" xmlns:ma14="http://schemas.microsoft.com/office/mac/drawingml/2011/main" val="1"/>
+              <ma14:wrappingTextBoxFlag xmlns:ma14="http://schemas.microsoft.com/office/mac/drawingml/2011/main" xmlns:a14="http://schemas.microsoft.com/office/drawing/2010/main" xmlns:m="http://schemas.openxmlformats.org/officeDocument/2006/math" xmlns="" val="1"/>
             </a:ext>
           </a:extLst>
         </p:spPr>
@@ -11796,7 +11796,7 @@
           </a:ln>
           <a:extLst>
             <a:ext uri="{C572A759-6A51-4108-AA02-DFA0A04FC94B}">
-              <ma14:wrappingTextBoxFlag xmlns="" xmlns:m="http://schemas.openxmlformats.org/officeDocument/2006/math" xmlns:a14="http://schemas.microsoft.com/office/drawing/2010/main" xmlns:ma14="http://schemas.microsoft.com/office/mac/drawingml/2011/main" val="1"/>
+              <ma14:wrappingTextBoxFlag xmlns:ma14="http://schemas.microsoft.com/office/mac/drawingml/2011/main" xmlns:a14="http://schemas.microsoft.com/office/drawing/2010/main" xmlns:m="http://schemas.openxmlformats.org/officeDocument/2006/math" xmlns="" val="1"/>
             </a:ext>
           </a:extLst>
         </p:spPr>
@@ -11863,7 +11863,7 @@
           <a:effectLst/>
           <a:extLst>
             <a:ext uri="{C572A759-6A51-4108-AA02-DFA0A04FC94B}">
-              <ma14:wrappingTextBoxFlag xmlns="" xmlns:m="http://schemas.openxmlformats.org/officeDocument/2006/math" xmlns:a14="http://schemas.microsoft.com/office/drawing/2010/main" xmlns:ma14="http://schemas.microsoft.com/office/mac/drawingml/2011/main" val="1"/>
+              <ma14:wrappingTextBoxFlag xmlns:ma14="http://schemas.microsoft.com/office/mac/drawingml/2011/main" xmlns:a14="http://schemas.microsoft.com/office/drawing/2010/main" xmlns:m="http://schemas.openxmlformats.org/officeDocument/2006/math" xmlns="" val="1"/>
             </a:ext>
           </a:extLst>
         </p:spPr>
@@ -11923,7 +11923,7 @@
           <a:effectLst/>
           <a:extLst>
             <a:ext uri="{C572A759-6A51-4108-AA02-DFA0A04FC94B}">
-              <ma14:wrappingTextBoxFlag xmlns="" xmlns:m="http://schemas.openxmlformats.org/officeDocument/2006/math" xmlns:a14="http://schemas.microsoft.com/office/drawing/2010/main" xmlns:ma14="http://schemas.microsoft.com/office/mac/drawingml/2011/main" val="1"/>
+              <ma14:wrappingTextBoxFlag xmlns:ma14="http://schemas.microsoft.com/office/mac/drawingml/2011/main" xmlns:a14="http://schemas.microsoft.com/office/drawing/2010/main" xmlns:m="http://schemas.openxmlformats.org/officeDocument/2006/math" xmlns="" val="1"/>
             </a:ext>
           </a:extLst>
         </p:spPr>
@@ -12131,7 +12131,7 @@
           <a:effectLst/>
           <a:extLst>
             <a:ext uri="{C572A759-6A51-4108-AA02-DFA0A04FC94B}">
-              <ma14:wrappingTextBoxFlag xmlns="" xmlns:m="http://schemas.openxmlformats.org/officeDocument/2006/math" xmlns:a14="http://schemas.microsoft.com/office/drawing/2010/main" xmlns:ma14="http://schemas.microsoft.com/office/mac/drawingml/2011/main" val="1"/>
+              <ma14:wrappingTextBoxFlag xmlns:ma14="http://schemas.microsoft.com/office/mac/drawingml/2011/main" xmlns:a14="http://schemas.microsoft.com/office/drawing/2010/main" xmlns:m="http://schemas.openxmlformats.org/officeDocument/2006/math" xmlns="" val="1"/>
             </a:ext>
           </a:extLst>
         </p:spPr>
@@ -12436,7 +12436,7 @@
           </a:ln>
           <a:extLst>
             <a:ext uri="{C572A759-6A51-4108-AA02-DFA0A04FC94B}">
-              <ma14:wrappingTextBoxFlag xmlns="" xmlns:m="http://schemas.openxmlformats.org/officeDocument/2006/math" xmlns:a14="http://schemas.microsoft.com/office/drawing/2010/main" xmlns:ma14="http://schemas.microsoft.com/office/mac/drawingml/2011/main" val="1"/>
+              <ma14:wrappingTextBoxFlag xmlns:ma14="http://schemas.microsoft.com/office/mac/drawingml/2011/main" xmlns:a14="http://schemas.microsoft.com/office/drawing/2010/main" xmlns:m="http://schemas.openxmlformats.org/officeDocument/2006/math" xmlns="" val="1"/>
             </a:ext>
           </a:extLst>
         </p:spPr>
@@ -12588,7 +12588,7 @@
           <a:effectLst/>
           <a:extLst>
             <a:ext uri="{C572A759-6A51-4108-AA02-DFA0A04FC94B}">
-              <ma14:wrappingTextBoxFlag xmlns="" xmlns:m="http://schemas.openxmlformats.org/officeDocument/2006/math" xmlns:a14="http://schemas.microsoft.com/office/drawing/2010/main" xmlns:ma14="http://schemas.microsoft.com/office/mac/drawingml/2011/main" val="1"/>
+              <ma14:wrappingTextBoxFlag xmlns:ma14="http://schemas.microsoft.com/office/mac/drawingml/2011/main" xmlns:a14="http://schemas.microsoft.com/office/drawing/2010/main" xmlns:m="http://schemas.openxmlformats.org/officeDocument/2006/math" xmlns="" val="1"/>
             </a:ext>
           </a:extLst>
         </p:spPr>
@@ -13112,7 +13112,7 @@
           </a:ln>
           <a:extLst>
             <a:ext uri="{C572A759-6A51-4108-AA02-DFA0A04FC94B}">
-              <ma14:wrappingTextBoxFlag xmlns="" xmlns:m="http://schemas.openxmlformats.org/officeDocument/2006/math" xmlns:a14="http://schemas.microsoft.com/office/drawing/2010/main" xmlns:ma14="http://schemas.microsoft.com/office/mac/drawingml/2011/main" val="1"/>
+              <ma14:wrappingTextBoxFlag xmlns:ma14="http://schemas.microsoft.com/office/mac/drawingml/2011/main" xmlns:a14="http://schemas.microsoft.com/office/drawing/2010/main" xmlns:m="http://schemas.openxmlformats.org/officeDocument/2006/math" xmlns="" val="1"/>
             </a:ext>
           </a:extLst>
         </p:spPr>
@@ -13264,7 +13264,7 @@
           <a:effectLst/>
           <a:extLst>
             <a:ext uri="{C572A759-6A51-4108-AA02-DFA0A04FC94B}">
-              <ma14:wrappingTextBoxFlag xmlns="" xmlns:m="http://schemas.openxmlformats.org/officeDocument/2006/math" xmlns:a14="http://schemas.microsoft.com/office/drawing/2010/main" xmlns:ma14="http://schemas.microsoft.com/office/mac/drawingml/2011/main" val="1"/>
+              <ma14:wrappingTextBoxFlag xmlns:ma14="http://schemas.microsoft.com/office/mac/drawingml/2011/main" xmlns:a14="http://schemas.microsoft.com/office/drawing/2010/main" xmlns:m="http://schemas.openxmlformats.org/officeDocument/2006/math" xmlns="" val="1"/>
             </a:ext>
           </a:extLst>
         </p:spPr>
@@ -13336,7 +13336,7 @@
           </a:ln>
           <a:extLst>
             <a:ext uri="{C572A759-6A51-4108-AA02-DFA0A04FC94B}">
-              <ma14:wrappingTextBoxFlag xmlns="" xmlns:m="http://schemas.openxmlformats.org/officeDocument/2006/math" xmlns:a14="http://schemas.microsoft.com/office/drawing/2010/main" xmlns:ma14="http://schemas.microsoft.com/office/mac/drawingml/2011/main" val="1"/>
+              <ma14:wrappingTextBoxFlag xmlns:ma14="http://schemas.microsoft.com/office/mac/drawingml/2011/main" xmlns:a14="http://schemas.microsoft.com/office/drawing/2010/main" xmlns:m="http://schemas.openxmlformats.org/officeDocument/2006/math" xmlns="" val="1"/>
             </a:ext>
           </a:extLst>
         </p:spPr>
@@ -13512,7 +13512,7 @@
           <a:effectLst/>
           <a:extLst>
             <a:ext uri="{C572A759-6A51-4108-AA02-DFA0A04FC94B}">
-              <ma14:wrappingTextBoxFlag xmlns="" xmlns:m="http://schemas.openxmlformats.org/officeDocument/2006/math" xmlns:a14="http://schemas.microsoft.com/office/drawing/2010/main" xmlns:ma14="http://schemas.microsoft.com/office/mac/drawingml/2011/main" val="1"/>
+              <ma14:wrappingTextBoxFlag xmlns:ma14="http://schemas.microsoft.com/office/mac/drawingml/2011/main" xmlns:a14="http://schemas.microsoft.com/office/drawing/2010/main" xmlns:m="http://schemas.openxmlformats.org/officeDocument/2006/math" xmlns="" val="1"/>
             </a:ext>
           </a:extLst>
         </p:spPr>
@@ -13688,7 +13688,7 @@
           </a:ln>
           <a:extLst>
             <a:ext uri="{C572A759-6A51-4108-AA02-DFA0A04FC94B}">
-              <ma14:wrappingTextBoxFlag xmlns="" xmlns:m="http://schemas.openxmlformats.org/officeDocument/2006/math" xmlns:a14="http://schemas.microsoft.com/office/drawing/2010/main" xmlns:ma14="http://schemas.microsoft.com/office/mac/drawingml/2011/main" val="1"/>
+              <ma14:wrappingTextBoxFlag xmlns:ma14="http://schemas.microsoft.com/office/mac/drawingml/2011/main" xmlns:a14="http://schemas.microsoft.com/office/drawing/2010/main" xmlns:m="http://schemas.openxmlformats.org/officeDocument/2006/math" xmlns="" val="1"/>
             </a:ext>
           </a:extLst>
         </p:spPr>
@@ -13755,7 +13755,7 @@
           <a:effectLst/>
           <a:extLst>
             <a:ext uri="{C572A759-6A51-4108-AA02-DFA0A04FC94B}">
-              <ma14:wrappingTextBoxFlag xmlns="" xmlns:m="http://schemas.openxmlformats.org/officeDocument/2006/math" xmlns:a14="http://schemas.microsoft.com/office/drawing/2010/main" xmlns:ma14="http://schemas.microsoft.com/office/mac/drawingml/2011/main" val="1"/>
+              <ma14:wrappingTextBoxFlag xmlns:ma14="http://schemas.microsoft.com/office/mac/drawingml/2011/main" xmlns:a14="http://schemas.microsoft.com/office/drawing/2010/main" xmlns:m="http://schemas.openxmlformats.org/officeDocument/2006/math" xmlns="" val="1"/>
             </a:ext>
           </a:extLst>
         </p:spPr>
@@ -13815,7 +13815,7 @@
           <a:effectLst/>
           <a:extLst>
             <a:ext uri="{C572A759-6A51-4108-AA02-DFA0A04FC94B}">
-              <ma14:wrappingTextBoxFlag xmlns="" xmlns:m="http://schemas.openxmlformats.org/officeDocument/2006/math" xmlns:a14="http://schemas.microsoft.com/office/drawing/2010/main" xmlns:ma14="http://schemas.microsoft.com/office/mac/drawingml/2011/main" val="1"/>
+              <ma14:wrappingTextBoxFlag xmlns:ma14="http://schemas.microsoft.com/office/mac/drawingml/2011/main" xmlns:a14="http://schemas.microsoft.com/office/drawing/2010/main" xmlns:m="http://schemas.openxmlformats.org/officeDocument/2006/math" xmlns="" val="1"/>
             </a:ext>
           </a:extLst>
         </p:spPr>
@@ -14075,7 +14075,7 @@
           </a:ln>
           <a:extLst>
             <a:ext uri="{C572A759-6A51-4108-AA02-DFA0A04FC94B}">
-              <ma14:wrappingTextBoxFlag xmlns="" xmlns:m="http://schemas.openxmlformats.org/officeDocument/2006/math" xmlns:a14="http://schemas.microsoft.com/office/drawing/2010/main" xmlns:ma14="http://schemas.microsoft.com/office/mac/drawingml/2011/main" val="1"/>
+              <ma14:wrappingTextBoxFlag xmlns:ma14="http://schemas.microsoft.com/office/mac/drawingml/2011/main" xmlns:a14="http://schemas.microsoft.com/office/drawing/2010/main" xmlns:m="http://schemas.openxmlformats.org/officeDocument/2006/math" xmlns="" val="1"/>
             </a:ext>
           </a:extLst>
         </p:spPr>
@@ -15517,7 +15517,7 @@
           </a:ln>
           <a:extLst>
             <a:ext uri="{C572A759-6A51-4108-AA02-DFA0A04FC94B}">
-              <ma14:wrappingTextBoxFlag xmlns:ma14="http://schemas.microsoft.com/office/mac/drawingml/2011/main" xmlns:a14="http://schemas.microsoft.com/office/drawing/2010/main" xmlns:m="http://schemas.openxmlformats.org/officeDocument/2006/math" xmlns="" val="1"/>
+              <ma14:wrappingTextBoxFlag xmlns="" xmlns:m="http://schemas.openxmlformats.org/officeDocument/2006/math" xmlns:a14="http://schemas.microsoft.com/office/drawing/2010/main" xmlns:ma14="http://schemas.microsoft.com/office/mac/drawingml/2011/main" val="1"/>
             </a:ext>
           </a:extLst>
         </p:spPr>
@@ -16987,7 +16987,7 @@
               </a:ln>
               <a:extLst>
                 <a:ext uri="{C572A759-6A51-4108-AA02-DFA0A04FC94B}">
-                  <ma14:wrappingTextBoxFlag xmlns="" xmlns:m="http://schemas.openxmlformats.org/officeDocument/2006/math" xmlns:a14="http://schemas.microsoft.com/office/drawing/2010/main" xmlns:ma14="http://schemas.microsoft.com/office/mac/drawingml/2011/main" val="1"/>
+                  <ma14:wrappingTextBoxFlag xmlns:ma14="http://schemas.microsoft.com/office/mac/drawingml/2011/main" xmlns:a14="http://schemas.microsoft.com/office/drawing/2010/main" xmlns:m="http://schemas.openxmlformats.org/officeDocument/2006/math" xmlns="" val="1"/>
                 </a:ext>
               </a:extLst>
             </p:spPr>
@@ -17091,7 +17091,7 @@
               </a:ln>
               <a:extLst>
                 <a:ext uri="{C572A759-6A51-4108-AA02-DFA0A04FC94B}">
-                  <ma14:wrappingTextBoxFlag xmlns="" xmlns:m="http://schemas.openxmlformats.org/officeDocument/2006/math" xmlns:a14="http://schemas.microsoft.com/office/drawing/2010/main" xmlns:ma14="http://schemas.microsoft.com/office/mac/drawingml/2011/main" val="1"/>
+                  <ma14:wrappingTextBoxFlag xmlns:ma14="http://schemas.microsoft.com/office/mac/drawingml/2011/main" xmlns:a14="http://schemas.microsoft.com/office/drawing/2010/main" xmlns:m="http://schemas.openxmlformats.org/officeDocument/2006/math" xmlns="" val="1"/>
                 </a:ext>
               </a:extLst>
             </p:spPr>
@@ -19077,15 +19077,7 @@
             </a:pPr>
             <a:r>
               <a:rPr lang="es-ES" dirty="0"/>
-              <a:t>     - </a:t>
-            </a:r>
-            <a:r>
-              <a:rPr lang="es-ES" u="sng" dirty="0"/>
-              <a:t>Sintaxis</a:t>
-            </a:r>
-            <a:r>
-              <a:rPr lang="es-ES" dirty="0"/>
-              <a:t> (JSX, CSS-in-JS)</a:t>
+              <a:t>     - Sintaxis (JSX, CSS-in-JS)</a:t>
             </a:r>
           </a:p>
           <a:p>
@@ -20425,7 +20417,7 @@
             </a:ln>
             <a:extLst>
               <a:ext uri="{C572A759-6A51-4108-AA02-DFA0A04FC94B}">
-                <ma14:wrappingTextBoxFlag xmlns:ma14="http://schemas.microsoft.com/office/mac/drawingml/2011/main" xmlns:a14="http://schemas.microsoft.com/office/drawing/2010/main" xmlns:m="http://schemas.openxmlformats.org/officeDocument/2006/math" xmlns="" val="1"/>
+                <ma14:wrappingTextBoxFlag xmlns="" xmlns:m="http://schemas.openxmlformats.org/officeDocument/2006/math" xmlns:a14="http://schemas.microsoft.com/office/drawing/2010/main" xmlns:ma14="http://schemas.microsoft.com/office/mac/drawingml/2011/main" val="1"/>
               </a:ext>
             </a:extLst>
           </p:spPr>
@@ -20506,7 +20498,7 @@
             </a:ln>
             <a:extLst>
               <a:ext uri="{C572A759-6A51-4108-AA02-DFA0A04FC94B}">
-                <ma14:wrappingTextBoxFlag xmlns:ma14="http://schemas.microsoft.com/office/mac/drawingml/2011/main" xmlns:a14="http://schemas.microsoft.com/office/drawing/2010/main" xmlns:m="http://schemas.openxmlformats.org/officeDocument/2006/math" xmlns="" val="1"/>
+                <ma14:wrappingTextBoxFlag xmlns="" xmlns:m="http://schemas.openxmlformats.org/officeDocument/2006/math" xmlns:a14="http://schemas.microsoft.com/office/drawing/2010/main" xmlns:ma14="http://schemas.microsoft.com/office/mac/drawingml/2011/main" val="1"/>
               </a:ext>
             </a:extLst>
           </p:spPr>
@@ -20985,7 +20977,7 @@
               </a:ln>
               <a:extLst>
                 <a:ext uri="{C572A759-6A51-4108-AA02-DFA0A04FC94B}">
-                  <ma14:wrappingTextBoxFlag xmlns:ma14="http://schemas.microsoft.com/office/mac/drawingml/2011/main" xmlns:a14="http://schemas.microsoft.com/office/drawing/2010/main" xmlns:m="http://schemas.openxmlformats.org/officeDocument/2006/math" xmlns="" val="1"/>
+                  <ma14:wrappingTextBoxFlag xmlns="" xmlns:m="http://schemas.openxmlformats.org/officeDocument/2006/math" xmlns:a14="http://schemas.microsoft.com/office/drawing/2010/main" xmlns:ma14="http://schemas.microsoft.com/office/mac/drawingml/2011/main" val="1"/>
                 </a:ext>
               </a:extLst>
             </p:spPr>
@@ -21104,7 +21096,7 @@
           </a:ln>
           <a:extLst>
             <a:ext uri="{C572A759-6A51-4108-AA02-DFA0A04FC94B}">
-              <ma14:wrappingTextBoxFlag xmlns="" xmlns:m="http://schemas.openxmlformats.org/officeDocument/2006/math" xmlns:a14="http://schemas.microsoft.com/office/drawing/2010/main" xmlns:ma14="http://schemas.microsoft.com/office/mac/drawingml/2011/main" val="1"/>
+              <ma14:wrappingTextBoxFlag xmlns:ma14="http://schemas.microsoft.com/office/mac/drawingml/2011/main" xmlns:a14="http://schemas.microsoft.com/office/drawing/2010/main" xmlns:m="http://schemas.openxmlformats.org/officeDocument/2006/math" xmlns="" val="1"/>
             </a:ext>
           </a:extLst>
         </p:spPr>
@@ -21399,7 +21391,7 @@
           <a:effectLst/>
           <a:extLst>
             <a:ext uri="{C572A759-6A51-4108-AA02-DFA0A04FC94B}">
-              <ma14:wrappingTextBoxFlag xmlns="" xmlns:m="http://schemas.openxmlformats.org/officeDocument/2006/math" xmlns:a14="http://schemas.microsoft.com/office/drawing/2010/main" xmlns:ma14="http://schemas.microsoft.com/office/mac/drawingml/2011/main" val="1"/>
+              <ma14:wrappingTextBoxFlag xmlns:ma14="http://schemas.microsoft.com/office/mac/drawingml/2011/main" xmlns:a14="http://schemas.microsoft.com/office/drawing/2010/main" xmlns:m="http://schemas.openxmlformats.org/officeDocument/2006/math" xmlns="" val="1"/>
             </a:ext>
           </a:extLst>
         </p:spPr>
@@ -22155,7 +22147,7 @@
           <a:effectLst/>
           <a:extLst>
             <a:ext uri="{C572A759-6A51-4108-AA02-DFA0A04FC94B}">
-              <ma14:wrappingTextBoxFlag xmlns="" xmlns:m="http://schemas.openxmlformats.org/officeDocument/2006/math" xmlns:a14="http://schemas.microsoft.com/office/drawing/2010/main" xmlns:ma14="http://schemas.microsoft.com/office/mac/drawingml/2011/main" val="1"/>
+              <ma14:wrappingTextBoxFlag xmlns:ma14="http://schemas.microsoft.com/office/mac/drawingml/2011/main" xmlns:a14="http://schemas.microsoft.com/office/drawing/2010/main" xmlns:m="http://schemas.openxmlformats.org/officeDocument/2006/math" xmlns="" val="1"/>
             </a:ext>
           </a:extLst>
         </p:spPr>
@@ -22814,7 +22806,7 @@
           </a:ln>
           <a:extLst>
             <a:ext uri="{C572A759-6A51-4108-AA02-DFA0A04FC94B}">
-              <ma14:wrappingTextBoxFlag xmlns:ma14="http://schemas.microsoft.com/office/mac/drawingml/2011/main" xmlns:a14="http://schemas.microsoft.com/office/drawing/2010/main" xmlns:m="http://schemas.openxmlformats.org/officeDocument/2006/math" xmlns="" val="1"/>
+              <ma14:wrappingTextBoxFlag xmlns="" xmlns:m="http://schemas.openxmlformats.org/officeDocument/2006/math" xmlns:a14="http://schemas.microsoft.com/office/drawing/2010/main" xmlns:ma14="http://schemas.microsoft.com/office/mac/drawingml/2011/main" val="1"/>
             </a:ext>
           </a:extLst>
         </p:spPr>
@@ -22876,7 +22868,7 @@
           </a:ln>
           <a:extLst>
             <a:ext uri="{C572A759-6A51-4108-AA02-DFA0A04FC94B}">
-              <ma14:wrappingTextBoxFlag xmlns:ma14="http://schemas.microsoft.com/office/mac/drawingml/2011/main" xmlns:a14="http://schemas.microsoft.com/office/drawing/2010/main" xmlns:m="http://schemas.openxmlformats.org/officeDocument/2006/math" xmlns="" val="1"/>
+              <ma14:wrappingTextBoxFlag xmlns="" xmlns:m="http://schemas.openxmlformats.org/officeDocument/2006/math" xmlns:a14="http://schemas.microsoft.com/office/drawing/2010/main" xmlns:ma14="http://schemas.microsoft.com/office/mac/drawingml/2011/main" val="1"/>
             </a:ext>
           </a:extLst>
         </p:spPr>
@@ -23028,7 +23020,7 @@
           </a:ln>
           <a:extLst>
             <a:ext uri="{C572A759-6A51-4108-AA02-DFA0A04FC94B}">
-              <ma14:wrappingTextBoxFlag xmlns:ma14="http://schemas.microsoft.com/office/mac/drawingml/2011/main" xmlns:a14="http://schemas.microsoft.com/office/drawing/2010/main" xmlns:m="http://schemas.openxmlformats.org/officeDocument/2006/math" xmlns="" val="1"/>
+              <ma14:wrappingTextBoxFlag xmlns="" xmlns:m="http://schemas.openxmlformats.org/officeDocument/2006/math" xmlns:a14="http://schemas.microsoft.com/office/drawing/2010/main" xmlns:ma14="http://schemas.microsoft.com/office/mac/drawingml/2011/main" val="1"/>
             </a:ext>
           </a:extLst>
         </p:spPr>
@@ -23207,7 +23199,7 @@
           </a:ln>
           <a:extLst>
             <a:ext uri="{C572A759-6A51-4108-AA02-DFA0A04FC94B}">
-              <ma14:wrappingTextBoxFlag xmlns:ma14="http://schemas.microsoft.com/office/mac/drawingml/2011/main" xmlns:a14="http://schemas.microsoft.com/office/drawing/2010/main" xmlns:m="http://schemas.openxmlformats.org/officeDocument/2006/math" xmlns="" val="1"/>
+              <ma14:wrappingTextBoxFlag xmlns="" xmlns:m="http://schemas.openxmlformats.org/officeDocument/2006/math" xmlns:a14="http://schemas.microsoft.com/office/drawing/2010/main" xmlns:ma14="http://schemas.microsoft.com/office/mac/drawingml/2011/main" val="1"/>
             </a:ext>
           </a:extLst>
         </p:spPr>

--- a/03-bundling/06-vite/00-teoría/Introducción a vite.pptx
+++ b/03-bundling/06-vite/00-teoría/Introducción a vite.pptx
@@ -7133,7 +7133,7 @@
           </a:ln>
           <a:extLst>
             <a:ext uri="{C572A759-6A51-4108-AA02-DFA0A04FC94B}">
-              <ma14:wrappingTextBoxFlag xmlns:ma14="http://schemas.microsoft.com/office/mac/drawingml/2011/main" xmlns:a14="http://schemas.microsoft.com/office/drawing/2010/main" xmlns:m="http://schemas.openxmlformats.org/officeDocument/2006/math" xmlns="" val="1"/>
+              <ma14:wrappingTextBoxFlag xmlns="" xmlns:m="http://schemas.openxmlformats.org/officeDocument/2006/math" xmlns:a14="http://schemas.microsoft.com/office/drawing/2010/main" xmlns:ma14="http://schemas.microsoft.com/office/mac/drawingml/2011/main" val="1"/>
             </a:ext>
           </a:extLst>
         </p:spPr>
@@ -7172,7 +7172,7 @@
           </a:ln>
           <a:extLst>
             <a:ext uri="{C572A759-6A51-4108-AA02-DFA0A04FC94B}">
-              <ma14:wrappingTextBoxFlag xmlns:ma14="http://schemas.microsoft.com/office/mac/drawingml/2011/main" xmlns:a14="http://schemas.microsoft.com/office/drawing/2010/main" xmlns:m="http://schemas.openxmlformats.org/officeDocument/2006/math" xmlns="" val="1"/>
+              <ma14:wrappingTextBoxFlag xmlns="" xmlns:m="http://schemas.openxmlformats.org/officeDocument/2006/math" xmlns:a14="http://schemas.microsoft.com/office/drawing/2010/main" xmlns:ma14="http://schemas.microsoft.com/office/mac/drawingml/2011/main" val="1"/>
             </a:ext>
           </a:extLst>
         </p:spPr>
@@ -8130,7 +8130,7 @@
           </a:ln>
           <a:extLst>
             <a:ext uri="{C572A759-6A51-4108-AA02-DFA0A04FC94B}">
-              <ma14:wrappingTextBoxFlag xmlns:ma14="http://schemas.microsoft.com/office/mac/drawingml/2011/main" xmlns:a14="http://schemas.microsoft.com/office/drawing/2010/main" xmlns:m="http://schemas.openxmlformats.org/officeDocument/2006/math" xmlns="" val="1"/>
+              <ma14:wrappingTextBoxFlag xmlns="" xmlns:m="http://schemas.openxmlformats.org/officeDocument/2006/math" xmlns:a14="http://schemas.microsoft.com/office/drawing/2010/main" xmlns:ma14="http://schemas.microsoft.com/office/mac/drawingml/2011/main" val="1"/>
             </a:ext>
           </a:extLst>
         </p:spPr>
@@ -8182,7 +8182,7 @@
           </a:ln>
           <a:extLst>
             <a:ext uri="{C572A759-6A51-4108-AA02-DFA0A04FC94B}">
-              <ma14:wrappingTextBoxFlag xmlns:ma14="http://schemas.microsoft.com/office/mac/drawingml/2011/main" xmlns:a14="http://schemas.microsoft.com/office/drawing/2010/main" xmlns:m="http://schemas.openxmlformats.org/officeDocument/2006/math" xmlns="" val="1"/>
+              <ma14:wrappingTextBoxFlag xmlns="" xmlns:m="http://schemas.openxmlformats.org/officeDocument/2006/math" xmlns:a14="http://schemas.microsoft.com/office/drawing/2010/main" xmlns:ma14="http://schemas.microsoft.com/office/mac/drawingml/2011/main" val="1"/>
             </a:ext>
           </a:extLst>
         </p:spPr>
@@ -8346,7 +8346,7 @@
           </a:ln>
           <a:extLst>
             <a:ext uri="{C572A759-6A51-4108-AA02-DFA0A04FC94B}">
-              <ma14:wrappingTextBoxFlag xmlns:ma14="http://schemas.microsoft.com/office/mac/drawingml/2011/main" xmlns:a14="http://schemas.microsoft.com/office/drawing/2010/main" xmlns:m="http://schemas.openxmlformats.org/officeDocument/2006/math" xmlns="" val="1"/>
+              <ma14:wrappingTextBoxFlag xmlns="" xmlns:m="http://schemas.openxmlformats.org/officeDocument/2006/math" xmlns:a14="http://schemas.microsoft.com/office/drawing/2010/main" xmlns:ma14="http://schemas.microsoft.com/office/mac/drawingml/2011/main" val="1"/>
             </a:ext>
           </a:extLst>
         </p:spPr>
@@ -8619,7 +8619,7 @@
             <a:effectLst/>
             <a:extLst>
               <a:ext uri="{C572A759-6A51-4108-AA02-DFA0A04FC94B}">
-                <ma14:wrappingTextBoxFlag xmlns:ma14="http://schemas.microsoft.com/office/mac/drawingml/2011/main" xmlns:a14="http://schemas.microsoft.com/office/drawing/2010/main" xmlns:m="http://schemas.openxmlformats.org/officeDocument/2006/math" xmlns="" val="1"/>
+                <ma14:wrappingTextBoxFlag xmlns="" xmlns:m="http://schemas.openxmlformats.org/officeDocument/2006/math" xmlns:a14="http://schemas.microsoft.com/office/drawing/2010/main" xmlns:ma14="http://schemas.microsoft.com/office/mac/drawingml/2011/main" val="1"/>
               </a:ext>
             </a:extLst>
           </p:spPr>
@@ -8669,7 +8669,7 @@
             <a:effectLst/>
             <a:extLst>
               <a:ext uri="{C572A759-6A51-4108-AA02-DFA0A04FC94B}">
-                <ma14:wrappingTextBoxFlag xmlns:ma14="http://schemas.microsoft.com/office/mac/drawingml/2011/main" xmlns:a14="http://schemas.microsoft.com/office/drawing/2010/main" xmlns:m="http://schemas.openxmlformats.org/officeDocument/2006/math" xmlns="" val="1"/>
+                <ma14:wrappingTextBoxFlag xmlns="" xmlns:m="http://schemas.openxmlformats.org/officeDocument/2006/math" xmlns:a14="http://schemas.microsoft.com/office/drawing/2010/main" xmlns:ma14="http://schemas.microsoft.com/office/mac/drawingml/2011/main" val="1"/>
               </a:ext>
             </a:extLst>
           </p:spPr>
@@ -8719,7 +8719,7 @@
             <a:effectLst/>
             <a:extLst>
               <a:ext uri="{C572A759-6A51-4108-AA02-DFA0A04FC94B}">
-                <ma14:wrappingTextBoxFlag xmlns:ma14="http://schemas.microsoft.com/office/mac/drawingml/2011/main" xmlns:a14="http://schemas.microsoft.com/office/drawing/2010/main" xmlns:m="http://schemas.openxmlformats.org/officeDocument/2006/math" xmlns="" val="1"/>
+                <ma14:wrappingTextBoxFlag xmlns="" xmlns:m="http://schemas.openxmlformats.org/officeDocument/2006/math" xmlns:a14="http://schemas.microsoft.com/office/drawing/2010/main" xmlns:ma14="http://schemas.microsoft.com/office/mac/drawingml/2011/main" val="1"/>
               </a:ext>
             </a:extLst>
           </p:spPr>
@@ -8769,7 +8769,7 @@
             <a:effectLst/>
             <a:extLst>
               <a:ext uri="{C572A759-6A51-4108-AA02-DFA0A04FC94B}">
-                <ma14:wrappingTextBoxFlag xmlns:ma14="http://schemas.microsoft.com/office/mac/drawingml/2011/main" xmlns:a14="http://schemas.microsoft.com/office/drawing/2010/main" xmlns:m="http://schemas.openxmlformats.org/officeDocument/2006/math" xmlns="" val="1"/>
+                <ma14:wrappingTextBoxFlag xmlns="" xmlns:m="http://schemas.openxmlformats.org/officeDocument/2006/math" xmlns:a14="http://schemas.microsoft.com/office/drawing/2010/main" xmlns:ma14="http://schemas.microsoft.com/office/mac/drawingml/2011/main" val="1"/>
               </a:ext>
             </a:extLst>
           </p:spPr>
@@ -9880,7 +9880,7 @@
           <a:effectLst/>
           <a:extLst>
             <a:ext uri="{C572A759-6A51-4108-AA02-DFA0A04FC94B}">
-              <ma14:wrappingTextBoxFlag xmlns:ma14="http://schemas.microsoft.com/office/mac/drawingml/2011/main" xmlns:a14="http://schemas.microsoft.com/office/drawing/2010/main" xmlns:m="http://schemas.openxmlformats.org/officeDocument/2006/math" xmlns="" val="1"/>
+              <ma14:wrappingTextBoxFlag xmlns="" xmlns:m="http://schemas.openxmlformats.org/officeDocument/2006/math" xmlns:a14="http://schemas.microsoft.com/office/drawing/2010/main" xmlns:ma14="http://schemas.microsoft.com/office/mac/drawingml/2011/main" val="1"/>
             </a:ext>
           </a:extLst>
         </p:spPr>
@@ -9940,7 +9940,7 @@
           <a:effectLst/>
           <a:extLst>
             <a:ext uri="{C572A759-6A51-4108-AA02-DFA0A04FC94B}">
-              <ma14:wrappingTextBoxFlag xmlns:ma14="http://schemas.microsoft.com/office/mac/drawingml/2011/main" xmlns:a14="http://schemas.microsoft.com/office/drawing/2010/main" xmlns:m="http://schemas.openxmlformats.org/officeDocument/2006/math" xmlns="" val="1"/>
+              <ma14:wrappingTextBoxFlag xmlns="" xmlns:m="http://schemas.openxmlformats.org/officeDocument/2006/math" xmlns:a14="http://schemas.microsoft.com/office/drawing/2010/main" xmlns:ma14="http://schemas.microsoft.com/office/mac/drawingml/2011/main" val="1"/>
             </a:ext>
           </a:extLst>
         </p:spPr>
@@ -10000,7 +10000,7 @@
           <a:effectLst/>
           <a:extLst>
             <a:ext uri="{C572A759-6A51-4108-AA02-DFA0A04FC94B}">
-              <ma14:wrappingTextBoxFlag xmlns:ma14="http://schemas.microsoft.com/office/mac/drawingml/2011/main" xmlns:a14="http://schemas.microsoft.com/office/drawing/2010/main" xmlns:m="http://schemas.openxmlformats.org/officeDocument/2006/math" xmlns="" val="1"/>
+              <ma14:wrappingTextBoxFlag xmlns="" xmlns:m="http://schemas.openxmlformats.org/officeDocument/2006/math" xmlns:a14="http://schemas.microsoft.com/office/drawing/2010/main" xmlns:ma14="http://schemas.microsoft.com/office/mac/drawingml/2011/main" val="1"/>
             </a:ext>
           </a:extLst>
         </p:spPr>
@@ -10148,7 +10148,7 @@
           </a:ln>
           <a:extLst>
             <a:ext uri="{C572A759-6A51-4108-AA02-DFA0A04FC94B}">
-              <ma14:wrappingTextBoxFlag xmlns:ma14="http://schemas.microsoft.com/office/mac/drawingml/2011/main" xmlns:a14="http://schemas.microsoft.com/office/drawing/2010/main" xmlns:m="http://schemas.openxmlformats.org/officeDocument/2006/math" xmlns="" val="1"/>
+              <ma14:wrappingTextBoxFlag xmlns="" xmlns:m="http://schemas.openxmlformats.org/officeDocument/2006/math" xmlns:a14="http://schemas.microsoft.com/office/drawing/2010/main" xmlns:ma14="http://schemas.microsoft.com/office/mac/drawingml/2011/main" val="1"/>
             </a:ext>
           </a:extLst>
         </p:spPr>
@@ -10329,7 +10329,7 @@
           </a:ln>
           <a:extLst>
             <a:ext uri="{C572A759-6A51-4108-AA02-DFA0A04FC94B}">
-              <ma14:wrappingTextBoxFlag xmlns:ma14="http://schemas.microsoft.com/office/mac/drawingml/2011/main" xmlns:a14="http://schemas.microsoft.com/office/drawing/2010/main" xmlns:m="http://schemas.openxmlformats.org/officeDocument/2006/math" xmlns="" val="1"/>
+              <ma14:wrappingTextBoxFlag xmlns="" xmlns:m="http://schemas.openxmlformats.org/officeDocument/2006/math" xmlns:a14="http://schemas.microsoft.com/office/drawing/2010/main" xmlns:ma14="http://schemas.microsoft.com/office/mac/drawingml/2011/main" val="1"/>
             </a:ext>
           </a:extLst>
         </p:spPr>
@@ -10510,7 +10510,7 @@
           </a:ln>
           <a:extLst>
             <a:ext uri="{C572A759-6A51-4108-AA02-DFA0A04FC94B}">
-              <ma14:wrappingTextBoxFlag xmlns:ma14="http://schemas.microsoft.com/office/mac/drawingml/2011/main" xmlns:a14="http://schemas.microsoft.com/office/drawing/2010/main" xmlns:m="http://schemas.openxmlformats.org/officeDocument/2006/math" xmlns="" val="1"/>
+              <ma14:wrappingTextBoxFlag xmlns="" xmlns:m="http://schemas.openxmlformats.org/officeDocument/2006/math" xmlns:a14="http://schemas.microsoft.com/office/drawing/2010/main" xmlns:ma14="http://schemas.microsoft.com/office/mac/drawingml/2011/main" val="1"/>
             </a:ext>
           </a:extLst>
         </p:spPr>
@@ -11368,7 +11368,7 @@
           <a:effectLst/>
           <a:extLst>
             <a:ext uri="{C572A759-6A51-4108-AA02-DFA0A04FC94B}">
-              <ma14:wrappingTextBoxFlag xmlns:ma14="http://schemas.microsoft.com/office/mac/drawingml/2011/main" xmlns:a14="http://schemas.microsoft.com/office/drawing/2010/main" xmlns:m="http://schemas.openxmlformats.org/officeDocument/2006/math" xmlns="" val="1"/>
+              <ma14:wrappingTextBoxFlag xmlns="" xmlns:m="http://schemas.openxmlformats.org/officeDocument/2006/math" xmlns:a14="http://schemas.microsoft.com/office/drawing/2010/main" xmlns:ma14="http://schemas.microsoft.com/office/mac/drawingml/2011/main" val="1"/>
             </a:ext>
           </a:extLst>
         </p:spPr>
@@ -11428,7 +11428,7 @@
           <a:effectLst/>
           <a:extLst>
             <a:ext uri="{C572A759-6A51-4108-AA02-DFA0A04FC94B}">
-              <ma14:wrappingTextBoxFlag xmlns:ma14="http://schemas.microsoft.com/office/mac/drawingml/2011/main" xmlns:a14="http://schemas.microsoft.com/office/drawing/2010/main" xmlns:m="http://schemas.openxmlformats.org/officeDocument/2006/math" xmlns="" val="1"/>
+              <ma14:wrappingTextBoxFlag xmlns="" xmlns:m="http://schemas.openxmlformats.org/officeDocument/2006/math" xmlns:a14="http://schemas.microsoft.com/office/drawing/2010/main" xmlns:ma14="http://schemas.microsoft.com/office/mac/drawingml/2011/main" val="1"/>
             </a:ext>
           </a:extLst>
         </p:spPr>
@@ -11488,7 +11488,7 @@
           <a:effectLst/>
           <a:extLst>
             <a:ext uri="{C572A759-6A51-4108-AA02-DFA0A04FC94B}">
-              <ma14:wrappingTextBoxFlag xmlns:ma14="http://schemas.microsoft.com/office/mac/drawingml/2011/main" xmlns:a14="http://schemas.microsoft.com/office/drawing/2010/main" xmlns:m="http://schemas.openxmlformats.org/officeDocument/2006/math" xmlns="" val="1"/>
+              <ma14:wrappingTextBoxFlag xmlns="" xmlns:m="http://schemas.openxmlformats.org/officeDocument/2006/math" xmlns:a14="http://schemas.microsoft.com/office/drawing/2010/main" xmlns:ma14="http://schemas.microsoft.com/office/mac/drawingml/2011/main" val="1"/>
             </a:ext>
           </a:extLst>
         </p:spPr>
@@ -11520,10 +11520,10 @@
       </p:sp>
       <p:pic>
         <p:nvPicPr>
-          <p:cNvPr id="4" name="Imagen 3">
+          <p:cNvPr id="3" name="Imagen 2">
             <a:extLst>
               <a:ext uri="{FF2B5EF4-FFF2-40B4-BE49-F238E27FC236}">
-                <a16:creationId xmlns:a16="http://schemas.microsoft.com/office/drawing/2014/main" id="{EFC1F4D9-69E7-DA69-9767-E770C69DF3BA}"/>
+                <a16:creationId xmlns:a16="http://schemas.microsoft.com/office/drawing/2014/main" id="{F2C84950-7930-2F55-F37D-8FBDF9899761}"/>
               </a:ext>
             </a:extLst>
           </p:cNvPr>
@@ -11540,8 +11540,8 @@
         </p:blipFill>
         <p:spPr>
           <a:xfrm>
-            <a:off x="2710567" y="2519943"/>
-            <a:ext cx="3862788" cy="2268524"/>
+            <a:off x="2661637" y="2507033"/>
+            <a:ext cx="3745989" cy="2317729"/>
           </a:xfrm>
           <a:prstGeom prst="rect">
             <a:avLst/>
@@ -11677,7 +11677,7 @@
           </a:ln>
           <a:extLst>
             <a:ext uri="{C572A759-6A51-4108-AA02-DFA0A04FC94B}">
-              <ma14:wrappingTextBoxFlag xmlns:ma14="http://schemas.microsoft.com/office/mac/drawingml/2011/main" xmlns:a14="http://schemas.microsoft.com/office/drawing/2010/main" xmlns:m="http://schemas.openxmlformats.org/officeDocument/2006/math" xmlns="" val="1"/>
+              <ma14:wrappingTextBoxFlag xmlns="" xmlns:m="http://schemas.openxmlformats.org/officeDocument/2006/math" xmlns:a14="http://schemas.microsoft.com/office/drawing/2010/main" xmlns:ma14="http://schemas.microsoft.com/office/mac/drawingml/2011/main" val="1"/>
             </a:ext>
           </a:extLst>
         </p:spPr>
@@ -11740,7 +11740,7 @@
           </a:ln>
           <a:extLst>
             <a:ext uri="{C572A759-6A51-4108-AA02-DFA0A04FC94B}">
-              <ma14:wrappingTextBoxFlag xmlns:ma14="http://schemas.microsoft.com/office/mac/drawingml/2011/main" xmlns:a14="http://schemas.microsoft.com/office/drawing/2010/main" xmlns:m="http://schemas.openxmlformats.org/officeDocument/2006/math" xmlns="" val="1"/>
+              <ma14:wrappingTextBoxFlag xmlns="" xmlns:m="http://schemas.openxmlformats.org/officeDocument/2006/math" xmlns:a14="http://schemas.microsoft.com/office/drawing/2010/main" xmlns:ma14="http://schemas.microsoft.com/office/mac/drawingml/2011/main" val="1"/>
             </a:ext>
           </a:extLst>
         </p:spPr>
@@ -11796,7 +11796,7 @@
           </a:ln>
           <a:extLst>
             <a:ext uri="{C572A759-6A51-4108-AA02-DFA0A04FC94B}">
-              <ma14:wrappingTextBoxFlag xmlns:ma14="http://schemas.microsoft.com/office/mac/drawingml/2011/main" xmlns:a14="http://schemas.microsoft.com/office/drawing/2010/main" xmlns:m="http://schemas.openxmlformats.org/officeDocument/2006/math" xmlns="" val="1"/>
+              <ma14:wrappingTextBoxFlag xmlns="" xmlns:m="http://schemas.openxmlformats.org/officeDocument/2006/math" xmlns:a14="http://schemas.microsoft.com/office/drawing/2010/main" xmlns:ma14="http://schemas.microsoft.com/office/mac/drawingml/2011/main" val="1"/>
             </a:ext>
           </a:extLst>
         </p:spPr>
@@ -11863,7 +11863,7 @@
           <a:effectLst/>
           <a:extLst>
             <a:ext uri="{C572A759-6A51-4108-AA02-DFA0A04FC94B}">
-              <ma14:wrappingTextBoxFlag xmlns:ma14="http://schemas.microsoft.com/office/mac/drawingml/2011/main" xmlns:a14="http://schemas.microsoft.com/office/drawing/2010/main" xmlns:m="http://schemas.openxmlformats.org/officeDocument/2006/math" xmlns="" val="1"/>
+              <ma14:wrappingTextBoxFlag xmlns="" xmlns:m="http://schemas.openxmlformats.org/officeDocument/2006/math" xmlns:a14="http://schemas.microsoft.com/office/drawing/2010/main" xmlns:ma14="http://schemas.microsoft.com/office/mac/drawingml/2011/main" val="1"/>
             </a:ext>
           </a:extLst>
         </p:spPr>
@@ -11923,7 +11923,7 @@
           <a:effectLst/>
           <a:extLst>
             <a:ext uri="{C572A759-6A51-4108-AA02-DFA0A04FC94B}">
-              <ma14:wrappingTextBoxFlag xmlns:ma14="http://schemas.microsoft.com/office/mac/drawingml/2011/main" xmlns:a14="http://schemas.microsoft.com/office/drawing/2010/main" xmlns:m="http://schemas.openxmlformats.org/officeDocument/2006/math" xmlns="" val="1"/>
+              <ma14:wrappingTextBoxFlag xmlns="" xmlns:m="http://schemas.openxmlformats.org/officeDocument/2006/math" xmlns:a14="http://schemas.microsoft.com/office/drawing/2010/main" xmlns:ma14="http://schemas.microsoft.com/office/mac/drawingml/2011/main" val="1"/>
             </a:ext>
           </a:extLst>
         </p:spPr>
@@ -12131,7 +12131,7 @@
           <a:effectLst/>
           <a:extLst>
             <a:ext uri="{C572A759-6A51-4108-AA02-DFA0A04FC94B}">
-              <ma14:wrappingTextBoxFlag xmlns:ma14="http://schemas.microsoft.com/office/mac/drawingml/2011/main" xmlns:a14="http://schemas.microsoft.com/office/drawing/2010/main" xmlns:m="http://schemas.openxmlformats.org/officeDocument/2006/math" xmlns="" val="1"/>
+              <ma14:wrappingTextBoxFlag xmlns="" xmlns:m="http://schemas.openxmlformats.org/officeDocument/2006/math" xmlns:a14="http://schemas.microsoft.com/office/drawing/2010/main" xmlns:ma14="http://schemas.microsoft.com/office/mac/drawingml/2011/main" val="1"/>
             </a:ext>
           </a:extLst>
         </p:spPr>
@@ -12436,7 +12436,7 @@
           </a:ln>
           <a:extLst>
             <a:ext uri="{C572A759-6A51-4108-AA02-DFA0A04FC94B}">
-              <ma14:wrappingTextBoxFlag xmlns:ma14="http://schemas.microsoft.com/office/mac/drawingml/2011/main" xmlns:a14="http://schemas.microsoft.com/office/drawing/2010/main" xmlns:m="http://schemas.openxmlformats.org/officeDocument/2006/math" xmlns="" val="1"/>
+              <ma14:wrappingTextBoxFlag xmlns="" xmlns:m="http://schemas.openxmlformats.org/officeDocument/2006/math" xmlns:a14="http://schemas.microsoft.com/office/drawing/2010/main" xmlns:ma14="http://schemas.microsoft.com/office/mac/drawingml/2011/main" val="1"/>
             </a:ext>
           </a:extLst>
         </p:spPr>
@@ -12588,7 +12588,7 @@
           <a:effectLst/>
           <a:extLst>
             <a:ext uri="{C572A759-6A51-4108-AA02-DFA0A04FC94B}">
-              <ma14:wrappingTextBoxFlag xmlns:ma14="http://schemas.microsoft.com/office/mac/drawingml/2011/main" xmlns:a14="http://schemas.microsoft.com/office/drawing/2010/main" xmlns:m="http://schemas.openxmlformats.org/officeDocument/2006/math" xmlns="" val="1"/>
+              <ma14:wrappingTextBoxFlag xmlns="" xmlns:m="http://schemas.openxmlformats.org/officeDocument/2006/math" xmlns:a14="http://schemas.microsoft.com/office/drawing/2010/main" xmlns:ma14="http://schemas.microsoft.com/office/mac/drawingml/2011/main" val="1"/>
             </a:ext>
           </a:extLst>
         </p:spPr>
@@ -13112,7 +13112,7 @@
           </a:ln>
           <a:extLst>
             <a:ext uri="{C572A759-6A51-4108-AA02-DFA0A04FC94B}">
-              <ma14:wrappingTextBoxFlag xmlns:ma14="http://schemas.microsoft.com/office/mac/drawingml/2011/main" xmlns:a14="http://schemas.microsoft.com/office/drawing/2010/main" xmlns:m="http://schemas.openxmlformats.org/officeDocument/2006/math" xmlns="" val="1"/>
+              <ma14:wrappingTextBoxFlag xmlns="" xmlns:m="http://schemas.openxmlformats.org/officeDocument/2006/math" xmlns:a14="http://schemas.microsoft.com/office/drawing/2010/main" xmlns:ma14="http://schemas.microsoft.com/office/mac/drawingml/2011/main" val="1"/>
             </a:ext>
           </a:extLst>
         </p:spPr>
@@ -13264,7 +13264,7 @@
           <a:effectLst/>
           <a:extLst>
             <a:ext uri="{C572A759-6A51-4108-AA02-DFA0A04FC94B}">
-              <ma14:wrappingTextBoxFlag xmlns:ma14="http://schemas.microsoft.com/office/mac/drawingml/2011/main" xmlns:a14="http://schemas.microsoft.com/office/drawing/2010/main" xmlns:m="http://schemas.openxmlformats.org/officeDocument/2006/math" xmlns="" val="1"/>
+              <ma14:wrappingTextBoxFlag xmlns="" xmlns:m="http://schemas.openxmlformats.org/officeDocument/2006/math" xmlns:a14="http://schemas.microsoft.com/office/drawing/2010/main" xmlns:ma14="http://schemas.microsoft.com/office/mac/drawingml/2011/main" val="1"/>
             </a:ext>
           </a:extLst>
         </p:spPr>
@@ -13336,7 +13336,7 @@
           </a:ln>
           <a:extLst>
             <a:ext uri="{C572A759-6A51-4108-AA02-DFA0A04FC94B}">
-              <ma14:wrappingTextBoxFlag xmlns:ma14="http://schemas.microsoft.com/office/mac/drawingml/2011/main" xmlns:a14="http://schemas.microsoft.com/office/drawing/2010/main" xmlns:m="http://schemas.openxmlformats.org/officeDocument/2006/math" xmlns="" val="1"/>
+              <ma14:wrappingTextBoxFlag xmlns="" xmlns:m="http://schemas.openxmlformats.org/officeDocument/2006/math" xmlns:a14="http://schemas.microsoft.com/office/drawing/2010/main" xmlns:ma14="http://schemas.microsoft.com/office/mac/drawingml/2011/main" val="1"/>
             </a:ext>
           </a:extLst>
         </p:spPr>
@@ -13512,7 +13512,7 @@
           <a:effectLst/>
           <a:extLst>
             <a:ext uri="{C572A759-6A51-4108-AA02-DFA0A04FC94B}">
-              <ma14:wrappingTextBoxFlag xmlns:ma14="http://schemas.microsoft.com/office/mac/drawingml/2011/main" xmlns:a14="http://schemas.microsoft.com/office/drawing/2010/main" xmlns:m="http://schemas.openxmlformats.org/officeDocument/2006/math" xmlns="" val="1"/>
+              <ma14:wrappingTextBoxFlag xmlns="" xmlns:m="http://schemas.openxmlformats.org/officeDocument/2006/math" xmlns:a14="http://schemas.microsoft.com/office/drawing/2010/main" xmlns:ma14="http://schemas.microsoft.com/office/mac/drawingml/2011/main" val="1"/>
             </a:ext>
           </a:extLst>
         </p:spPr>
@@ -13688,7 +13688,7 @@
           </a:ln>
           <a:extLst>
             <a:ext uri="{C572A759-6A51-4108-AA02-DFA0A04FC94B}">
-              <ma14:wrappingTextBoxFlag xmlns:ma14="http://schemas.microsoft.com/office/mac/drawingml/2011/main" xmlns:a14="http://schemas.microsoft.com/office/drawing/2010/main" xmlns:m="http://schemas.openxmlformats.org/officeDocument/2006/math" xmlns="" val="1"/>
+              <ma14:wrappingTextBoxFlag xmlns="" xmlns:m="http://schemas.openxmlformats.org/officeDocument/2006/math" xmlns:a14="http://schemas.microsoft.com/office/drawing/2010/main" xmlns:ma14="http://schemas.microsoft.com/office/mac/drawingml/2011/main" val="1"/>
             </a:ext>
           </a:extLst>
         </p:spPr>
@@ -13755,7 +13755,7 @@
           <a:effectLst/>
           <a:extLst>
             <a:ext uri="{C572A759-6A51-4108-AA02-DFA0A04FC94B}">
-              <ma14:wrappingTextBoxFlag xmlns:ma14="http://schemas.microsoft.com/office/mac/drawingml/2011/main" xmlns:a14="http://schemas.microsoft.com/office/drawing/2010/main" xmlns:m="http://schemas.openxmlformats.org/officeDocument/2006/math" xmlns="" val="1"/>
+              <ma14:wrappingTextBoxFlag xmlns="" xmlns:m="http://schemas.openxmlformats.org/officeDocument/2006/math" xmlns:a14="http://schemas.microsoft.com/office/drawing/2010/main" xmlns:ma14="http://schemas.microsoft.com/office/mac/drawingml/2011/main" val="1"/>
             </a:ext>
           </a:extLst>
         </p:spPr>
@@ -13815,7 +13815,7 @@
           <a:effectLst/>
           <a:extLst>
             <a:ext uri="{C572A759-6A51-4108-AA02-DFA0A04FC94B}">
-              <ma14:wrappingTextBoxFlag xmlns:ma14="http://schemas.microsoft.com/office/mac/drawingml/2011/main" xmlns:a14="http://schemas.microsoft.com/office/drawing/2010/main" xmlns:m="http://schemas.openxmlformats.org/officeDocument/2006/math" xmlns="" val="1"/>
+              <ma14:wrappingTextBoxFlag xmlns="" xmlns:m="http://schemas.openxmlformats.org/officeDocument/2006/math" xmlns:a14="http://schemas.microsoft.com/office/drawing/2010/main" xmlns:ma14="http://schemas.microsoft.com/office/mac/drawingml/2011/main" val="1"/>
             </a:ext>
           </a:extLst>
         </p:spPr>
@@ -14075,7 +14075,7 @@
           </a:ln>
           <a:extLst>
             <a:ext uri="{C572A759-6A51-4108-AA02-DFA0A04FC94B}">
-              <ma14:wrappingTextBoxFlag xmlns:ma14="http://schemas.microsoft.com/office/mac/drawingml/2011/main" xmlns:a14="http://schemas.microsoft.com/office/drawing/2010/main" xmlns:m="http://schemas.openxmlformats.org/officeDocument/2006/math" xmlns="" val="1"/>
+              <ma14:wrappingTextBoxFlag xmlns="" xmlns:m="http://schemas.openxmlformats.org/officeDocument/2006/math" xmlns:a14="http://schemas.microsoft.com/office/drawing/2010/main" xmlns:ma14="http://schemas.microsoft.com/office/mac/drawingml/2011/main" val="1"/>
             </a:ext>
           </a:extLst>
         </p:spPr>
@@ -15517,7 +15517,7 @@
           </a:ln>
           <a:extLst>
             <a:ext uri="{C572A759-6A51-4108-AA02-DFA0A04FC94B}">
-              <ma14:wrappingTextBoxFlag xmlns="" xmlns:m="http://schemas.openxmlformats.org/officeDocument/2006/math" xmlns:a14="http://schemas.microsoft.com/office/drawing/2010/main" xmlns:ma14="http://schemas.microsoft.com/office/mac/drawingml/2011/main" val="1"/>
+              <ma14:wrappingTextBoxFlag xmlns:ma14="http://schemas.microsoft.com/office/mac/drawingml/2011/main" xmlns:a14="http://schemas.microsoft.com/office/drawing/2010/main" xmlns:m="http://schemas.openxmlformats.org/officeDocument/2006/math" xmlns="" val="1"/>
             </a:ext>
           </a:extLst>
         </p:spPr>
@@ -16987,7 +16987,7 @@
               </a:ln>
               <a:extLst>
                 <a:ext uri="{C572A759-6A51-4108-AA02-DFA0A04FC94B}">
-                  <ma14:wrappingTextBoxFlag xmlns:ma14="http://schemas.microsoft.com/office/mac/drawingml/2011/main" xmlns:a14="http://schemas.microsoft.com/office/drawing/2010/main" xmlns:m="http://schemas.openxmlformats.org/officeDocument/2006/math" xmlns="" val="1"/>
+                  <ma14:wrappingTextBoxFlag xmlns="" xmlns:m="http://schemas.openxmlformats.org/officeDocument/2006/math" xmlns:a14="http://schemas.microsoft.com/office/drawing/2010/main" xmlns:ma14="http://schemas.microsoft.com/office/mac/drawingml/2011/main" val="1"/>
                 </a:ext>
               </a:extLst>
             </p:spPr>
@@ -17091,7 +17091,7 @@
               </a:ln>
               <a:extLst>
                 <a:ext uri="{C572A759-6A51-4108-AA02-DFA0A04FC94B}">
-                  <ma14:wrappingTextBoxFlag xmlns:ma14="http://schemas.microsoft.com/office/mac/drawingml/2011/main" xmlns:a14="http://schemas.microsoft.com/office/drawing/2010/main" xmlns:m="http://schemas.openxmlformats.org/officeDocument/2006/math" xmlns="" val="1"/>
+                  <ma14:wrappingTextBoxFlag xmlns="" xmlns:m="http://schemas.openxmlformats.org/officeDocument/2006/math" xmlns:a14="http://schemas.microsoft.com/office/drawing/2010/main" xmlns:ma14="http://schemas.microsoft.com/office/mac/drawingml/2011/main" val="1"/>
                 </a:ext>
               </a:extLst>
             </p:spPr>
@@ -20417,7 +20417,7 @@
             </a:ln>
             <a:extLst>
               <a:ext uri="{C572A759-6A51-4108-AA02-DFA0A04FC94B}">
-                <ma14:wrappingTextBoxFlag xmlns="" xmlns:m="http://schemas.openxmlformats.org/officeDocument/2006/math" xmlns:a14="http://schemas.microsoft.com/office/drawing/2010/main" xmlns:ma14="http://schemas.microsoft.com/office/mac/drawingml/2011/main" val="1"/>
+                <ma14:wrappingTextBoxFlag xmlns:ma14="http://schemas.microsoft.com/office/mac/drawingml/2011/main" xmlns:a14="http://schemas.microsoft.com/office/drawing/2010/main" xmlns:m="http://schemas.openxmlformats.org/officeDocument/2006/math" xmlns="" val="1"/>
               </a:ext>
             </a:extLst>
           </p:spPr>
@@ -20498,7 +20498,7 @@
             </a:ln>
             <a:extLst>
               <a:ext uri="{C572A759-6A51-4108-AA02-DFA0A04FC94B}">
-                <ma14:wrappingTextBoxFlag xmlns="" xmlns:m="http://schemas.openxmlformats.org/officeDocument/2006/math" xmlns:a14="http://schemas.microsoft.com/office/drawing/2010/main" xmlns:ma14="http://schemas.microsoft.com/office/mac/drawingml/2011/main" val="1"/>
+                <ma14:wrappingTextBoxFlag xmlns:ma14="http://schemas.microsoft.com/office/mac/drawingml/2011/main" xmlns:a14="http://schemas.microsoft.com/office/drawing/2010/main" xmlns:m="http://schemas.openxmlformats.org/officeDocument/2006/math" xmlns="" val="1"/>
               </a:ext>
             </a:extLst>
           </p:spPr>
@@ -20977,7 +20977,7 @@
               </a:ln>
               <a:extLst>
                 <a:ext uri="{C572A759-6A51-4108-AA02-DFA0A04FC94B}">
-                  <ma14:wrappingTextBoxFlag xmlns="" xmlns:m="http://schemas.openxmlformats.org/officeDocument/2006/math" xmlns:a14="http://schemas.microsoft.com/office/drawing/2010/main" xmlns:ma14="http://schemas.microsoft.com/office/mac/drawingml/2011/main" val="1"/>
+                  <ma14:wrappingTextBoxFlag xmlns:ma14="http://schemas.microsoft.com/office/mac/drawingml/2011/main" xmlns:a14="http://schemas.microsoft.com/office/drawing/2010/main" xmlns:m="http://schemas.openxmlformats.org/officeDocument/2006/math" xmlns="" val="1"/>
                 </a:ext>
               </a:extLst>
             </p:spPr>
@@ -21096,7 +21096,7 @@
           </a:ln>
           <a:extLst>
             <a:ext uri="{C572A759-6A51-4108-AA02-DFA0A04FC94B}">
-              <ma14:wrappingTextBoxFlag xmlns:ma14="http://schemas.microsoft.com/office/mac/drawingml/2011/main" xmlns:a14="http://schemas.microsoft.com/office/drawing/2010/main" xmlns:m="http://schemas.openxmlformats.org/officeDocument/2006/math" xmlns="" val="1"/>
+              <ma14:wrappingTextBoxFlag xmlns="" xmlns:m="http://schemas.openxmlformats.org/officeDocument/2006/math" xmlns:a14="http://schemas.microsoft.com/office/drawing/2010/main" xmlns:ma14="http://schemas.microsoft.com/office/mac/drawingml/2011/main" val="1"/>
             </a:ext>
           </a:extLst>
         </p:spPr>
@@ -21391,7 +21391,7 @@
           <a:effectLst/>
           <a:extLst>
             <a:ext uri="{C572A759-6A51-4108-AA02-DFA0A04FC94B}">
-              <ma14:wrappingTextBoxFlag xmlns:ma14="http://schemas.microsoft.com/office/mac/drawingml/2011/main" xmlns:a14="http://schemas.microsoft.com/office/drawing/2010/main" xmlns:m="http://schemas.openxmlformats.org/officeDocument/2006/math" xmlns="" val="1"/>
+              <ma14:wrappingTextBoxFlag xmlns="" xmlns:m="http://schemas.openxmlformats.org/officeDocument/2006/math" xmlns:a14="http://schemas.microsoft.com/office/drawing/2010/main" xmlns:ma14="http://schemas.microsoft.com/office/mac/drawingml/2011/main" val="1"/>
             </a:ext>
           </a:extLst>
         </p:spPr>
@@ -22147,7 +22147,7 @@
           <a:effectLst/>
           <a:extLst>
             <a:ext uri="{C572A759-6A51-4108-AA02-DFA0A04FC94B}">
-              <ma14:wrappingTextBoxFlag xmlns:ma14="http://schemas.microsoft.com/office/mac/drawingml/2011/main" xmlns:a14="http://schemas.microsoft.com/office/drawing/2010/main" xmlns:m="http://schemas.openxmlformats.org/officeDocument/2006/math" xmlns="" val="1"/>
+              <ma14:wrappingTextBoxFlag xmlns="" xmlns:m="http://schemas.openxmlformats.org/officeDocument/2006/math" xmlns:a14="http://schemas.microsoft.com/office/drawing/2010/main" xmlns:ma14="http://schemas.microsoft.com/office/mac/drawingml/2011/main" val="1"/>
             </a:ext>
           </a:extLst>
         </p:spPr>
@@ -22806,7 +22806,7 @@
           </a:ln>
           <a:extLst>
             <a:ext uri="{C572A759-6A51-4108-AA02-DFA0A04FC94B}">
-              <ma14:wrappingTextBoxFlag xmlns="" xmlns:m="http://schemas.openxmlformats.org/officeDocument/2006/math" xmlns:a14="http://schemas.microsoft.com/office/drawing/2010/main" xmlns:ma14="http://schemas.microsoft.com/office/mac/drawingml/2011/main" val="1"/>
+              <ma14:wrappingTextBoxFlag xmlns:ma14="http://schemas.microsoft.com/office/mac/drawingml/2011/main" xmlns:a14="http://schemas.microsoft.com/office/drawing/2010/main" xmlns:m="http://schemas.openxmlformats.org/officeDocument/2006/math" xmlns="" val="1"/>
             </a:ext>
           </a:extLst>
         </p:spPr>
@@ -22868,7 +22868,7 @@
           </a:ln>
           <a:extLst>
             <a:ext uri="{C572A759-6A51-4108-AA02-DFA0A04FC94B}">
-              <ma14:wrappingTextBoxFlag xmlns="" xmlns:m="http://schemas.openxmlformats.org/officeDocument/2006/math" xmlns:a14="http://schemas.microsoft.com/office/drawing/2010/main" xmlns:ma14="http://schemas.microsoft.com/office/mac/drawingml/2011/main" val="1"/>
+              <ma14:wrappingTextBoxFlag xmlns:ma14="http://schemas.microsoft.com/office/mac/drawingml/2011/main" xmlns:a14="http://schemas.microsoft.com/office/drawing/2010/main" xmlns:m="http://schemas.openxmlformats.org/officeDocument/2006/math" xmlns="" val="1"/>
             </a:ext>
           </a:extLst>
         </p:spPr>
@@ -23020,7 +23020,7 @@
           </a:ln>
           <a:extLst>
             <a:ext uri="{C572A759-6A51-4108-AA02-DFA0A04FC94B}">
-              <ma14:wrappingTextBoxFlag xmlns="" xmlns:m="http://schemas.openxmlformats.org/officeDocument/2006/math" xmlns:a14="http://schemas.microsoft.com/office/drawing/2010/main" xmlns:ma14="http://schemas.microsoft.com/office/mac/drawingml/2011/main" val="1"/>
+              <ma14:wrappingTextBoxFlag xmlns:ma14="http://schemas.microsoft.com/office/mac/drawingml/2011/main" xmlns:a14="http://schemas.microsoft.com/office/drawing/2010/main" xmlns:m="http://schemas.openxmlformats.org/officeDocument/2006/math" xmlns="" val="1"/>
             </a:ext>
           </a:extLst>
         </p:spPr>
@@ -23199,7 +23199,7 @@
           </a:ln>
           <a:extLst>
             <a:ext uri="{C572A759-6A51-4108-AA02-DFA0A04FC94B}">
-              <ma14:wrappingTextBoxFlag xmlns="" xmlns:m="http://schemas.openxmlformats.org/officeDocument/2006/math" xmlns:a14="http://schemas.microsoft.com/office/drawing/2010/main" xmlns:ma14="http://schemas.microsoft.com/office/mac/drawingml/2011/main" val="1"/>
+              <ma14:wrappingTextBoxFlag xmlns:ma14="http://schemas.microsoft.com/office/mac/drawingml/2011/main" xmlns:a14="http://schemas.microsoft.com/office/drawing/2010/main" xmlns:m="http://schemas.openxmlformats.org/officeDocument/2006/math" xmlns="" val="1"/>
             </a:ext>
           </a:extLst>
         </p:spPr>

--- a/03-bundling/06-vite/00-teoría/Introducción a vite.pptx
+++ b/03-bundling/06-vite/00-teoría/Introducción a vite.pptx
@@ -7133,7 +7133,7 @@
           </a:ln>
           <a:extLst>
             <a:ext uri="{C572A759-6A51-4108-AA02-DFA0A04FC94B}">
-              <ma14:wrappingTextBoxFlag xmlns="" xmlns:m="http://schemas.openxmlformats.org/officeDocument/2006/math" xmlns:a14="http://schemas.microsoft.com/office/drawing/2010/main" xmlns:ma14="http://schemas.microsoft.com/office/mac/drawingml/2011/main" val="1"/>
+              <ma14:wrappingTextBoxFlag xmlns:ma14="http://schemas.microsoft.com/office/mac/drawingml/2011/main" xmlns:a14="http://schemas.microsoft.com/office/drawing/2010/main" xmlns:m="http://schemas.openxmlformats.org/officeDocument/2006/math" xmlns="" val="1"/>
             </a:ext>
           </a:extLst>
         </p:spPr>
@@ -7172,7 +7172,7 @@
           </a:ln>
           <a:extLst>
             <a:ext uri="{C572A759-6A51-4108-AA02-DFA0A04FC94B}">
-              <ma14:wrappingTextBoxFlag xmlns="" xmlns:m="http://schemas.openxmlformats.org/officeDocument/2006/math" xmlns:a14="http://schemas.microsoft.com/office/drawing/2010/main" xmlns:ma14="http://schemas.microsoft.com/office/mac/drawingml/2011/main" val="1"/>
+              <ma14:wrappingTextBoxFlag xmlns:ma14="http://schemas.microsoft.com/office/mac/drawingml/2011/main" xmlns:a14="http://schemas.microsoft.com/office/drawing/2010/main" xmlns:m="http://schemas.openxmlformats.org/officeDocument/2006/math" xmlns="" val="1"/>
             </a:ext>
           </a:extLst>
         </p:spPr>
@@ -8130,7 +8130,7 @@
           </a:ln>
           <a:extLst>
             <a:ext uri="{C572A759-6A51-4108-AA02-DFA0A04FC94B}">
-              <ma14:wrappingTextBoxFlag xmlns="" xmlns:m="http://schemas.openxmlformats.org/officeDocument/2006/math" xmlns:a14="http://schemas.microsoft.com/office/drawing/2010/main" xmlns:ma14="http://schemas.microsoft.com/office/mac/drawingml/2011/main" val="1"/>
+              <ma14:wrappingTextBoxFlag xmlns:ma14="http://schemas.microsoft.com/office/mac/drawingml/2011/main" xmlns:a14="http://schemas.microsoft.com/office/drawing/2010/main" xmlns:m="http://schemas.openxmlformats.org/officeDocument/2006/math" xmlns="" val="1"/>
             </a:ext>
           </a:extLst>
         </p:spPr>
@@ -8182,7 +8182,7 @@
           </a:ln>
           <a:extLst>
             <a:ext uri="{C572A759-6A51-4108-AA02-DFA0A04FC94B}">
-              <ma14:wrappingTextBoxFlag xmlns="" xmlns:m="http://schemas.openxmlformats.org/officeDocument/2006/math" xmlns:a14="http://schemas.microsoft.com/office/drawing/2010/main" xmlns:ma14="http://schemas.microsoft.com/office/mac/drawingml/2011/main" val="1"/>
+              <ma14:wrappingTextBoxFlag xmlns:ma14="http://schemas.microsoft.com/office/mac/drawingml/2011/main" xmlns:a14="http://schemas.microsoft.com/office/drawing/2010/main" xmlns:m="http://schemas.openxmlformats.org/officeDocument/2006/math" xmlns="" val="1"/>
             </a:ext>
           </a:extLst>
         </p:spPr>
@@ -8346,7 +8346,7 @@
           </a:ln>
           <a:extLst>
             <a:ext uri="{C572A759-6A51-4108-AA02-DFA0A04FC94B}">
-              <ma14:wrappingTextBoxFlag xmlns="" xmlns:m="http://schemas.openxmlformats.org/officeDocument/2006/math" xmlns:a14="http://schemas.microsoft.com/office/drawing/2010/main" xmlns:ma14="http://schemas.microsoft.com/office/mac/drawingml/2011/main" val="1"/>
+              <ma14:wrappingTextBoxFlag xmlns:ma14="http://schemas.microsoft.com/office/mac/drawingml/2011/main" xmlns:a14="http://schemas.microsoft.com/office/drawing/2010/main" xmlns:m="http://schemas.openxmlformats.org/officeDocument/2006/math" xmlns="" val="1"/>
             </a:ext>
           </a:extLst>
         </p:spPr>
@@ -8619,7 +8619,7 @@
             <a:effectLst/>
             <a:extLst>
               <a:ext uri="{C572A759-6A51-4108-AA02-DFA0A04FC94B}">
-                <ma14:wrappingTextBoxFlag xmlns="" xmlns:m="http://schemas.openxmlformats.org/officeDocument/2006/math" xmlns:a14="http://schemas.microsoft.com/office/drawing/2010/main" xmlns:ma14="http://schemas.microsoft.com/office/mac/drawingml/2011/main" val="1"/>
+                <ma14:wrappingTextBoxFlag xmlns:ma14="http://schemas.microsoft.com/office/mac/drawingml/2011/main" xmlns:a14="http://schemas.microsoft.com/office/drawing/2010/main" xmlns:m="http://schemas.openxmlformats.org/officeDocument/2006/math" xmlns="" val="1"/>
               </a:ext>
             </a:extLst>
           </p:spPr>
@@ -8669,7 +8669,7 @@
             <a:effectLst/>
             <a:extLst>
               <a:ext uri="{C572A759-6A51-4108-AA02-DFA0A04FC94B}">
-                <ma14:wrappingTextBoxFlag xmlns="" xmlns:m="http://schemas.openxmlformats.org/officeDocument/2006/math" xmlns:a14="http://schemas.microsoft.com/office/drawing/2010/main" xmlns:ma14="http://schemas.microsoft.com/office/mac/drawingml/2011/main" val="1"/>
+                <ma14:wrappingTextBoxFlag xmlns:ma14="http://schemas.microsoft.com/office/mac/drawingml/2011/main" xmlns:a14="http://schemas.microsoft.com/office/drawing/2010/main" xmlns:m="http://schemas.openxmlformats.org/officeDocument/2006/math" xmlns="" val="1"/>
               </a:ext>
             </a:extLst>
           </p:spPr>
@@ -8719,7 +8719,7 @@
             <a:effectLst/>
             <a:extLst>
               <a:ext uri="{C572A759-6A51-4108-AA02-DFA0A04FC94B}">
-                <ma14:wrappingTextBoxFlag xmlns="" xmlns:m="http://schemas.openxmlformats.org/officeDocument/2006/math" xmlns:a14="http://schemas.microsoft.com/office/drawing/2010/main" xmlns:ma14="http://schemas.microsoft.com/office/mac/drawingml/2011/main" val="1"/>
+                <ma14:wrappingTextBoxFlag xmlns:ma14="http://schemas.microsoft.com/office/mac/drawingml/2011/main" xmlns:a14="http://schemas.microsoft.com/office/drawing/2010/main" xmlns:m="http://schemas.openxmlformats.org/officeDocument/2006/math" xmlns="" val="1"/>
               </a:ext>
             </a:extLst>
           </p:spPr>
@@ -8769,7 +8769,7 @@
             <a:effectLst/>
             <a:extLst>
               <a:ext uri="{C572A759-6A51-4108-AA02-DFA0A04FC94B}">
-                <ma14:wrappingTextBoxFlag xmlns="" xmlns:m="http://schemas.openxmlformats.org/officeDocument/2006/math" xmlns:a14="http://schemas.microsoft.com/office/drawing/2010/main" xmlns:ma14="http://schemas.microsoft.com/office/mac/drawingml/2011/main" val="1"/>
+                <ma14:wrappingTextBoxFlag xmlns:ma14="http://schemas.microsoft.com/office/mac/drawingml/2011/main" xmlns:a14="http://schemas.microsoft.com/office/drawing/2010/main" xmlns:m="http://schemas.openxmlformats.org/officeDocument/2006/math" xmlns="" val="1"/>
               </a:ext>
             </a:extLst>
           </p:spPr>
@@ -8861,7 +8861,7 @@
           <a:p>
             <a:r>
               <a:rPr lang="es-ES" dirty="0"/>
-              <a:t>Panorama actual</a:t>
+              <a:t>Panorama anterior a Vite</a:t>
             </a:r>
             <a:endParaRPr dirty="0"/>
           </a:p>
@@ -9880,7 +9880,7 @@
           <a:effectLst/>
           <a:extLst>
             <a:ext uri="{C572A759-6A51-4108-AA02-DFA0A04FC94B}">
-              <ma14:wrappingTextBoxFlag xmlns="" xmlns:m="http://schemas.openxmlformats.org/officeDocument/2006/math" xmlns:a14="http://schemas.microsoft.com/office/drawing/2010/main" xmlns:ma14="http://schemas.microsoft.com/office/mac/drawingml/2011/main" val="1"/>
+              <ma14:wrappingTextBoxFlag xmlns:ma14="http://schemas.microsoft.com/office/mac/drawingml/2011/main" xmlns:a14="http://schemas.microsoft.com/office/drawing/2010/main" xmlns:m="http://schemas.openxmlformats.org/officeDocument/2006/math" xmlns="" val="1"/>
             </a:ext>
           </a:extLst>
         </p:spPr>
@@ -9940,7 +9940,7 @@
           <a:effectLst/>
           <a:extLst>
             <a:ext uri="{C572A759-6A51-4108-AA02-DFA0A04FC94B}">
-              <ma14:wrappingTextBoxFlag xmlns="" xmlns:m="http://schemas.openxmlformats.org/officeDocument/2006/math" xmlns:a14="http://schemas.microsoft.com/office/drawing/2010/main" xmlns:ma14="http://schemas.microsoft.com/office/mac/drawingml/2011/main" val="1"/>
+              <ma14:wrappingTextBoxFlag xmlns:ma14="http://schemas.microsoft.com/office/mac/drawingml/2011/main" xmlns:a14="http://schemas.microsoft.com/office/drawing/2010/main" xmlns:m="http://schemas.openxmlformats.org/officeDocument/2006/math" xmlns="" val="1"/>
             </a:ext>
           </a:extLst>
         </p:spPr>
@@ -10000,7 +10000,7 @@
           <a:effectLst/>
           <a:extLst>
             <a:ext uri="{C572A759-6A51-4108-AA02-DFA0A04FC94B}">
-              <ma14:wrappingTextBoxFlag xmlns="" xmlns:m="http://schemas.openxmlformats.org/officeDocument/2006/math" xmlns:a14="http://schemas.microsoft.com/office/drawing/2010/main" xmlns:ma14="http://schemas.microsoft.com/office/mac/drawingml/2011/main" val="1"/>
+              <ma14:wrappingTextBoxFlag xmlns:ma14="http://schemas.microsoft.com/office/mac/drawingml/2011/main" xmlns:a14="http://schemas.microsoft.com/office/drawing/2010/main" xmlns:m="http://schemas.openxmlformats.org/officeDocument/2006/math" xmlns="" val="1"/>
             </a:ext>
           </a:extLst>
         </p:spPr>
@@ -10148,7 +10148,7 @@
           </a:ln>
           <a:extLst>
             <a:ext uri="{C572A759-6A51-4108-AA02-DFA0A04FC94B}">
-              <ma14:wrappingTextBoxFlag xmlns="" xmlns:m="http://schemas.openxmlformats.org/officeDocument/2006/math" xmlns:a14="http://schemas.microsoft.com/office/drawing/2010/main" xmlns:ma14="http://schemas.microsoft.com/office/mac/drawingml/2011/main" val="1"/>
+              <ma14:wrappingTextBoxFlag xmlns:ma14="http://schemas.microsoft.com/office/mac/drawingml/2011/main" xmlns:a14="http://schemas.microsoft.com/office/drawing/2010/main" xmlns:m="http://schemas.openxmlformats.org/officeDocument/2006/math" xmlns="" val="1"/>
             </a:ext>
           </a:extLst>
         </p:spPr>
@@ -10329,7 +10329,7 @@
           </a:ln>
           <a:extLst>
             <a:ext uri="{C572A759-6A51-4108-AA02-DFA0A04FC94B}">
-              <ma14:wrappingTextBoxFlag xmlns="" xmlns:m="http://schemas.openxmlformats.org/officeDocument/2006/math" xmlns:a14="http://schemas.microsoft.com/office/drawing/2010/main" xmlns:ma14="http://schemas.microsoft.com/office/mac/drawingml/2011/main" val="1"/>
+              <ma14:wrappingTextBoxFlag xmlns:ma14="http://schemas.microsoft.com/office/mac/drawingml/2011/main" xmlns:a14="http://schemas.microsoft.com/office/drawing/2010/main" xmlns:m="http://schemas.openxmlformats.org/officeDocument/2006/math" xmlns="" val="1"/>
             </a:ext>
           </a:extLst>
         </p:spPr>
@@ -10510,7 +10510,7 @@
           </a:ln>
           <a:extLst>
             <a:ext uri="{C572A759-6A51-4108-AA02-DFA0A04FC94B}">
-              <ma14:wrappingTextBoxFlag xmlns="" xmlns:m="http://schemas.openxmlformats.org/officeDocument/2006/math" xmlns:a14="http://schemas.microsoft.com/office/drawing/2010/main" xmlns:ma14="http://schemas.microsoft.com/office/mac/drawingml/2011/main" val="1"/>
+              <ma14:wrappingTextBoxFlag xmlns:ma14="http://schemas.microsoft.com/office/mac/drawingml/2011/main" xmlns:a14="http://schemas.microsoft.com/office/drawing/2010/main" xmlns:m="http://schemas.openxmlformats.org/officeDocument/2006/math" xmlns="" val="1"/>
             </a:ext>
           </a:extLst>
         </p:spPr>
@@ -11368,7 +11368,7 @@
           <a:effectLst/>
           <a:extLst>
             <a:ext uri="{C572A759-6A51-4108-AA02-DFA0A04FC94B}">
-              <ma14:wrappingTextBoxFlag xmlns="" xmlns:m="http://schemas.openxmlformats.org/officeDocument/2006/math" xmlns:a14="http://schemas.microsoft.com/office/drawing/2010/main" xmlns:ma14="http://schemas.microsoft.com/office/mac/drawingml/2011/main" val="1"/>
+              <ma14:wrappingTextBoxFlag xmlns:ma14="http://schemas.microsoft.com/office/mac/drawingml/2011/main" xmlns:a14="http://schemas.microsoft.com/office/drawing/2010/main" xmlns:m="http://schemas.openxmlformats.org/officeDocument/2006/math" xmlns="" val="1"/>
             </a:ext>
           </a:extLst>
         </p:spPr>
@@ -11428,7 +11428,7 @@
           <a:effectLst/>
           <a:extLst>
             <a:ext uri="{C572A759-6A51-4108-AA02-DFA0A04FC94B}">
-              <ma14:wrappingTextBoxFlag xmlns="" xmlns:m="http://schemas.openxmlformats.org/officeDocument/2006/math" xmlns:a14="http://schemas.microsoft.com/office/drawing/2010/main" xmlns:ma14="http://schemas.microsoft.com/office/mac/drawingml/2011/main" val="1"/>
+              <ma14:wrappingTextBoxFlag xmlns:ma14="http://schemas.microsoft.com/office/mac/drawingml/2011/main" xmlns:a14="http://schemas.microsoft.com/office/drawing/2010/main" xmlns:m="http://schemas.openxmlformats.org/officeDocument/2006/math" xmlns="" val="1"/>
             </a:ext>
           </a:extLst>
         </p:spPr>
@@ -11488,7 +11488,7 @@
           <a:effectLst/>
           <a:extLst>
             <a:ext uri="{C572A759-6A51-4108-AA02-DFA0A04FC94B}">
-              <ma14:wrappingTextBoxFlag xmlns="" xmlns:m="http://schemas.openxmlformats.org/officeDocument/2006/math" xmlns:a14="http://schemas.microsoft.com/office/drawing/2010/main" xmlns:ma14="http://schemas.microsoft.com/office/mac/drawingml/2011/main" val="1"/>
+              <ma14:wrappingTextBoxFlag xmlns:ma14="http://schemas.microsoft.com/office/mac/drawingml/2011/main" xmlns:a14="http://schemas.microsoft.com/office/drawing/2010/main" xmlns:m="http://schemas.openxmlformats.org/officeDocument/2006/math" xmlns="" val="1"/>
             </a:ext>
           </a:extLst>
         </p:spPr>
@@ -11520,10 +11520,10 @@
       </p:sp>
       <p:pic>
         <p:nvPicPr>
-          <p:cNvPr id="3" name="Imagen 2">
+          <p:cNvPr id="4" name="Imagen 3">
             <a:extLst>
               <a:ext uri="{FF2B5EF4-FFF2-40B4-BE49-F238E27FC236}">
-                <a16:creationId xmlns:a16="http://schemas.microsoft.com/office/drawing/2014/main" id="{F2C84950-7930-2F55-F37D-8FBDF9899761}"/>
+                <a16:creationId xmlns:a16="http://schemas.microsoft.com/office/drawing/2014/main" id="{215D754B-F015-8856-48C0-25C9B4AF0C8D}"/>
               </a:ext>
             </a:extLst>
           </p:cNvPr>
@@ -11540,8 +11540,8 @@
         </p:blipFill>
         <p:spPr>
           <a:xfrm>
-            <a:off x="2661637" y="2507033"/>
-            <a:ext cx="3745989" cy="2317729"/>
+            <a:off x="2665212" y="2541329"/>
+            <a:ext cx="3594970" cy="2247138"/>
           </a:xfrm>
           <a:prstGeom prst="rect">
             <a:avLst/>
@@ -11677,7 +11677,7 @@
           </a:ln>
           <a:extLst>
             <a:ext uri="{C572A759-6A51-4108-AA02-DFA0A04FC94B}">
-              <ma14:wrappingTextBoxFlag xmlns="" xmlns:m="http://schemas.openxmlformats.org/officeDocument/2006/math" xmlns:a14="http://schemas.microsoft.com/office/drawing/2010/main" xmlns:ma14="http://schemas.microsoft.com/office/mac/drawingml/2011/main" val="1"/>
+              <ma14:wrappingTextBoxFlag xmlns:ma14="http://schemas.microsoft.com/office/mac/drawingml/2011/main" xmlns:a14="http://schemas.microsoft.com/office/drawing/2010/main" xmlns:m="http://schemas.openxmlformats.org/officeDocument/2006/math" xmlns="" val="1"/>
             </a:ext>
           </a:extLst>
         </p:spPr>
@@ -11740,7 +11740,7 @@
           </a:ln>
           <a:extLst>
             <a:ext uri="{C572A759-6A51-4108-AA02-DFA0A04FC94B}">
-              <ma14:wrappingTextBoxFlag xmlns="" xmlns:m="http://schemas.openxmlformats.org/officeDocument/2006/math" xmlns:a14="http://schemas.microsoft.com/office/drawing/2010/main" xmlns:ma14="http://schemas.microsoft.com/office/mac/drawingml/2011/main" val="1"/>
+              <ma14:wrappingTextBoxFlag xmlns:ma14="http://schemas.microsoft.com/office/mac/drawingml/2011/main" xmlns:a14="http://schemas.microsoft.com/office/drawing/2010/main" xmlns:m="http://schemas.openxmlformats.org/officeDocument/2006/math" xmlns="" val="1"/>
             </a:ext>
           </a:extLst>
         </p:spPr>
@@ -11796,7 +11796,7 @@
           </a:ln>
           <a:extLst>
             <a:ext uri="{C572A759-6A51-4108-AA02-DFA0A04FC94B}">
-              <ma14:wrappingTextBoxFlag xmlns="" xmlns:m="http://schemas.openxmlformats.org/officeDocument/2006/math" xmlns:a14="http://schemas.microsoft.com/office/drawing/2010/main" xmlns:ma14="http://schemas.microsoft.com/office/mac/drawingml/2011/main" val="1"/>
+              <ma14:wrappingTextBoxFlag xmlns:ma14="http://schemas.microsoft.com/office/mac/drawingml/2011/main" xmlns:a14="http://schemas.microsoft.com/office/drawing/2010/main" xmlns:m="http://schemas.openxmlformats.org/officeDocument/2006/math" xmlns="" val="1"/>
             </a:ext>
           </a:extLst>
         </p:spPr>
@@ -11863,7 +11863,7 @@
           <a:effectLst/>
           <a:extLst>
             <a:ext uri="{C572A759-6A51-4108-AA02-DFA0A04FC94B}">
-              <ma14:wrappingTextBoxFlag xmlns="" xmlns:m="http://schemas.openxmlformats.org/officeDocument/2006/math" xmlns:a14="http://schemas.microsoft.com/office/drawing/2010/main" xmlns:ma14="http://schemas.microsoft.com/office/mac/drawingml/2011/main" val="1"/>
+              <ma14:wrappingTextBoxFlag xmlns:ma14="http://schemas.microsoft.com/office/mac/drawingml/2011/main" xmlns:a14="http://schemas.microsoft.com/office/drawing/2010/main" xmlns:m="http://schemas.openxmlformats.org/officeDocument/2006/math" xmlns="" val="1"/>
             </a:ext>
           </a:extLst>
         </p:spPr>
@@ -11923,7 +11923,7 @@
           <a:effectLst/>
           <a:extLst>
             <a:ext uri="{C572A759-6A51-4108-AA02-DFA0A04FC94B}">
-              <ma14:wrappingTextBoxFlag xmlns="" xmlns:m="http://schemas.openxmlformats.org/officeDocument/2006/math" xmlns:a14="http://schemas.microsoft.com/office/drawing/2010/main" xmlns:ma14="http://schemas.microsoft.com/office/mac/drawingml/2011/main" val="1"/>
+              <ma14:wrappingTextBoxFlag xmlns:ma14="http://schemas.microsoft.com/office/mac/drawingml/2011/main" xmlns:a14="http://schemas.microsoft.com/office/drawing/2010/main" xmlns:m="http://schemas.openxmlformats.org/officeDocument/2006/math" xmlns="" val="1"/>
             </a:ext>
           </a:extLst>
         </p:spPr>
@@ -12131,7 +12131,7 @@
           <a:effectLst/>
           <a:extLst>
             <a:ext uri="{C572A759-6A51-4108-AA02-DFA0A04FC94B}">
-              <ma14:wrappingTextBoxFlag xmlns="" xmlns:m="http://schemas.openxmlformats.org/officeDocument/2006/math" xmlns:a14="http://schemas.microsoft.com/office/drawing/2010/main" xmlns:ma14="http://schemas.microsoft.com/office/mac/drawingml/2011/main" val="1"/>
+              <ma14:wrappingTextBoxFlag xmlns:ma14="http://schemas.microsoft.com/office/mac/drawingml/2011/main" xmlns:a14="http://schemas.microsoft.com/office/drawing/2010/main" xmlns:m="http://schemas.openxmlformats.org/officeDocument/2006/math" xmlns="" val="1"/>
             </a:ext>
           </a:extLst>
         </p:spPr>
@@ -12436,7 +12436,7 @@
           </a:ln>
           <a:extLst>
             <a:ext uri="{C572A759-6A51-4108-AA02-DFA0A04FC94B}">
-              <ma14:wrappingTextBoxFlag xmlns="" xmlns:m="http://schemas.openxmlformats.org/officeDocument/2006/math" xmlns:a14="http://schemas.microsoft.com/office/drawing/2010/main" xmlns:ma14="http://schemas.microsoft.com/office/mac/drawingml/2011/main" val="1"/>
+              <ma14:wrappingTextBoxFlag xmlns:ma14="http://schemas.microsoft.com/office/mac/drawingml/2011/main" xmlns:a14="http://schemas.microsoft.com/office/drawing/2010/main" xmlns:m="http://schemas.openxmlformats.org/officeDocument/2006/math" xmlns="" val="1"/>
             </a:ext>
           </a:extLst>
         </p:spPr>
@@ -12588,7 +12588,7 @@
           <a:effectLst/>
           <a:extLst>
             <a:ext uri="{C572A759-6A51-4108-AA02-DFA0A04FC94B}">
-              <ma14:wrappingTextBoxFlag xmlns="" xmlns:m="http://schemas.openxmlformats.org/officeDocument/2006/math" xmlns:a14="http://schemas.microsoft.com/office/drawing/2010/main" xmlns:ma14="http://schemas.microsoft.com/office/mac/drawingml/2011/main" val="1"/>
+              <ma14:wrappingTextBoxFlag xmlns:ma14="http://schemas.microsoft.com/office/mac/drawingml/2011/main" xmlns:a14="http://schemas.microsoft.com/office/drawing/2010/main" xmlns:m="http://schemas.openxmlformats.org/officeDocument/2006/math" xmlns="" val="1"/>
             </a:ext>
           </a:extLst>
         </p:spPr>
@@ -13112,7 +13112,7 @@
           </a:ln>
           <a:extLst>
             <a:ext uri="{C572A759-6A51-4108-AA02-DFA0A04FC94B}">
-              <ma14:wrappingTextBoxFlag xmlns="" xmlns:m="http://schemas.openxmlformats.org/officeDocument/2006/math" xmlns:a14="http://schemas.microsoft.com/office/drawing/2010/main" xmlns:ma14="http://schemas.microsoft.com/office/mac/drawingml/2011/main" val="1"/>
+              <ma14:wrappingTextBoxFlag xmlns:ma14="http://schemas.microsoft.com/office/mac/drawingml/2011/main" xmlns:a14="http://schemas.microsoft.com/office/drawing/2010/main" xmlns:m="http://schemas.openxmlformats.org/officeDocument/2006/math" xmlns="" val="1"/>
             </a:ext>
           </a:extLst>
         </p:spPr>
@@ -13264,7 +13264,7 @@
           <a:effectLst/>
           <a:extLst>
             <a:ext uri="{C572A759-6A51-4108-AA02-DFA0A04FC94B}">
-              <ma14:wrappingTextBoxFlag xmlns="" xmlns:m="http://schemas.openxmlformats.org/officeDocument/2006/math" xmlns:a14="http://schemas.microsoft.com/office/drawing/2010/main" xmlns:ma14="http://schemas.microsoft.com/office/mac/drawingml/2011/main" val="1"/>
+              <ma14:wrappingTextBoxFlag xmlns:ma14="http://schemas.microsoft.com/office/mac/drawingml/2011/main" xmlns:a14="http://schemas.microsoft.com/office/drawing/2010/main" xmlns:m="http://schemas.openxmlformats.org/officeDocument/2006/math" xmlns="" val="1"/>
             </a:ext>
           </a:extLst>
         </p:spPr>
@@ -13336,7 +13336,7 @@
           </a:ln>
           <a:extLst>
             <a:ext uri="{C572A759-6A51-4108-AA02-DFA0A04FC94B}">
-              <ma14:wrappingTextBoxFlag xmlns="" xmlns:m="http://schemas.openxmlformats.org/officeDocument/2006/math" xmlns:a14="http://schemas.microsoft.com/office/drawing/2010/main" xmlns:ma14="http://schemas.microsoft.com/office/mac/drawingml/2011/main" val="1"/>
+              <ma14:wrappingTextBoxFlag xmlns:ma14="http://schemas.microsoft.com/office/mac/drawingml/2011/main" xmlns:a14="http://schemas.microsoft.com/office/drawing/2010/main" xmlns:m="http://schemas.openxmlformats.org/officeDocument/2006/math" xmlns="" val="1"/>
             </a:ext>
           </a:extLst>
         </p:spPr>
@@ -13512,7 +13512,7 @@
           <a:effectLst/>
           <a:extLst>
             <a:ext uri="{C572A759-6A51-4108-AA02-DFA0A04FC94B}">
-              <ma14:wrappingTextBoxFlag xmlns="" xmlns:m="http://schemas.openxmlformats.org/officeDocument/2006/math" xmlns:a14="http://schemas.microsoft.com/office/drawing/2010/main" xmlns:ma14="http://schemas.microsoft.com/office/mac/drawingml/2011/main" val="1"/>
+              <ma14:wrappingTextBoxFlag xmlns:ma14="http://schemas.microsoft.com/office/mac/drawingml/2011/main" xmlns:a14="http://schemas.microsoft.com/office/drawing/2010/main" xmlns:m="http://schemas.openxmlformats.org/officeDocument/2006/math" xmlns="" val="1"/>
             </a:ext>
           </a:extLst>
         </p:spPr>
@@ -13688,7 +13688,7 @@
           </a:ln>
           <a:extLst>
             <a:ext uri="{C572A759-6A51-4108-AA02-DFA0A04FC94B}">
-              <ma14:wrappingTextBoxFlag xmlns="" xmlns:m="http://schemas.openxmlformats.org/officeDocument/2006/math" xmlns:a14="http://schemas.microsoft.com/office/drawing/2010/main" xmlns:ma14="http://schemas.microsoft.com/office/mac/drawingml/2011/main" val="1"/>
+              <ma14:wrappingTextBoxFlag xmlns:ma14="http://schemas.microsoft.com/office/mac/drawingml/2011/main" xmlns:a14="http://schemas.microsoft.com/office/drawing/2010/main" xmlns:m="http://schemas.openxmlformats.org/officeDocument/2006/math" xmlns="" val="1"/>
             </a:ext>
           </a:extLst>
         </p:spPr>
@@ -13755,7 +13755,7 @@
           <a:effectLst/>
           <a:extLst>
             <a:ext uri="{C572A759-6A51-4108-AA02-DFA0A04FC94B}">
-              <ma14:wrappingTextBoxFlag xmlns="" xmlns:m="http://schemas.openxmlformats.org/officeDocument/2006/math" xmlns:a14="http://schemas.microsoft.com/office/drawing/2010/main" xmlns:ma14="http://schemas.microsoft.com/office/mac/drawingml/2011/main" val="1"/>
+              <ma14:wrappingTextBoxFlag xmlns:ma14="http://schemas.microsoft.com/office/mac/drawingml/2011/main" xmlns:a14="http://schemas.microsoft.com/office/drawing/2010/main" xmlns:m="http://schemas.openxmlformats.org/officeDocument/2006/math" xmlns="" val="1"/>
             </a:ext>
           </a:extLst>
         </p:spPr>
@@ -13815,7 +13815,7 @@
           <a:effectLst/>
           <a:extLst>
             <a:ext uri="{C572A759-6A51-4108-AA02-DFA0A04FC94B}">
-              <ma14:wrappingTextBoxFlag xmlns="" xmlns:m="http://schemas.openxmlformats.org/officeDocument/2006/math" xmlns:a14="http://schemas.microsoft.com/office/drawing/2010/main" xmlns:ma14="http://schemas.microsoft.com/office/mac/drawingml/2011/main" val="1"/>
+              <ma14:wrappingTextBoxFlag xmlns:ma14="http://schemas.microsoft.com/office/mac/drawingml/2011/main" xmlns:a14="http://schemas.microsoft.com/office/drawing/2010/main" xmlns:m="http://schemas.openxmlformats.org/officeDocument/2006/math" xmlns="" val="1"/>
             </a:ext>
           </a:extLst>
         </p:spPr>
@@ -14075,7 +14075,7 @@
           </a:ln>
           <a:extLst>
             <a:ext uri="{C572A759-6A51-4108-AA02-DFA0A04FC94B}">
-              <ma14:wrappingTextBoxFlag xmlns="" xmlns:m="http://schemas.openxmlformats.org/officeDocument/2006/math" xmlns:a14="http://schemas.microsoft.com/office/drawing/2010/main" xmlns:ma14="http://schemas.microsoft.com/office/mac/drawingml/2011/main" val="1"/>
+              <ma14:wrappingTextBoxFlag xmlns:ma14="http://schemas.microsoft.com/office/mac/drawingml/2011/main" xmlns:a14="http://schemas.microsoft.com/office/drawing/2010/main" xmlns:m="http://schemas.openxmlformats.org/officeDocument/2006/math" xmlns="" val="1"/>
             </a:ext>
           </a:extLst>
         </p:spPr>
@@ -15517,7 +15517,7 @@
           </a:ln>
           <a:extLst>
             <a:ext uri="{C572A759-6A51-4108-AA02-DFA0A04FC94B}">
-              <ma14:wrappingTextBoxFlag xmlns:ma14="http://schemas.microsoft.com/office/mac/drawingml/2011/main" xmlns:a14="http://schemas.microsoft.com/office/drawing/2010/main" xmlns:m="http://schemas.openxmlformats.org/officeDocument/2006/math" xmlns="" val="1"/>
+              <ma14:wrappingTextBoxFlag xmlns="" xmlns:m="http://schemas.openxmlformats.org/officeDocument/2006/math" xmlns:a14="http://schemas.microsoft.com/office/drawing/2010/main" xmlns:ma14="http://schemas.microsoft.com/office/mac/drawingml/2011/main" val="1"/>
             </a:ext>
           </a:extLst>
         </p:spPr>
@@ -16987,7 +16987,7 @@
               </a:ln>
               <a:extLst>
                 <a:ext uri="{C572A759-6A51-4108-AA02-DFA0A04FC94B}">
-                  <ma14:wrappingTextBoxFlag xmlns="" xmlns:m="http://schemas.openxmlformats.org/officeDocument/2006/math" xmlns:a14="http://schemas.microsoft.com/office/drawing/2010/main" xmlns:ma14="http://schemas.microsoft.com/office/mac/drawingml/2011/main" val="1"/>
+                  <ma14:wrappingTextBoxFlag xmlns:ma14="http://schemas.microsoft.com/office/mac/drawingml/2011/main" xmlns:a14="http://schemas.microsoft.com/office/drawing/2010/main" xmlns:m="http://schemas.openxmlformats.org/officeDocument/2006/math" xmlns="" val="1"/>
                 </a:ext>
               </a:extLst>
             </p:spPr>
@@ -17091,7 +17091,7 @@
               </a:ln>
               <a:extLst>
                 <a:ext uri="{C572A759-6A51-4108-AA02-DFA0A04FC94B}">
-                  <ma14:wrappingTextBoxFlag xmlns="" xmlns:m="http://schemas.openxmlformats.org/officeDocument/2006/math" xmlns:a14="http://schemas.microsoft.com/office/drawing/2010/main" xmlns:ma14="http://schemas.microsoft.com/office/mac/drawingml/2011/main" val="1"/>
+                  <ma14:wrappingTextBoxFlag xmlns:ma14="http://schemas.microsoft.com/office/mac/drawingml/2011/main" xmlns:a14="http://schemas.microsoft.com/office/drawing/2010/main" xmlns:m="http://schemas.openxmlformats.org/officeDocument/2006/math" xmlns="" val="1"/>
                 </a:ext>
               </a:extLst>
             </p:spPr>
@@ -20417,7 +20417,7 @@
             </a:ln>
             <a:extLst>
               <a:ext uri="{C572A759-6A51-4108-AA02-DFA0A04FC94B}">
-                <ma14:wrappingTextBoxFlag xmlns:ma14="http://schemas.microsoft.com/office/mac/drawingml/2011/main" xmlns:a14="http://schemas.microsoft.com/office/drawing/2010/main" xmlns:m="http://schemas.openxmlformats.org/officeDocument/2006/math" xmlns="" val="1"/>
+                <ma14:wrappingTextBoxFlag xmlns="" xmlns:m="http://schemas.openxmlformats.org/officeDocument/2006/math" xmlns:a14="http://schemas.microsoft.com/office/drawing/2010/main" xmlns:ma14="http://schemas.microsoft.com/office/mac/drawingml/2011/main" val="1"/>
               </a:ext>
             </a:extLst>
           </p:spPr>
@@ -20498,7 +20498,7 @@
             </a:ln>
             <a:extLst>
               <a:ext uri="{C572A759-6A51-4108-AA02-DFA0A04FC94B}">
-                <ma14:wrappingTextBoxFlag xmlns:ma14="http://schemas.microsoft.com/office/mac/drawingml/2011/main" xmlns:a14="http://schemas.microsoft.com/office/drawing/2010/main" xmlns:m="http://schemas.openxmlformats.org/officeDocument/2006/math" xmlns="" val="1"/>
+                <ma14:wrappingTextBoxFlag xmlns="" xmlns:m="http://schemas.openxmlformats.org/officeDocument/2006/math" xmlns:a14="http://schemas.microsoft.com/office/drawing/2010/main" xmlns:ma14="http://schemas.microsoft.com/office/mac/drawingml/2011/main" val="1"/>
               </a:ext>
             </a:extLst>
           </p:spPr>
@@ -20977,7 +20977,7 @@
               </a:ln>
               <a:extLst>
                 <a:ext uri="{C572A759-6A51-4108-AA02-DFA0A04FC94B}">
-                  <ma14:wrappingTextBoxFlag xmlns:ma14="http://schemas.microsoft.com/office/mac/drawingml/2011/main" xmlns:a14="http://schemas.microsoft.com/office/drawing/2010/main" xmlns:m="http://schemas.openxmlformats.org/officeDocument/2006/math" xmlns="" val="1"/>
+                  <ma14:wrappingTextBoxFlag xmlns="" xmlns:m="http://schemas.openxmlformats.org/officeDocument/2006/math" xmlns:a14="http://schemas.microsoft.com/office/drawing/2010/main" xmlns:ma14="http://schemas.microsoft.com/office/mac/drawingml/2011/main" val="1"/>
                 </a:ext>
               </a:extLst>
             </p:spPr>
@@ -21096,7 +21096,7 @@
           </a:ln>
           <a:extLst>
             <a:ext uri="{C572A759-6A51-4108-AA02-DFA0A04FC94B}">
-              <ma14:wrappingTextBoxFlag xmlns="" xmlns:m="http://schemas.openxmlformats.org/officeDocument/2006/math" xmlns:a14="http://schemas.microsoft.com/office/drawing/2010/main" xmlns:ma14="http://schemas.microsoft.com/office/mac/drawingml/2011/main" val="1"/>
+              <ma14:wrappingTextBoxFlag xmlns:ma14="http://schemas.microsoft.com/office/mac/drawingml/2011/main" xmlns:a14="http://schemas.microsoft.com/office/drawing/2010/main" xmlns:m="http://schemas.openxmlformats.org/officeDocument/2006/math" xmlns="" val="1"/>
             </a:ext>
           </a:extLst>
         </p:spPr>
@@ -21391,7 +21391,7 @@
           <a:effectLst/>
           <a:extLst>
             <a:ext uri="{C572A759-6A51-4108-AA02-DFA0A04FC94B}">
-              <ma14:wrappingTextBoxFlag xmlns="" xmlns:m="http://schemas.openxmlformats.org/officeDocument/2006/math" xmlns:a14="http://schemas.microsoft.com/office/drawing/2010/main" xmlns:ma14="http://schemas.microsoft.com/office/mac/drawingml/2011/main" val="1"/>
+              <ma14:wrappingTextBoxFlag xmlns:ma14="http://schemas.microsoft.com/office/mac/drawingml/2011/main" xmlns:a14="http://schemas.microsoft.com/office/drawing/2010/main" xmlns:m="http://schemas.openxmlformats.org/officeDocument/2006/math" xmlns="" val="1"/>
             </a:ext>
           </a:extLst>
         </p:spPr>
@@ -22147,7 +22147,7 @@
           <a:effectLst/>
           <a:extLst>
             <a:ext uri="{C572A759-6A51-4108-AA02-DFA0A04FC94B}">
-              <ma14:wrappingTextBoxFlag xmlns="" xmlns:m="http://schemas.openxmlformats.org/officeDocument/2006/math" xmlns:a14="http://schemas.microsoft.com/office/drawing/2010/main" xmlns:ma14="http://schemas.microsoft.com/office/mac/drawingml/2011/main" val="1"/>
+              <ma14:wrappingTextBoxFlag xmlns:ma14="http://schemas.microsoft.com/office/mac/drawingml/2011/main" xmlns:a14="http://schemas.microsoft.com/office/drawing/2010/main" xmlns:m="http://schemas.openxmlformats.org/officeDocument/2006/math" xmlns="" val="1"/>
             </a:ext>
           </a:extLst>
         </p:spPr>
@@ -22806,7 +22806,7 @@
           </a:ln>
           <a:extLst>
             <a:ext uri="{C572A759-6A51-4108-AA02-DFA0A04FC94B}">
-              <ma14:wrappingTextBoxFlag xmlns:ma14="http://schemas.microsoft.com/office/mac/drawingml/2011/main" xmlns:a14="http://schemas.microsoft.com/office/drawing/2010/main" xmlns:m="http://schemas.openxmlformats.org/officeDocument/2006/math" xmlns="" val="1"/>
+              <ma14:wrappingTextBoxFlag xmlns="" xmlns:m="http://schemas.openxmlformats.org/officeDocument/2006/math" xmlns:a14="http://schemas.microsoft.com/office/drawing/2010/main" xmlns:ma14="http://schemas.microsoft.com/office/mac/drawingml/2011/main" val="1"/>
             </a:ext>
           </a:extLst>
         </p:spPr>
@@ -22868,7 +22868,7 @@
           </a:ln>
           <a:extLst>
             <a:ext uri="{C572A759-6A51-4108-AA02-DFA0A04FC94B}">
-              <ma14:wrappingTextBoxFlag xmlns:ma14="http://schemas.microsoft.com/office/mac/drawingml/2011/main" xmlns:a14="http://schemas.microsoft.com/office/drawing/2010/main" xmlns:m="http://schemas.openxmlformats.org/officeDocument/2006/math" xmlns="" val="1"/>
+              <ma14:wrappingTextBoxFlag xmlns="" xmlns:m="http://schemas.openxmlformats.org/officeDocument/2006/math" xmlns:a14="http://schemas.microsoft.com/office/drawing/2010/main" xmlns:ma14="http://schemas.microsoft.com/office/mac/drawingml/2011/main" val="1"/>
             </a:ext>
           </a:extLst>
         </p:spPr>
@@ -23020,7 +23020,7 @@
           </a:ln>
           <a:extLst>
             <a:ext uri="{C572A759-6A51-4108-AA02-DFA0A04FC94B}">
-              <ma14:wrappingTextBoxFlag xmlns:ma14="http://schemas.microsoft.com/office/mac/drawingml/2011/main" xmlns:a14="http://schemas.microsoft.com/office/drawing/2010/main" xmlns:m="http://schemas.openxmlformats.org/officeDocument/2006/math" xmlns="" val="1"/>
+              <ma14:wrappingTextBoxFlag xmlns="" xmlns:m="http://schemas.openxmlformats.org/officeDocument/2006/math" xmlns:a14="http://schemas.microsoft.com/office/drawing/2010/main" xmlns:ma14="http://schemas.microsoft.com/office/mac/drawingml/2011/main" val="1"/>
             </a:ext>
           </a:extLst>
         </p:spPr>
@@ -23199,7 +23199,7 @@
           </a:ln>
           <a:extLst>
             <a:ext uri="{C572A759-6A51-4108-AA02-DFA0A04FC94B}">
-              <ma14:wrappingTextBoxFlag xmlns:ma14="http://schemas.microsoft.com/office/mac/drawingml/2011/main" xmlns:a14="http://schemas.microsoft.com/office/drawing/2010/main" xmlns:m="http://schemas.openxmlformats.org/officeDocument/2006/math" xmlns="" val="1"/>
+              <ma14:wrappingTextBoxFlag xmlns="" xmlns:m="http://schemas.openxmlformats.org/officeDocument/2006/math" xmlns:a14="http://schemas.microsoft.com/office/drawing/2010/main" xmlns:ma14="http://schemas.microsoft.com/office/mac/drawingml/2011/main" val="1"/>
             </a:ext>
           </a:extLst>
         </p:spPr>

--- a/03-bundling/06-vite/00-teoría/Introducción a vite.pptx
+++ b/03-bundling/06-vite/00-teoría/Introducción a vite.pptx
@@ -7133,7 +7133,7 @@
           </a:ln>
           <a:extLst>
             <a:ext uri="{C572A759-6A51-4108-AA02-DFA0A04FC94B}">
-              <ma14:wrappingTextBoxFlag xmlns:ma14="http://schemas.microsoft.com/office/mac/drawingml/2011/main" xmlns:a14="http://schemas.microsoft.com/office/drawing/2010/main" xmlns:m="http://schemas.openxmlformats.org/officeDocument/2006/math" xmlns="" val="1"/>
+              <ma14:wrappingTextBoxFlag xmlns="" xmlns:m="http://schemas.openxmlformats.org/officeDocument/2006/math" xmlns:a14="http://schemas.microsoft.com/office/drawing/2010/main" xmlns:ma14="http://schemas.microsoft.com/office/mac/drawingml/2011/main" val="1"/>
             </a:ext>
           </a:extLst>
         </p:spPr>
@@ -7172,7 +7172,7 @@
           </a:ln>
           <a:extLst>
             <a:ext uri="{C572A759-6A51-4108-AA02-DFA0A04FC94B}">
-              <ma14:wrappingTextBoxFlag xmlns:ma14="http://schemas.microsoft.com/office/mac/drawingml/2011/main" xmlns:a14="http://schemas.microsoft.com/office/drawing/2010/main" xmlns:m="http://schemas.openxmlformats.org/officeDocument/2006/math" xmlns="" val="1"/>
+              <ma14:wrappingTextBoxFlag xmlns="" xmlns:m="http://schemas.openxmlformats.org/officeDocument/2006/math" xmlns:a14="http://schemas.microsoft.com/office/drawing/2010/main" xmlns:ma14="http://schemas.microsoft.com/office/mac/drawingml/2011/main" val="1"/>
             </a:ext>
           </a:extLst>
         </p:spPr>
@@ -8130,7 +8130,7 @@
           </a:ln>
           <a:extLst>
             <a:ext uri="{C572A759-6A51-4108-AA02-DFA0A04FC94B}">
-              <ma14:wrappingTextBoxFlag xmlns:ma14="http://schemas.microsoft.com/office/mac/drawingml/2011/main" xmlns:a14="http://schemas.microsoft.com/office/drawing/2010/main" xmlns:m="http://schemas.openxmlformats.org/officeDocument/2006/math" xmlns="" val="1"/>
+              <ma14:wrappingTextBoxFlag xmlns="" xmlns:m="http://schemas.openxmlformats.org/officeDocument/2006/math" xmlns:a14="http://schemas.microsoft.com/office/drawing/2010/main" xmlns:ma14="http://schemas.microsoft.com/office/mac/drawingml/2011/main" val="1"/>
             </a:ext>
           </a:extLst>
         </p:spPr>
@@ -8182,7 +8182,7 @@
           </a:ln>
           <a:extLst>
             <a:ext uri="{C572A759-6A51-4108-AA02-DFA0A04FC94B}">
-              <ma14:wrappingTextBoxFlag xmlns:ma14="http://schemas.microsoft.com/office/mac/drawingml/2011/main" xmlns:a14="http://schemas.microsoft.com/office/drawing/2010/main" xmlns:m="http://schemas.openxmlformats.org/officeDocument/2006/math" xmlns="" val="1"/>
+              <ma14:wrappingTextBoxFlag xmlns="" xmlns:m="http://schemas.openxmlformats.org/officeDocument/2006/math" xmlns:a14="http://schemas.microsoft.com/office/drawing/2010/main" xmlns:ma14="http://schemas.microsoft.com/office/mac/drawingml/2011/main" val="1"/>
             </a:ext>
           </a:extLst>
         </p:spPr>
@@ -8346,7 +8346,7 @@
           </a:ln>
           <a:extLst>
             <a:ext uri="{C572A759-6A51-4108-AA02-DFA0A04FC94B}">
-              <ma14:wrappingTextBoxFlag xmlns:ma14="http://schemas.microsoft.com/office/mac/drawingml/2011/main" xmlns:a14="http://schemas.microsoft.com/office/drawing/2010/main" xmlns:m="http://schemas.openxmlformats.org/officeDocument/2006/math" xmlns="" val="1"/>
+              <ma14:wrappingTextBoxFlag xmlns="" xmlns:m="http://schemas.openxmlformats.org/officeDocument/2006/math" xmlns:a14="http://schemas.microsoft.com/office/drawing/2010/main" xmlns:ma14="http://schemas.microsoft.com/office/mac/drawingml/2011/main" val="1"/>
             </a:ext>
           </a:extLst>
         </p:spPr>
@@ -8619,7 +8619,7 @@
             <a:effectLst/>
             <a:extLst>
               <a:ext uri="{C572A759-6A51-4108-AA02-DFA0A04FC94B}">
-                <ma14:wrappingTextBoxFlag xmlns:ma14="http://schemas.microsoft.com/office/mac/drawingml/2011/main" xmlns:a14="http://schemas.microsoft.com/office/drawing/2010/main" xmlns:m="http://schemas.openxmlformats.org/officeDocument/2006/math" xmlns="" val="1"/>
+                <ma14:wrappingTextBoxFlag xmlns="" xmlns:m="http://schemas.openxmlformats.org/officeDocument/2006/math" xmlns:a14="http://schemas.microsoft.com/office/drawing/2010/main" xmlns:ma14="http://schemas.microsoft.com/office/mac/drawingml/2011/main" val="1"/>
               </a:ext>
             </a:extLst>
           </p:spPr>
@@ -8669,7 +8669,7 @@
             <a:effectLst/>
             <a:extLst>
               <a:ext uri="{C572A759-6A51-4108-AA02-DFA0A04FC94B}">
-                <ma14:wrappingTextBoxFlag xmlns:ma14="http://schemas.microsoft.com/office/mac/drawingml/2011/main" xmlns:a14="http://schemas.microsoft.com/office/drawing/2010/main" xmlns:m="http://schemas.openxmlformats.org/officeDocument/2006/math" xmlns="" val="1"/>
+                <ma14:wrappingTextBoxFlag xmlns="" xmlns:m="http://schemas.openxmlformats.org/officeDocument/2006/math" xmlns:a14="http://schemas.microsoft.com/office/drawing/2010/main" xmlns:ma14="http://schemas.microsoft.com/office/mac/drawingml/2011/main" val="1"/>
               </a:ext>
             </a:extLst>
           </p:spPr>
@@ -8719,7 +8719,7 @@
             <a:effectLst/>
             <a:extLst>
               <a:ext uri="{C572A759-6A51-4108-AA02-DFA0A04FC94B}">
-                <ma14:wrappingTextBoxFlag xmlns:ma14="http://schemas.microsoft.com/office/mac/drawingml/2011/main" xmlns:a14="http://schemas.microsoft.com/office/drawing/2010/main" xmlns:m="http://schemas.openxmlformats.org/officeDocument/2006/math" xmlns="" val="1"/>
+                <ma14:wrappingTextBoxFlag xmlns="" xmlns:m="http://schemas.openxmlformats.org/officeDocument/2006/math" xmlns:a14="http://schemas.microsoft.com/office/drawing/2010/main" xmlns:ma14="http://schemas.microsoft.com/office/mac/drawingml/2011/main" val="1"/>
               </a:ext>
             </a:extLst>
           </p:spPr>
@@ -8769,7 +8769,7 @@
             <a:effectLst/>
             <a:extLst>
               <a:ext uri="{C572A759-6A51-4108-AA02-DFA0A04FC94B}">
-                <ma14:wrappingTextBoxFlag xmlns:ma14="http://schemas.microsoft.com/office/mac/drawingml/2011/main" xmlns:a14="http://schemas.microsoft.com/office/drawing/2010/main" xmlns:m="http://schemas.openxmlformats.org/officeDocument/2006/math" xmlns="" val="1"/>
+                <ma14:wrappingTextBoxFlag xmlns="" xmlns:m="http://schemas.openxmlformats.org/officeDocument/2006/math" xmlns:a14="http://schemas.microsoft.com/office/drawing/2010/main" xmlns:ma14="http://schemas.microsoft.com/office/mac/drawingml/2011/main" val="1"/>
               </a:ext>
             </a:extLst>
           </p:spPr>
@@ -9880,7 +9880,7 @@
           <a:effectLst/>
           <a:extLst>
             <a:ext uri="{C572A759-6A51-4108-AA02-DFA0A04FC94B}">
-              <ma14:wrappingTextBoxFlag xmlns:ma14="http://schemas.microsoft.com/office/mac/drawingml/2011/main" xmlns:a14="http://schemas.microsoft.com/office/drawing/2010/main" xmlns:m="http://schemas.openxmlformats.org/officeDocument/2006/math" xmlns="" val="1"/>
+              <ma14:wrappingTextBoxFlag xmlns="" xmlns:m="http://schemas.openxmlformats.org/officeDocument/2006/math" xmlns:a14="http://schemas.microsoft.com/office/drawing/2010/main" xmlns:ma14="http://schemas.microsoft.com/office/mac/drawingml/2011/main" val="1"/>
             </a:ext>
           </a:extLst>
         </p:spPr>
@@ -9940,7 +9940,7 @@
           <a:effectLst/>
           <a:extLst>
             <a:ext uri="{C572A759-6A51-4108-AA02-DFA0A04FC94B}">
-              <ma14:wrappingTextBoxFlag xmlns:ma14="http://schemas.microsoft.com/office/mac/drawingml/2011/main" xmlns:a14="http://schemas.microsoft.com/office/drawing/2010/main" xmlns:m="http://schemas.openxmlformats.org/officeDocument/2006/math" xmlns="" val="1"/>
+              <ma14:wrappingTextBoxFlag xmlns="" xmlns:m="http://schemas.openxmlformats.org/officeDocument/2006/math" xmlns:a14="http://schemas.microsoft.com/office/drawing/2010/main" xmlns:ma14="http://schemas.microsoft.com/office/mac/drawingml/2011/main" val="1"/>
             </a:ext>
           </a:extLst>
         </p:spPr>
@@ -10000,7 +10000,7 @@
           <a:effectLst/>
           <a:extLst>
             <a:ext uri="{C572A759-6A51-4108-AA02-DFA0A04FC94B}">
-              <ma14:wrappingTextBoxFlag xmlns:ma14="http://schemas.microsoft.com/office/mac/drawingml/2011/main" xmlns:a14="http://schemas.microsoft.com/office/drawing/2010/main" xmlns:m="http://schemas.openxmlformats.org/officeDocument/2006/math" xmlns="" val="1"/>
+              <ma14:wrappingTextBoxFlag xmlns="" xmlns:m="http://schemas.openxmlformats.org/officeDocument/2006/math" xmlns:a14="http://schemas.microsoft.com/office/drawing/2010/main" xmlns:ma14="http://schemas.microsoft.com/office/mac/drawingml/2011/main" val="1"/>
             </a:ext>
           </a:extLst>
         </p:spPr>
@@ -10148,7 +10148,7 @@
           </a:ln>
           <a:extLst>
             <a:ext uri="{C572A759-6A51-4108-AA02-DFA0A04FC94B}">
-              <ma14:wrappingTextBoxFlag xmlns:ma14="http://schemas.microsoft.com/office/mac/drawingml/2011/main" xmlns:a14="http://schemas.microsoft.com/office/drawing/2010/main" xmlns:m="http://schemas.openxmlformats.org/officeDocument/2006/math" xmlns="" val="1"/>
+              <ma14:wrappingTextBoxFlag xmlns="" xmlns:m="http://schemas.openxmlformats.org/officeDocument/2006/math" xmlns:a14="http://schemas.microsoft.com/office/drawing/2010/main" xmlns:ma14="http://schemas.microsoft.com/office/mac/drawingml/2011/main" val="1"/>
             </a:ext>
           </a:extLst>
         </p:spPr>
@@ -10329,7 +10329,7 @@
           </a:ln>
           <a:extLst>
             <a:ext uri="{C572A759-6A51-4108-AA02-DFA0A04FC94B}">
-              <ma14:wrappingTextBoxFlag xmlns:ma14="http://schemas.microsoft.com/office/mac/drawingml/2011/main" xmlns:a14="http://schemas.microsoft.com/office/drawing/2010/main" xmlns:m="http://schemas.openxmlformats.org/officeDocument/2006/math" xmlns="" val="1"/>
+              <ma14:wrappingTextBoxFlag xmlns="" xmlns:m="http://schemas.openxmlformats.org/officeDocument/2006/math" xmlns:a14="http://schemas.microsoft.com/office/drawing/2010/main" xmlns:ma14="http://schemas.microsoft.com/office/mac/drawingml/2011/main" val="1"/>
             </a:ext>
           </a:extLst>
         </p:spPr>
@@ -10510,7 +10510,7 @@
           </a:ln>
           <a:extLst>
             <a:ext uri="{C572A759-6A51-4108-AA02-DFA0A04FC94B}">
-              <ma14:wrappingTextBoxFlag xmlns:ma14="http://schemas.microsoft.com/office/mac/drawingml/2011/main" xmlns:a14="http://schemas.microsoft.com/office/drawing/2010/main" xmlns:m="http://schemas.openxmlformats.org/officeDocument/2006/math" xmlns="" val="1"/>
+              <ma14:wrappingTextBoxFlag xmlns="" xmlns:m="http://schemas.openxmlformats.org/officeDocument/2006/math" xmlns:a14="http://schemas.microsoft.com/office/drawing/2010/main" xmlns:ma14="http://schemas.microsoft.com/office/mac/drawingml/2011/main" val="1"/>
             </a:ext>
           </a:extLst>
         </p:spPr>
@@ -11368,7 +11368,7 @@
           <a:effectLst/>
           <a:extLst>
             <a:ext uri="{C572A759-6A51-4108-AA02-DFA0A04FC94B}">
-              <ma14:wrappingTextBoxFlag xmlns:ma14="http://schemas.microsoft.com/office/mac/drawingml/2011/main" xmlns:a14="http://schemas.microsoft.com/office/drawing/2010/main" xmlns:m="http://schemas.openxmlformats.org/officeDocument/2006/math" xmlns="" val="1"/>
+              <ma14:wrappingTextBoxFlag xmlns="" xmlns:m="http://schemas.openxmlformats.org/officeDocument/2006/math" xmlns:a14="http://schemas.microsoft.com/office/drawing/2010/main" xmlns:ma14="http://schemas.microsoft.com/office/mac/drawingml/2011/main" val="1"/>
             </a:ext>
           </a:extLst>
         </p:spPr>
@@ -11428,7 +11428,7 @@
           <a:effectLst/>
           <a:extLst>
             <a:ext uri="{C572A759-6A51-4108-AA02-DFA0A04FC94B}">
-              <ma14:wrappingTextBoxFlag xmlns:ma14="http://schemas.microsoft.com/office/mac/drawingml/2011/main" xmlns:a14="http://schemas.microsoft.com/office/drawing/2010/main" xmlns:m="http://schemas.openxmlformats.org/officeDocument/2006/math" xmlns="" val="1"/>
+              <ma14:wrappingTextBoxFlag xmlns="" xmlns:m="http://schemas.openxmlformats.org/officeDocument/2006/math" xmlns:a14="http://schemas.microsoft.com/office/drawing/2010/main" xmlns:ma14="http://schemas.microsoft.com/office/mac/drawingml/2011/main" val="1"/>
             </a:ext>
           </a:extLst>
         </p:spPr>
@@ -11488,7 +11488,7 @@
           <a:effectLst/>
           <a:extLst>
             <a:ext uri="{C572A759-6A51-4108-AA02-DFA0A04FC94B}">
-              <ma14:wrappingTextBoxFlag xmlns:ma14="http://schemas.microsoft.com/office/mac/drawingml/2011/main" xmlns:a14="http://schemas.microsoft.com/office/drawing/2010/main" xmlns:m="http://schemas.openxmlformats.org/officeDocument/2006/math" xmlns="" val="1"/>
+              <ma14:wrappingTextBoxFlag xmlns="" xmlns:m="http://schemas.openxmlformats.org/officeDocument/2006/math" xmlns:a14="http://schemas.microsoft.com/office/drawing/2010/main" xmlns:ma14="http://schemas.microsoft.com/office/mac/drawingml/2011/main" val="1"/>
             </a:ext>
           </a:extLst>
         </p:spPr>
@@ -11520,10 +11520,10 @@
       </p:sp>
       <p:pic>
         <p:nvPicPr>
-          <p:cNvPr id="4" name="Imagen 3">
+          <p:cNvPr id="3" name="Imagen 2">
             <a:extLst>
               <a:ext uri="{FF2B5EF4-FFF2-40B4-BE49-F238E27FC236}">
-                <a16:creationId xmlns:a16="http://schemas.microsoft.com/office/drawing/2014/main" id="{215D754B-F015-8856-48C0-25C9B4AF0C8D}"/>
+                <a16:creationId xmlns:a16="http://schemas.microsoft.com/office/drawing/2014/main" id="{4A3506A9-6AFC-B732-5077-A979D908EB91}"/>
               </a:ext>
             </a:extLst>
           </p:cNvPr>
@@ -11540,8 +11540,8 @@
         </p:blipFill>
         <p:spPr>
           <a:xfrm>
-            <a:off x="2665212" y="2541329"/>
-            <a:ext cx="3594970" cy="2247138"/>
+            <a:off x="2632665" y="2548010"/>
+            <a:ext cx="3600000" cy="2233776"/>
           </a:xfrm>
           <a:prstGeom prst="rect">
             <a:avLst/>
@@ -11677,7 +11677,7 @@
           </a:ln>
           <a:extLst>
             <a:ext uri="{C572A759-6A51-4108-AA02-DFA0A04FC94B}">
-              <ma14:wrappingTextBoxFlag xmlns:ma14="http://schemas.microsoft.com/office/mac/drawingml/2011/main" xmlns:a14="http://schemas.microsoft.com/office/drawing/2010/main" xmlns:m="http://schemas.openxmlformats.org/officeDocument/2006/math" xmlns="" val="1"/>
+              <ma14:wrappingTextBoxFlag xmlns="" xmlns:m="http://schemas.openxmlformats.org/officeDocument/2006/math" xmlns:a14="http://schemas.microsoft.com/office/drawing/2010/main" xmlns:ma14="http://schemas.microsoft.com/office/mac/drawingml/2011/main" val="1"/>
             </a:ext>
           </a:extLst>
         </p:spPr>
@@ -11740,7 +11740,7 @@
           </a:ln>
           <a:extLst>
             <a:ext uri="{C572A759-6A51-4108-AA02-DFA0A04FC94B}">
-              <ma14:wrappingTextBoxFlag xmlns:ma14="http://schemas.microsoft.com/office/mac/drawingml/2011/main" xmlns:a14="http://schemas.microsoft.com/office/drawing/2010/main" xmlns:m="http://schemas.openxmlformats.org/officeDocument/2006/math" xmlns="" val="1"/>
+              <ma14:wrappingTextBoxFlag xmlns="" xmlns:m="http://schemas.openxmlformats.org/officeDocument/2006/math" xmlns:a14="http://schemas.microsoft.com/office/drawing/2010/main" xmlns:ma14="http://schemas.microsoft.com/office/mac/drawingml/2011/main" val="1"/>
             </a:ext>
           </a:extLst>
         </p:spPr>
@@ -11796,7 +11796,7 @@
           </a:ln>
           <a:extLst>
             <a:ext uri="{C572A759-6A51-4108-AA02-DFA0A04FC94B}">
-              <ma14:wrappingTextBoxFlag xmlns:ma14="http://schemas.microsoft.com/office/mac/drawingml/2011/main" xmlns:a14="http://schemas.microsoft.com/office/drawing/2010/main" xmlns:m="http://schemas.openxmlformats.org/officeDocument/2006/math" xmlns="" val="1"/>
+              <ma14:wrappingTextBoxFlag xmlns="" xmlns:m="http://schemas.openxmlformats.org/officeDocument/2006/math" xmlns:a14="http://schemas.microsoft.com/office/drawing/2010/main" xmlns:ma14="http://schemas.microsoft.com/office/mac/drawingml/2011/main" val="1"/>
             </a:ext>
           </a:extLst>
         </p:spPr>
@@ -11863,7 +11863,7 @@
           <a:effectLst/>
           <a:extLst>
             <a:ext uri="{C572A759-6A51-4108-AA02-DFA0A04FC94B}">
-              <ma14:wrappingTextBoxFlag xmlns:ma14="http://schemas.microsoft.com/office/mac/drawingml/2011/main" xmlns:a14="http://schemas.microsoft.com/office/drawing/2010/main" xmlns:m="http://schemas.openxmlformats.org/officeDocument/2006/math" xmlns="" val="1"/>
+              <ma14:wrappingTextBoxFlag xmlns="" xmlns:m="http://schemas.openxmlformats.org/officeDocument/2006/math" xmlns:a14="http://schemas.microsoft.com/office/drawing/2010/main" xmlns:ma14="http://schemas.microsoft.com/office/mac/drawingml/2011/main" val="1"/>
             </a:ext>
           </a:extLst>
         </p:spPr>
@@ -11923,7 +11923,7 @@
           <a:effectLst/>
           <a:extLst>
             <a:ext uri="{C572A759-6A51-4108-AA02-DFA0A04FC94B}">
-              <ma14:wrappingTextBoxFlag xmlns:ma14="http://schemas.microsoft.com/office/mac/drawingml/2011/main" xmlns:a14="http://schemas.microsoft.com/office/drawing/2010/main" xmlns:m="http://schemas.openxmlformats.org/officeDocument/2006/math" xmlns="" val="1"/>
+              <ma14:wrappingTextBoxFlag xmlns="" xmlns:m="http://schemas.openxmlformats.org/officeDocument/2006/math" xmlns:a14="http://schemas.microsoft.com/office/drawing/2010/main" xmlns:ma14="http://schemas.microsoft.com/office/mac/drawingml/2011/main" val="1"/>
             </a:ext>
           </a:extLst>
         </p:spPr>
@@ -12131,7 +12131,7 @@
           <a:effectLst/>
           <a:extLst>
             <a:ext uri="{C572A759-6A51-4108-AA02-DFA0A04FC94B}">
-              <ma14:wrappingTextBoxFlag xmlns:ma14="http://schemas.microsoft.com/office/mac/drawingml/2011/main" xmlns:a14="http://schemas.microsoft.com/office/drawing/2010/main" xmlns:m="http://schemas.openxmlformats.org/officeDocument/2006/math" xmlns="" val="1"/>
+              <ma14:wrappingTextBoxFlag xmlns="" xmlns:m="http://schemas.openxmlformats.org/officeDocument/2006/math" xmlns:a14="http://schemas.microsoft.com/office/drawing/2010/main" xmlns:ma14="http://schemas.microsoft.com/office/mac/drawingml/2011/main" val="1"/>
             </a:ext>
           </a:extLst>
         </p:spPr>
@@ -12436,7 +12436,7 @@
           </a:ln>
           <a:extLst>
             <a:ext uri="{C572A759-6A51-4108-AA02-DFA0A04FC94B}">
-              <ma14:wrappingTextBoxFlag xmlns:ma14="http://schemas.microsoft.com/office/mac/drawingml/2011/main" xmlns:a14="http://schemas.microsoft.com/office/drawing/2010/main" xmlns:m="http://schemas.openxmlformats.org/officeDocument/2006/math" xmlns="" val="1"/>
+              <ma14:wrappingTextBoxFlag xmlns="" xmlns:m="http://schemas.openxmlformats.org/officeDocument/2006/math" xmlns:a14="http://schemas.microsoft.com/office/drawing/2010/main" xmlns:ma14="http://schemas.microsoft.com/office/mac/drawingml/2011/main" val="1"/>
             </a:ext>
           </a:extLst>
         </p:spPr>
@@ -12588,7 +12588,7 @@
           <a:effectLst/>
           <a:extLst>
             <a:ext uri="{C572A759-6A51-4108-AA02-DFA0A04FC94B}">
-              <ma14:wrappingTextBoxFlag xmlns:ma14="http://schemas.microsoft.com/office/mac/drawingml/2011/main" xmlns:a14="http://schemas.microsoft.com/office/drawing/2010/main" xmlns:m="http://schemas.openxmlformats.org/officeDocument/2006/math" xmlns="" val="1"/>
+              <ma14:wrappingTextBoxFlag xmlns="" xmlns:m="http://schemas.openxmlformats.org/officeDocument/2006/math" xmlns:a14="http://schemas.microsoft.com/office/drawing/2010/main" xmlns:ma14="http://schemas.microsoft.com/office/mac/drawingml/2011/main" val="1"/>
             </a:ext>
           </a:extLst>
         </p:spPr>
@@ -13112,7 +13112,7 @@
           </a:ln>
           <a:extLst>
             <a:ext uri="{C572A759-6A51-4108-AA02-DFA0A04FC94B}">
-              <ma14:wrappingTextBoxFlag xmlns:ma14="http://schemas.microsoft.com/office/mac/drawingml/2011/main" xmlns:a14="http://schemas.microsoft.com/office/drawing/2010/main" xmlns:m="http://schemas.openxmlformats.org/officeDocument/2006/math" xmlns="" val="1"/>
+              <ma14:wrappingTextBoxFlag xmlns="" xmlns:m="http://schemas.openxmlformats.org/officeDocument/2006/math" xmlns:a14="http://schemas.microsoft.com/office/drawing/2010/main" xmlns:ma14="http://schemas.microsoft.com/office/mac/drawingml/2011/main" val="1"/>
             </a:ext>
           </a:extLst>
         </p:spPr>
@@ -13264,7 +13264,7 @@
           <a:effectLst/>
           <a:extLst>
             <a:ext uri="{C572A759-6A51-4108-AA02-DFA0A04FC94B}">
-              <ma14:wrappingTextBoxFlag xmlns:ma14="http://schemas.microsoft.com/office/mac/drawingml/2011/main" xmlns:a14="http://schemas.microsoft.com/office/drawing/2010/main" xmlns:m="http://schemas.openxmlformats.org/officeDocument/2006/math" xmlns="" val="1"/>
+              <ma14:wrappingTextBoxFlag xmlns="" xmlns:m="http://schemas.openxmlformats.org/officeDocument/2006/math" xmlns:a14="http://schemas.microsoft.com/office/drawing/2010/main" xmlns:ma14="http://schemas.microsoft.com/office/mac/drawingml/2011/main" val="1"/>
             </a:ext>
           </a:extLst>
         </p:spPr>
@@ -13336,7 +13336,7 @@
           </a:ln>
           <a:extLst>
             <a:ext uri="{C572A759-6A51-4108-AA02-DFA0A04FC94B}">
-              <ma14:wrappingTextBoxFlag xmlns:ma14="http://schemas.microsoft.com/office/mac/drawingml/2011/main" xmlns:a14="http://schemas.microsoft.com/office/drawing/2010/main" xmlns:m="http://schemas.openxmlformats.org/officeDocument/2006/math" xmlns="" val="1"/>
+              <ma14:wrappingTextBoxFlag xmlns="" xmlns:m="http://schemas.openxmlformats.org/officeDocument/2006/math" xmlns:a14="http://schemas.microsoft.com/office/drawing/2010/main" xmlns:ma14="http://schemas.microsoft.com/office/mac/drawingml/2011/main" val="1"/>
             </a:ext>
           </a:extLst>
         </p:spPr>
@@ -13512,7 +13512,7 @@
           <a:effectLst/>
           <a:extLst>
             <a:ext uri="{C572A759-6A51-4108-AA02-DFA0A04FC94B}">
-              <ma14:wrappingTextBoxFlag xmlns:ma14="http://schemas.microsoft.com/office/mac/drawingml/2011/main" xmlns:a14="http://schemas.microsoft.com/office/drawing/2010/main" xmlns:m="http://schemas.openxmlformats.org/officeDocument/2006/math" xmlns="" val="1"/>
+              <ma14:wrappingTextBoxFlag xmlns="" xmlns:m="http://schemas.openxmlformats.org/officeDocument/2006/math" xmlns:a14="http://schemas.microsoft.com/office/drawing/2010/main" xmlns:ma14="http://schemas.microsoft.com/office/mac/drawingml/2011/main" val="1"/>
             </a:ext>
           </a:extLst>
         </p:spPr>
@@ -13688,7 +13688,7 @@
           </a:ln>
           <a:extLst>
             <a:ext uri="{C572A759-6A51-4108-AA02-DFA0A04FC94B}">
-              <ma14:wrappingTextBoxFlag xmlns:ma14="http://schemas.microsoft.com/office/mac/drawingml/2011/main" xmlns:a14="http://schemas.microsoft.com/office/drawing/2010/main" xmlns:m="http://schemas.openxmlformats.org/officeDocument/2006/math" xmlns="" val="1"/>
+              <ma14:wrappingTextBoxFlag xmlns="" xmlns:m="http://schemas.openxmlformats.org/officeDocument/2006/math" xmlns:a14="http://schemas.microsoft.com/office/drawing/2010/main" xmlns:ma14="http://schemas.microsoft.com/office/mac/drawingml/2011/main" val="1"/>
             </a:ext>
           </a:extLst>
         </p:spPr>
@@ -13755,7 +13755,7 @@
           <a:effectLst/>
           <a:extLst>
             <a:ext uri="{C572A759-6A51-4108-AA02-DFA0A04FC94B}">
-              <ma14:wrappingTextBoxFlag xmlns:ma14="http://schemas.microsoft.com/office/mac/drawingml/2011/main" xmlns:a14="http://schemas.microsoft.com/office/drawing/2010/main" xmlns:m="http://schemas.openxmlformats.org/officeDocument/2006/math" xmlns="" val="1"/>
+              <ma14:wrappingTextBoxFlag xmlns="" xmlns:m="http://schemas.openxmlformats.org/officeDocument/2006/math" xmlns:a14="http://schemas.microsoft.com/office/drawing/2010/main" xmlns:ma14="http://schemas.microsoft.com/office/mac/drawingml/2011/main" val="1"/>
             </a:ext>
           </a:extLst>
         </p:spPr>
@@ -13815,7 +13815,7 @@
           <a:effectLst/>
           <a:extLst>
             <a:ext uri="{C572A759-6A51-4108-AA02-DFA0A04FC94B}">
-              <ma14:wrappingTextBoxFlag xmlns:ma14="http://schemas.microsoft.com/office/mac/drawingml/2011/main" xmlns:a14="http://schemas.microsoft.com/office/drawing/2010/main" xmlns:m="http://schemas.openxmlformats.org/officeDocument/2006/math" xmlns="" val="1"/>
+              <ma14:wrappingTextBoxFlag xmlns="" xmlns:m="http://schemas.openxmlformats.org/officeDocument/2006/math" xmlns:a14="http://schemas.microsoft.com/office/drawing/2010/main" xmlns:ma14="http://schemas.microsoft.com/office/mac/drawingml/2011/main" val="1"/>
             </a:ext>
           </a:extLst>
         </p:spPr>
@@ -14075,7 +14075,7 @@
           </a:ln>
           <a:extLst>
             <a:ext uri="{C572A759-6A51-4108-AA02-DFA0A04FC94B}">
-              <ma14:wrappingTextBoxFlag xmlns:ma14="http://schemas.microsoft.com/office/mac/drawingml/2011/main" xmlns:a14="http://schemas.microsoft.com/office/drawing/2010/main" xmlns:m="http://schemas.openxmlformats.org/officeDocument/2006/math" xmlns="" val="1"/>
+              <ma14:wrappingTextBoxFlag xmlns="" xmlns:m="http://schemas.openxmlformats.org/officeDocument/2006/math" xmlns:a14="http://schemas.microsoft.com/office/drawing/2010/main" xmlns:ma14="http://schemas.microsoft.com/office/mac/drawingml/2011/main" val="1"/>
             </a:ext>
           </a:extLst>
         </p:spPr>
@@ -15517,7 +15517,7 @@
           </a:ln>
           <a:extLst>
             <a:ext uri="{C572A759-6A51-4108-AA02-DFA0A04FC94B}">
-              <ma14:wrappingTextBoxFlag xmlns="" xmlns:m="http://schemas.openxmlformats.org/officeDocument/2006/math" xmlns:a14="http://schemas.microsoft.com/office/drawing/2010/main" xmlns:ma14="http://schemas.microsoft.com/office/mac/drawingml/2011/main" val="1"/>
+              <ma14:wrappingTextBoxFlag xmlns:ma14="http://schemas.microsoft.com/office/mac/drawingml/2011/main" xmlns:a14="http://schemas.microsoft.com/office/drawing/2010/main" xmlns:m="http://schemas.openxmlformats.org/officeDocument/2006/math" xmlns="" val="1"/>
             </a:ext>
           </a:extLst>
         </p:spPr>
@@ -16987,7 +16987,7 @@
               </a:ln>
               <a:extLst>
                 <a:ext uri="{C572A759-6A51-4108-AA02-DFA0A04FC94B}">
-                  <ma14:wrappingTextBoxFlag xmlns:ma14="http://schemas.microsoft.com/office/mac/drawingml/2011/main" xmlns:a14="http://schemas.microsoft.com/office/drawing/2010/main" xmlns:m="http://schemas.openxmlformats.org/officeDocument/2006/math" xmlns="" val="1"/>
+                  <ma14:wrappingTextBoxFlag xmlns="" xmlns:m="http://schemas.openxmlformats.org/officeDocument/2006/math" xmlns:a14="http://schemas.microsoft.com/office/drawing/2010/main" xmlns:ma14="http://schemas.microsoft.com/office/mac/drawingml/2011/main" val="1"/>
                 </a:ext>
               </a:extLst>
             </p:spPr>
@@ -17091,7 +17091,7 @@
               </a:ln>
               <a:extLst>
                 <a:ext uri="{C572A759-6A51-4108-AA02-DFA0A04FC94B}">
-                  <ma14:wrappingTextBoxFlag xmlns:ma14="http://schemas.microsoft.com/office/mac/drawingml/2011/main" xmlns:a14="http://schemas.microsoft.com/office/drawing/2010/main" xmlns:m="http://schemas.openxmlformats.org/officeDocument/2006/math" xmlns="" val="1"/>
+                  <ma14:wrappingTextBoxFlag xmlns="" xmlns:m="http://schemas.openxmlformats.org/officeDocument/2006/math" xmlns:a14="http://schemas.microsoft.com/office/drawing/2010/main" xmlns:ma14="http://schemas.microsoft.com/office/mac/drawingml/2011/main" val="1"/>
                 </a:ext>
               </a:extLst>
             </p:spPr>
@@ -20417,7 +20417,7 @@
             </a:ln>
             <a:extLst>
               <a:ext uri="{C572A759-6A51-4108-AA02-DFA0A04FC94B}">
-                <ma14:wrappingTextBoxFlag xmlns="" xmlns:m="http://schemas.openxmlformats.org/officeDocument/2006/math" xmlns:a14="http://schemas.microsoft.com/office/drawing/2010/main" xmlns:ma14="http://schemas.microsoft.com/office/mac/drawingml/2011/main" val="1"/>
+                <ma14:wrappingTextBoxFlag xmlns:ma14="http://schemas.microsoft.com/office/mac/drawingml/2011/main" xmlns:a14="http://schemas.microsoft.com/office/drawing/2010/main" xmlns:m="http://schemas.openxmlformats.org/officeDocument/2006/math" xmlns="" val="1"/>
               </a:ext>
             </a:extLst>
           </p:spPr>
@@ -20498,7 +20498,7 @@
             </a:ln>
             <a:extLst>
               <a:ext uri="{C572A759-6A51-4108-AA02-DFA0A04FC94B}">
-                <ma14:wrappingTextBoxFlag xmlns="" xmlns:m="http://schemas.openxmlformats.org/officeDocument/2006/math" xmlns:a14="http://schemas.microsoft.com/office/drawing/2010/main" xmlns:ma14="http://schemas.microsoft.com/office/mac/drawingml/2011/main" val="1"/>
+                <ma14:wrappingTextBoxFlag xmlns:ma14="http://schemas.microsoft.com/office/mac/drawingml/2011/main" xmlns:a14="http://schemas.microsoft.com/office/drawing/2010/main" xmlns:m="http://schemas.openxmlformats.org/officeDocument/2006/math" xmlns="" val="1"/>
               </a:ext>
             </a:extLst>
           </p:spPr>
@@ -20977,7 +20977,7 @@
               </a:ln>
               <a:extLst>
                 <a:ext uri="{C572A759-6A51-4108-AA02-DFA0A04FC94B}">
-                  <ma14:wrappingTextBoxFlag xmlns="" xmlns:m="http://schemas.openxmlformats.org/officeDocument/2006/math" xmlns:a14="http://schemas.microsoft.com/office/drawing/2010/main" xmlns:ma14="http://schemas.microsoft.com/office/mac/drawingml/2011/main" val="1"/>
+                  <ma14:wrappingTextBoxFlag xmlns:ma14="http://schemas.microsoft.com/office/mac/drawingml/2011/main" xmlns:a14="http://schemas.microsoft.com/office/drawing/2010/main" xmlns:m="http://schemas.openxmlformats.org/officeDocument/2006/math" xmlns="" val="1"/>
                 </a:ext>
               </a:extLst>
             </p:spPr>
@@ -21096,7 +21096,7 @@
           </a:ln>
           <a:extLst>
             <a:ext uri="{C572A759-6A51-4108-AA02-DFA0A04FC94B}">
-              <ma14:wrappingTextBoxFlag xmlns:ma14="http://schemas.microsoft.com/office/mac/drawingml/2011/main" xmlns:a14="http://schemas.microsoft.com/office/drawing/2010/main" xmlns:m="http://schemas.openxmlformats.org/officeDocument/2006/math" xmlns="" val="1"/>
+              <ma14:wrappingTextBoxFlag xmlns="" xmlns:m="http://schemas.openxmlformats.org/officeDocument/2006/math" xmlns:a14="http://schemas.microsoft.com/office/drawing/2010/main" xmlns:ma14="http://schemas.microsoft.com/office/mac/drawingml/2011/main" val="1"/>
             </a:ext>
           </a:extLst>
         </p:spPr>
@@ -21391,7 +21391,7 @@
           <a:effectLst/>
           <a:extLst>
             <a:ext uri="{C572A759-6A51-4108-AA02-DFA0A04FC94B}">
-              <ma14:wrappingTextBoxFlag xmlns:ma14="http://schemas.microsoft.com/office/mac/drawingml/2011/main" xmlns:a14="http://schemas.microsoft.com/office/drawing/2010/main" xmlns:m="http://schemas.openxmlformats.org/officeDocument/2006/math" xmlns="" val="1"/>
+              <ma14:wrappingTextBoxFlag xmlns="" xmlns:m="http://schemas.openxmlformats.org/officeDocument/2006/math" xmlns:a14="http://schemas.microsoft.com/office/drawing/2010/main" xmlns:ma14="http://schemas.microsoft.com/office/mac/drawingml/2011/main" val="1"/>
             </a:ext>
           </a:extLst>
         </p:spPr>
@@ -22147,7 +22147,7 @@
           <a:effectLst/>
           <a:extLst>
             <a:ext uri="{C572A759-6A51-4108-AA02-DFA0A04FC94B}">
-              <ma14:wrappingTextBoxFlag xmlns:ma14="http://schemas.microsoft.com/office/mac/drawingml/2011/main" xmlns:a14="http://schemas.microsoft.com/office/drawing/2010/main" xmlns:m="http://schemas.openxmlformats.org/officeDocument/2006/math" xmlns="" val="1"/>
+              <ma14:wrappingTextBoxFlag xmlns="" xmlns:m="http://schemas.openxmlformats.org/officeDocument/2006/math" xmlns:a14="http://schemas.microsoft.com/office/drawing/2010/main" xmlns:ma14="http://schemas.microsoft.com/office/mac/drawingml/2011/main" val="1"/>
             </a:ext>
           </a:extLst>
         </p:spPr>
@@ -22806,7 +22806,7 @@
           </a:ln>
           <a:extLst>
             <a:ext uri="{C572A759-6A51-4108-AA02-DFA0A04FC94B}">
-              <ma14:wrappingTextBoxFlag xmlns="" xmlns:m="http://schemas.openxmlformats.org/officeDocument/2006/math" xmlns:a14="http://schemas.microsoft.com/office/drawing/2010/main" xmlns:ma14="http://schemas.microsoft.com/office/mac/drawingml/2011/main" val="1"/>
+              <ma14:wrappingTextBoxFlag xmlns:ma14="http://schemas.microsoft.com/office/mac/drawingml/2011/main" xmlns:a14="http://schemas.microsoft.com/office/drawing/2010/main" xmlns:m="http://schemas.openxmlformats.org/officeDocument/2006/math" xmlns="" val="1"/>
             </a:ext>
           </a:extLst>
         </p:spPr>
@@ -22868,7 +22868,7 @@
           </a:ln>
           <a:extLst>
             <a:ext uri="{C572A759-6A51-4108-AA02-DFA0A04FC94B}">
-              <ma14:wrappingTextBoxFlag xmlns="" xmlns:m="http://schemas.openxmlformats.org/officeDocument/2006/math" xmlns:a14="http://schemas.microsoft.com/office/drawing/2010/main" xmlns:ma14="http://schemas.microsoft.com/office/mac/drawingml/2011/main" val="1"/>
+              <ma14:wrappingTextBoxFlag xmlns:ma14="http://schemas.microsoft.com/office/mac/drawingml/2011/main" xmlns:a14="http://schemas.microsoft.com/office/drawing/2010/main" xmlns:m="http://schemas.openxmlformats.org/officeDocument/2006/math" xmlns="" val="1"/>
             </a:ext>
           </a:extLst>
         </p:spPr>
@@ -23020,7 +23020,7 @@
           </a:ln>
           <a:extLst>
             <a:ext uri="{C572A759-6A51-4108-AA02-DFA0A04FC94B}">
-              <ma14:wrappingTextBoxFlag xmlns="" xmlns:m="http://schemas.openxmlformats.org/officeDocument/2006/math" xmlns:a14="http://schemas.microsoft.com/office/drawing/2010/main" xmlns:ma14="http://schemas.microsoft.com/office/mac/drawingml/2011/main" val="1"/>
+              <ma14:wrappingTextBoxFlag xmlns:ma14="http://schemas.microsoft.com/office/mac/drawingml/2011/main" xmlns:a14="http://schemas.microsoft.com/office/drawing/2010/main" xmlns:m="http://schemas.openxmlformats.org/officeDocument/2006/math" xmlns="" val="1"/>
             </a:ext>
           </a:extLst>
         </p:spPr>
@@ -23199,7 +23199,7 @@
           </a:ln>
           <a:extLst>
             <a:ext uri="{C572A759-6A51-4108-AA02-DFA0A04FC94B}">
-              <ma14:wrappingTextBoxFlag xmlns="" xmlns:m="http://schemas.openxmlformats.org/officeDocument/2006/math" xmlns:a14="http://schemas.microsoft.com/office/drawing/2010/main" xmlns:ma14="http://schemas.microsoft.com/office/mac/drawingml/2011/main" val="1"/>
+              <ma14:wrappingTextBoxFlag xmlns:ma14="http://schemas.microsoft.com/office/mac/drawingml/2011/main" xmlns:a14="http://schemas.microsoft.com/office/drawing/2010/main" xmlns:m="http://schemas.openxmlformats.org/officeDocument/2006/math" xmlns="" val="1"/>
             </a:ext>
           </a:extLst>
         </p:spPr>

--- a/03-bundling/06-vite/00-teoría/Introducción a vite.pptx
+++ b/03-bundling/06-vite/00-teoría/Introducción a vite.pptx
@@ -16031,7 +16031,7 @@
                     <a:ea typeface="Open Sans" panose="020B0606030504020204" pitchFamily="34" charset="0"/>
                     <a:cs typeface="Open Sans" panose="020B0606030504020204" pitchFamily="34" charset="0"/>
                   </a:rPr>
-                  <a:t>route</a:t>
+                  <a:t>module</a:t>
                 </a:r>
               </a:p>
             </p:txBody>
@@ -16096,7 +16096,7 @@
                     <a:ea typeface="Open Sans" panose="020B0606030504020204" pitchFamily="34" charset="0"/>
                     <a:cs typeface="Open Sans" panose="020B0606030504020204" pitchFamily="34" charset="0"/>
                   </a:rPr>
-                  <a:t>route</a:t>
+                  <a:t>module</a:t>
                 </a:r>
               </a:p>
             </p:txBody>
@@ -16161,7 +16161,7 @@
                     <a:ea typeface="Open Sans" panose="020B0606030504020204" pitchFamily="34" charset="0"/>
                     <a:cs typeface="Open Sans" panose="020B0606030504020204" pitchFamily="34" charset="0"/>
                   </a:rPr>
-                  <a:t>route</a:t>
+                  <a:t>module</a:t>
                 </a:r>
               </a:p>
             </p:txBody>
@@ -19619,7 +19619,7 @@
                   <a:ea typeface="Open Sans" panose="020B0606030504020204" pitchFamily="34" charset="0"/>
                   <a:cs typeface="Open Sans" panose="020B0606030504020204" pitchFamily="34" charset="0"/>
                 </a:rPr>
-                <a:t>route</a:t>
+                <a:t>module</a:t>
               </a:r>
             </a:p>
           </p:txBody>
@@ -19684,7 +19684,7 @@
                   <a:ea typeface="Open Sans" panose="020B0606030504020204" pitchFamily="34" charset="0"/>
                   <a:cs typeface="Open Sans" panose="020B0606030504020204" pitchFamily="34" charset="0"/>
                 </a:rPr>
-                <a:t>route</a:t>
+                <a:t>module</a:t>
               </a:r>
             </a:p>
           </p:txBody>
@@ -19749,7 +19749,7 @@
                   <a:ea typeface="Open Sans" panose="020B0606030504020204" pitchFamily="34" charset="0"/>
                   <a:cs typeface="Open Sans" panose="020B0606030504020204" pitchFamily="34" charset="0"/>
                 </a:rPr>
-                <a:t>route</a:t>
+                <a:t>module</a:t>
               </a:r>
             </a:p>
           </p:txBody>

--- a/03-bundling/06-vite/00-teoría/Introducción a vite.pptx
+++ b/03-bundling/06-vite/00-teoría/Introducción a vite.pptx
@@ -3298,422 +3298,7 @@
             </a:r>
           </a:p>
           <a:p>
-            <a:pPr algn="l"/>
-            <a:endParaRPr lang="es-ES" b="0" i="0" dirty="0">
-              <a:solidFill>
-                <a:srgbClr val="D4D4D4"/>
-              </a:solidFill>
-              <a:effectLst/>
-              <a:latin typeface="-apple-system"/>
-            </a:endParaRPr>
-          </a:p>
-          <a:p>
-            <a:pPr algn="l"/>
-            <a:r>
-              <a:rPr lang="es-ES" b="0" i="0" dirty="0">
-                <a:solidFill>
-                  <a:srgbClr val="D4D4D4"/>
-                </a:solidFill>
-                <a:effectLst/>
-                <a:latin typeface="-apple-system"/>
-              </a:rPr>
-              <a:t>RESULTADO:</a:t>
-            </a:r>
-          </a:p>
-          <a:p>
-            <a:pPr algn="l"/>
-            <a:endParaRPr lang="es-ES" b="0" i="0" dirty="0">
-              <a:solidFill>
-                <a:srgbClr val="D4D4D4"/>
-              </a:solidFill>
-              <a:effectLst/>
-              <a:latin typeface="-apple-system"/>
-            </a:endParaRPr>
-          </a:p>
-          <a:p>
-            <a:pPr algn="l">
-              <a:buFont typeface="Arial" panose="020B0604020202020204" pitchFamily="34" charset="0"/>
-              <a:buChar char="•"/>
-            </a:pPr>
-            <a:r>
-              <a:rPr lang="es-ES" b="0" i="0" dirty="0">
-                <a:solidFill>
-                  <a:srgbClr val="D4D4D4"/>
-                </a:solidFill>
-                <a:effectLst/>
-                <a:latin typeface="-apple-system"/>
-              </a:rPr>
-              <a:t> El servidor de desarrollo está disponible inmediatamente. Es el navegador quien va resolviendo el árbol de módulos en tiempo real, solicitando los módulos necesarios en cada momento.</a:t>
-            </a:r>
-          </a:p>
-          <a:p>
-            <a:pPr algn="l">
-              <a:buFont typeface="Arial" panose="020B0604020202020204" pitchFamily="34" charset="0"/>
-              <a:buChar char="•"/>
-            </a:pPr>
-            <a:r>
-              <a:rPr lang="es-ES" b="0" i="0" dirty="0">
-                <a:solidFill>
-                  <a:srgbClr val="D4D4D4"/>
-                </a:solidFill>
-                <a:effectLst/>
-                <a:latin typeface="-apple-system"/>
-              </a:rPr>
-              <a:t> En la práctica disponemos de </a:t>
-            </a:r>
-            <a:r>
-              <a:rPr lang="es-ES" b="0" i="1" dirty="0" err="1">
-                <a:solidFill>
-                  <a:srgbClr val="D4D4D4"/>
-                </a:solidFill>
-                <a:effectLst/>
-                <a:latin typeface="-apple-system"/>
-              </a:rPr>
-              <a:t>lazy-loading</a:t>
-            </a:r>
-            <a:r>
-              <a:rPr lang="es-ES" b="0" i="0" dirty="0">
-                <a:solidFill>
-                  <a:srgbClr val="D4D4D4"/>
-                </a:solidFill>
-                <a:effectLst/>
-                <a:latin typeface="-apple-system"/>
-              </a:rPr>
-              <a:t> nativo. Si el navegador no solicita un módulo es porque todavía no lo necesita. Es posible gracias a la sintaxis nativa de </a:t>
-            </a:r>
-            <a:r>
-              <a:rPr lang="es-ES" b="0" i="1" dirty="0" err="1">
-                <a:solidFill>
-                  <a:srgbClr val="D4D4D4"/>
-                </a:solidFill>
-                <a:effectLst/>
-                <a:latin typeface="-apple-system"/>
-              </a:rPr>
-              <a:t>import</a:t>
-            </a:r>
-            <a:r>
-              <a:rPr lang="es-ES" b="0" i="0" dirty="0">
-                <a:solidFill>
-                  <a:srgbClr val="D4D4D4"/>
-                </a:solidFill>
-                <a:effectLst/>
-                <a:latin typeface="-apple-system"/>
-              </a:rPr>
-              <a:t> dinámico de ES2020.</a:t>
-            </a:r>
-          </a:p>
-          <a:p>
-            <a:pPr algn="l">
-              <a:buFont typeface="Arial" panose="020B0604020202020204" pitchFamily="34" charset="0"/>
-              <a:buChar char="•"/>
-            </a:pPr>
-            <a:r>
-              <a:rPr lang="es-ES" b="0" i="0" dirty="0">
-                <a:solidFill>
-                  <a:srgbClr val="D4D4D4"/>
-                </a:solidFill>
-                <a:effectLst/>
-                <a:latin typeface="-apple-system"/>
-              </a:rPr>
-              <a:t> En caso de cambios en código fuente, vite solo tiene que servir la nueva versión de estos módulos, y lo hace en caliente, mientras el server está funcionando, sin necesidad de reconstruir ningún </a:t>
-            </a:r>
-            <a:r>
-              <a:rPr lang="es-ES" b="0" i="1" dirty="0" err="1">
-                <a:solidFill>
-                  <a:srgbClr val="D4D4D4"/>
-                </a:solidFill>
-                <a:effectLst/>
-                <a:latin typeface="-apple-system"/>
-              </a:rPr>
-              <a:t>bundle</a:t>
-            </a:r>
-            <a:r>
-              <a:rPr lang="es-ES" b="0" i="0" dirty="0">
-                <a:solidFill>
-                  <a:srgbClr val="D4D4D4"/>
-                </a:solidFill>
-                <a:effectLst/>
-                <a:latin typeface="-apple-system"/>
-              </a:rPr>
-              <a:t>.</a:t>
-            </a:r>
-          </a:p>
-          <a:p>
-            <a:pPr algn="l">
-              <a:buFont typeface="Arial" panose="020B0604020202020204" pitchFamily="34" charset="0"/>
-              <a:buChar char="•"/>
-            </a:pPr>
-            <a:r>
-              <a:rPr lang="es-ES" b="0" i="0" dirty="0">
-                <a:solidFill>
-                  <a:srgbClr val="D4D4D4"/>
-                </a:solidFill>
-                <a:effectLst/>
-                <a:latin typeface="-apple-system"/>
-              </a:rPr>
-              <a:t> Para la recarga de la página, vite implementa HMR a nivel de módulo ESM. Tal granularidad hace que solo se </a:t>
-            </a:r>
-            <a:r>
-              <a:rPr lang="es-ES" b="0" i="0" dirty="0" err="1">
-                <a:solidFill>
-                  <a:srgbClr val="D4D4D4"/>
-                </a:solidFill>
-                <a:effectLst/>
-                <a:latin typeface="-apple-system"/>
-              </a:rPr>
-              <a:t>recarge</a:t>
-            </a:r>
-            <a:r>
-              <a:rPr lang="es-ES" b="0" i="0" dirty="0">
-                <a:solidFill>
-                  <a:srgbClr val="D4D4D4"/>
-                </a:solidFill>
-                <a:effectLst/>
-                <a:latin typeface="-apple-system"/>
-              </a:rPr>
-              <a:t> una pequeña parte y el proceso sea casi instantáneo. Además, vite se integra con la API HMR de los </a:t>
-            </a:r>
-            <a:r>
-              <a:rPr lang="es-ES" b="0" i="0" dirty="0" err="1">
-                <a:solidFill>
-                  <a:srgbClr val="D4D4D4"/>
-                </a:solidFill>
-                <a:effectLst/>
-                <a:latin typeface="-apple-system"/>
-              </a:rPr>
-              <a:t>frameworks</a:t>
-            </a:r>
-            <a:r>
-              <a:rPr lang="es-ES" b="0" i="0" dirty="0">
-                <a:solidFill>
-                  <a:srgbClr val="D4D4D4"/>
-                </a:solidFill>
-                <a:effectLst/>
-                <a:latin typeface="-apple-system"/>
-              </a:rPr>
-              <a:t> más conocidos como </a:t>
-            </a:r>
-            <a:r>
-              <a:rPr lang="es-ES" b="0" i="0" dirty="0" err="1">
-                <a:solidFill>
-                  <a:srgbClr val="D4D4D4"/>
-                </a:solidFill>
-                <a:effectLst/>
-                <a:latin typeface="-apple-system"/>
-              </a:rPr>
-              <a:t>react</a:t>
-            </a:r>
-            <a:r>
-              <a:rPr lang="es-ES" b="0" i="0" dirty="0">
-                <a:solidFill>
-                  <a:srgbClr val="D4D4D4"/>
-                </a:solidFill>
-                <a:effectLst/>
-                <a:latin typeface="-apple-system"/>
-              </a:rPr>
-              <a:t> o </a:t>
-            </a:r>
-            <a:r>
-              <a:rPr lang="es-ES" b="0" i="0" dirty="0" err="1">
-                <a:solidFill>
-                  <a:srgbClr val="D4D4D4"/>
-                </a:solidFill>
-                <a:effectLst/>
-                <a:latin typeface="-apple-system"/>
-              </a:rPr>
-              <a:t>vue</a:t>
-            </a:r>
-            <a:r>
-              <a:rPr lang="es-ES" b="0" i="0" dirty="0">
-                <a:solidFill>
-                  <a:srgbClr val="D4D4D4"/>
-                </a:solidFill>
-                <a:effectLst/>
-                <a:latin typeface="-apple-system"/>
-              </a:rPr>
-              <a:t>.</a:t>
-            </a:r>
-          </a:p>
-          <a:p>
-            <a:pPr algn="l">
-              <a:buFont typeface="Arial" panose="020B0604020202020204" pitchFamily="34" charset="0"/>
-              <a:buChar char="•"/>
-            </a:pPr>
-            <a:r>
-              <a:rPr lang="es-ES" b="0" i="0" dirty="0">
-                <a:solidFill>
-                  <a:srgbClr val="D4D4D4"/>
-                </a:solidFill>
-                <a:effectLst/>
-                <a:latin typeface="-apple-system"/>
-              </a:rPr>
-              <a:t> Además, vite aplica cache a nivel de petición HTTP:</a:t>
-            </a:r>
-          </a:p>
-          <a:p>
-            <a:pPr marL="457200" lvl="1" indent="0" algn="l">
-              <a:buFont typeface="Arial" panose="020B0604020202020204" pitchFamily="34" charset="0"/>
-              <a:buNone/>
-            </a:pPr>
-            <a:r>
-              <a:rPr lang="es-ES" b="0" i="0" dirty="0">
-                <a:solidFill>
-                  <a:srgbClr val="D4D4D4"/>
-                </a:solidFill>
-                <a:effectLst/>
-                <a:latin typeface="-apple-system"/>
-              </a:rPr>
-              <a:t>- Para peticiones de código fuente, devuelve un 304 </a:t>
-            </a:r>
-            <a:r>
-              <a:rPr lang="es-ES" b="0" i="0" dirty="0" err="1">
-                <a:solidFill>
-                  <a:srgbClr val="D4D4D4"/>
-                </a:solidFill>
-                <a:effectLst/>
-                <a:latin typeface="-apple-system"/>
-              </a:rPr>
-              <a:t>Not</a:t>
-            </a:r>
-            <a:r>
-              <a:rPr lang="es-ES" b="0" i="0" dirty="0">
-                <a:solidFill>
-                  <a:srgbClr val="D4D4D4"/>
-                </a:solidFill>
-                <a:effectLst/>
-                <a:latin typeface="-apple-system"/>
-              </a:rPr>
-              <a:t> </a:t>
-            </a:r>
-            <a:r>
-              <a:rPr lang="es-ES" b="0" i="0" dirty="0" err="1">
-                <a:solidFill>
-                  <a:srgbClr val="D4D4D4"/>
-                </a:solidFill>
-                <a:effectLst/>
-                <a:latin typeface="-apple-system"/>
-              </a:rPr>
-              <a:t>Modified</a:t>
-            </a:r>
-            <a:r>
-              <a:rPr lang="es-ES" b="0" i="0" dirty="0">
-                <a:solidFill>
-                  <a:srgbClr val="D4D4D4"/>
-                </a:solidFill>
-                <a:effectLst/>
-                <a:latin typeface="-apple-system"/>
-              </a:rPr>
-              <a:t> redirigiendo al navegador a usar el módulo cacheado puesto que no hay cambios.</a:t>
-            </a:r>
-          </a:p>
-          <a:p>
-            <a:pPr marL="457200" lvl="1" indent="0" algn="l">
-              <a:buFont typeface="Arial" panose="020B0604020202020204" pitchFamily="34" charset="0"/>
-              <a:buNone/>
-            </a:pPr>
-            <a:r>
-              <a:rPr lang="es-ES" b="0" i="0" dirty="0">
-                <a:solidFill>
-                  <a:srgbClr val="D4D4D4"/>
-                </a:solidFill>
-                <a:effectLst/>
-                <a:latin typeface="-apple-system"/>
-              </a:rPr>
-              <a:t>- Para peticiones de dependencias aplica </a:t>
-            </a:r>
-            <a:r>
-              <a:rPr lang="es-ES" b="0" i="1" dirty="0" err="1">
-                <a:solidFill>
-                  <a:srgbClr val="D4D4D4"/>
-                </a:solidFill>
-                <a:effectLst/>
-                <a:latin typeface="-apple-system"/>
-              </a:rPr>
-              <a:t>strong</a:t>
-            </a:r>
-            <a:r>
-              <a:rPr lang="es-ES" b="0" i="1" dirty="0">
-                <a:solidFill>
-                  <a:srgbClr val="D4D4D4"/>
-                </a:solidFill>
-                <a:effectLst/>
-                <a:latin typeface="-apple-system"/>
-              </a:rPr>
-              <a:t> cache</a:t>
-            </a:r>
-            <a:r>
-              <a:rPr lang="es-ES" b="0" i="0" dirty="0">
-                <a:solidFill>
-                  <a:srgbClr val="D4D4D4"/>
-                </a:solidFill>
-                <a:effectLst/>
-                <a:latin typeface="-apple-system"/>
-              </a:rPr>
-              <a:t> (Cache-Control: </a:t>
-            </a:r>
-            <a:r>
-              <a:rPr lang="es-ES" b="0" i="0" dirty="0" err="1">
-                <a:solidFill>
-                  <a:srgbClr val="D4D4D4"/>
-                </a:solidFill>
-                <a:effectLst/>
-                <a:latin typeface="-apple-system"/>
-              </a:rPr>
-              <a:t>max-age</a:t>
-            </a:r>
-            <a:r>
-              <a:rPr lang="es-ES" b="0" i="0" dirty="0">
-                <a:solidFill>
-                  <a:srgbClr val="D4D4D4"/>
-                </a:solidFill>
-                <a:effectLst/>
-                <a:latin typeface="-apple-system"/>
-              </a:rPr>
-              <a:t>=31536000,immutable), permitiendo al navegador reusar el módulo cacheado durante un largo período de tiempo sin tan siquiera tener que enviar peticiones al servidor. Se emplea </a:t>
-            </a:r>
-            <a:r>
-              <a:rPr lang="es-ES" b="0" i="1" dirty="0" err="1">
-                <a:solidFill>
-                  <a:srgbClr val="D4D4D4"/>
-                </a:solidFill>
-                <a:effectLst/>
-                <a:latin typeface="-apple-system"/>
-              </a:rPr>
-              <a:t>hashing</a:t>
-            </a:r>
-            <a:r>
-              <a:rPr lang="es-ES" b="0" i="1" dirty="0">
-                <a:solidFill>
-                  <a:srgbClr val="D4D4D4"/>
-                </a:solidFill>
-                <a:effectLst/>
-                <a:latin typeface="-apple-system"/>
-              </a:rPr>
-              <a:t>/</a:t>
-            </a:r>
-            <a:r>
-              <a:rPr lang="es-ES" b="0" i="1" dirty="0" err="1">
-                <a:solidFill>
-                  <a:srgbClr val="D4D4D4"/>
-                </a:solidFill>
-                <a:effectLst/>
-                <a:latin typeface="-apple-system"/>
-              </a:rPr>
-              <a:t>versioning</a:t>
-            </a:r>
-            <a:r>
-              <a:rPr lang="es-ES" b="0" i="0" dirty="0">
-                <a:solidFill>
-                  <a:srgbClr val="D4D4D4"/>
-                </a:solidFill>
-                <a:effectLst/>
-                <a:latin typeface="-apple-system"/>
-              </a:rPr>
-              <a:t> del módulo para disparar una petición diferente si el módulo cambiase.</a:t>
-            </a:r>
-          </a:p>
-          <a:p>
-            <a:endParaRPr lang="es-ES" dirty="0"/>
+            <a:endParaRPr lang="es-ES" u="sng" dirty="0"/>
           </a:p>
         </p:txBody>
       </p:sp>
@@ -4078,9 +3663,9 @@
             </a:r>
           </a:p>
           <a:p>
-            <a:pPr marL="457200" lvl="1" indent="0" algn="l">
-              <a:buFont typeface="Arial" panose="020B0604020202020204" pitchFamily="34" charset="0"/>
-              <a:buNone/>
+            <a:pPr marL="628650" lvl="1" indent="-171450" algn="l">
+              <a:buFontTx/>
+              <a:buChar char="-"/>
             </a:pPr>
             <a:r>
               <a:rPr lang="es-ES" b="0" i="0" dirty="0">
@@ -4090,7 +3675,7 @@
                 <a:effectLst/>
                 <a:latin typeface="-apple-system"/>
               </a:rPr>
-              <a:t>- Para peticiones de dependencias aplica </a:t>
+              <a:t>Para peticiones de dependencias aplica </a:t>
             </a:r>
             <a:r>
               <a:rPr lang="es-ES" b="0" i="1" dirty="0" err="1">
@@ -4184,388 +3769,9 @@
             </a:r>
           </a:p>
           <a:p>
-            <a:endParaRPr lang="es-ES" dirty="0"/>
-          </a:p>
-          <a:p>
-            <a:pPr algn="l"/>
-            <a:r>
-              <a:rPr lang="es-ES" b="0" i="0" dirty="0">
-                <a:solidFill>
-                  <a:srgbClr val="D4D4D4"/>
-                </a:solidFill>
-                <a:effectLst/>
-                <a:latin typeface="-apple-system"/>
-              </a:rPr>
-              <a:t>PROS Y CONS GENERALES</a:t>
-            </a:r>
-          </a:p>
-          <a:p>
-            <a:pPr algn="l"/>
-            <a:endParaRPr lang="es-ES" b="0" i="0" dirty="0">
-              <a:solidFill>
-                <a:srgbClr val="D4D4D4"/>
-              </a:solidFill>
-              <a:effectLst/>
-              <a:latin typeface="-apple-system"/>
-            </a:endParaRPr>
-          </a:p>
-          <a:p>
-            <a:pPr algn="l"/>
-            <a:r>
-              <a:rPr lang="es-ES" b="0" i="0" dirty="0">
-                <a:solidFill>
-                  <a:srgbClr val="D4D4D4"/>
-                </a:solidFill>
-                <a:effectLst/>
-                <a:latin typeface="-apple-system"/>
-              </a:rPr>
-              <a:t>PROS</a:t>
-            </a:r>
-          </a:p>
-          <a:p>
-            <a:pPr algn="l"/>
-            <a:endParaRPr lang="es-ES" b="0" i="0" dirty="0">
-              <a:solidFill>
-                <a:srgbClr val="D4D4D4"/>
-              </a:solidFill>
-              <a:effectLst/>
-              <a:latin typeface="-apple-system"/>
-            </a:endParaRPr>
-          </a:p>
-          <a:p>
-            <a:pPr algn="l">
-              <a:buFont typeface="Arial" panose="020B0604020202020204" pitchFamily="34" charset="0"/>
-              <a:buChar char="•"/>
-            </a:pPr>
-            <a:r>
-              <a:rPr lang="es-ES" b="0" i="0" dirty="0">
-                <a:solidFill>
-                  <a:srgbClr val="D4D4D4"/>
-                </a:solidFill>
-                <a:effectLst/>
-                <a:latin typeface="-apple-system"/>
-              </a:rPr>
-              <a:t> Paradigmas diferenciados para desarrollo y producción, escogiendo la solución más adecuada para cada caso:</a:t>
-            </a:r>
-          </a:p>
-          <a:p>
-            <a:pPr marL="457200" lvl="1" indent="0" algn="l">
-              <a:buFont typeface="Arial" panose="020B0604020202020204" pitchFamily="34" charset="0"/>
-              <a:buNone/>
-            </a:pPr>
-            <a:r>
-              <a:rPr lang="es-ES" b="0" i="0" dirty="0">
-                <a:solidFill>
-                  <a:srgbClr val="D4D4D4"/>
-                </a:solidFill>
-                <a:effectLst/>
-                <a:latin typeface="-apple-system"/>
-              </a:rPr>
-              <a:t>- Módulos nativos servidos en desarrollo que permiten tiempos de arranque y de actualización de código casi inmediatos.</a:t>
-            </a:r>
-          </a:p>
-          <a:p>
-            <a:pPr marL="457200" lvl="1" indent="0" algn="l">
-              <a:buFont typeface="Arial" panose="020B0604020202020204" pitchFamily="34" charset="0"/>
-              <a:buNone/>
-            </a:pPr>
-            <a:r>
-              <a:rPr lang="es-ES" b="0" i="1" dirty="0">
-                <a:solidFill>
-                  <a:srgbClr val="D4D4D4"/>
-                </a:solidFill>
-                <a:effectLst/>
-                <a:latin typeface="-apple-system"/>
-              </a:rPr>
-              <a:t>- </a:t>
-            </a:r>
-            <a:r>
-              <a:rPr lang="es-ES" b="0" i="1" dirty="0" err="1">
-                <a:solidFill>
-                  <a:srgbClr val="D4D4D4"/>
-                </a:solidFill>
-                <a:effectLst/>
-                <a:latin typeface="-apple-system"/>
-              </a:rPr>
-              <a:t>Bundling</a:t>
-            </a:r>
-            <a:r>
-              <a:rPr lang="es-ES" b="0" i="0" dirty="0">
-                <a:solidFill>
-                  <a:srgbClr val="D4D4D4"/>
-                </a:solidFill>
-                <a:effectLst/>
-                <a:latin typeface="-apple-system"/>
-              </a:rPr>
-              <a:t> tradicional en producción con un alto grado de </a:t>
-            </a:r>
-            <a:r>
-              <a:rPr lang="es-ES" b="0" i="0" dirty="0" err="1">
-                <a:solidFill>
-                  <a:srgbClr val="D4D4D4"/>
-                </a:solidFill>
-                <a:effectLst/>
-                <a:latin typeface="-apple-system"/>
-              </a:rPr>
-              <a:t>optimizacion</a:t>
-            </a:r>
-            <a:r>
-              <a:rPr lang="es-ES" b="0" i="0" dirty="0">
-                <a:solidFill>
-                  <a:srgbClr val="D4D4D4"/>
-                </a:solidFill>
-                <a:effectLst/>
-                <a:latin typeface="-apple-system"/>
-              </a:rPr>
-              <a:t>.</a:t>
-            </a:r>
-          </a:p>
-          <a:p>
-            <a:pPr algn="l">
-              <a:buFont typeface="Arial" panose="020B0604020202020204" pitchFamily="34" charset="0"/>
-              <a:buNone/>
-            </a:pPr>
-            <a:r>
-              <a:rPr lang="es-ES" b="0" i="0" dirty="0">
-                <a:solidFill>
-                  <a:srgbClr val="D4D4D4"/>
-                </a:solidFill>
-                <a:effectLst/>
-                <a:latin typeface="-apple-system"/>
-              </a:rPr>
-              <a:t>- Soporte nativo de </a:t>
-            </a:r>
-            <a:r>
-              <a:rPr lang="es-ES" b="0" i="0" dirty="0" err="1">
-                <a:solidFill>
-                  <a:srgbClr val="D4D4D4"/>
-                </a:solidFill>
-                <a:effectLst/>
-                <a:latin typeface="-apple-system"/>
-              </a:rPr>
-              <a:t>TypeScript</a:t>
-            </a:r>
-            <a:r>
-              <a:rPr lang="es-ES" b="0" i="0" dirty="0">
-                <a:solidFill>
-                  <a:srgbClr val="D4D4D4"/>
-                </a:solidFill>
-                <a:effectLst/>
-                <a:latin typeface="-apple-system"/>
-              </a:rPr>
-              <a:t> </a:t>
-            </a:r>
-            <a:r>
-              <a:rPr lang="es-ES" b="0" i="1" dirty="0" err="1">
-                <a:solidFill>
-                  <a:srgbClr val="D4D4D4"/>
-                </a:solidFill>
-                <a:effectLst/>
-                <a:latin typeface="-apple-system"/>
-              </a:rPr>
-              <a:t>out</a:t>
-            </a:r>
-            <a:r>
-              <a:rPr lang="es-ES" b="0" i="1" dirty="0">
-                <a:solidFill>
-                  <a:srgbClr val="D4D4D4"/>
-                </a:solidFill>
-                <a:effectLst/>
-                <a:latin typeface="-apple-system"/>
-              </a:rPr>
-              <a:t> </a:t>
-            </a:r>
-            <a:r>
-              <a:rPr lang="es-ES" b="0" i="1" dirty="0" err="1">
-                <a:solidFill>
-                  <a:srgbClr val="D4D4D4"/>
-                </a:solidFill>
-                <a:effectLst/>
-                <a:latin typeface="-apple-system"/>
-              </a:rPr>
-              <a:t>of</a:t>
-            </a:r>
-            <a:r>
-              <a:rPr lang="es-ES" b="0" i="1" dirty="0">
-                <a:solidFill>
-                  <a:srgbClr val="D4D4D4"/>
-                </a:solidFill>
-                <a:effectLst/>
-                <a:latin typeface="-apple-system"/>
-              </a:rPr>
-              <a:t> </a:t>
-            </a:r>
-            <a:r>
-              <a:rPr lang="es-ES" b="0" i="1" dirty="0" err="1">
-                <a:solidFill>
-                  <a:srgbClr val="D4D4D4"/>
-                </a:solidFill>
-                <a:effectLst/>
-                <a:latin typeface="-apple-system"/>
-              </a:rPr>
-              <a:t>the</a:t>
-            </a:r>
-            <a:r>
-              <a:rPr lang="es-ES" b="0" i="1" dirty="0">
-                <a:solidFill>
-                  <a:srgbClr val="D4D4D4"/>
-                </a:solidFill>
-                <a:effectLst/>
-                <a:latin typeface="-apple-system"/>
-              </a:rPr>
-              <a:t> box</a:t>
-            </a:r>
-            <a:r>
-              <a:rPr lang="es-ES" b="0" i="0" dirty="0">
-                <a:solidFill>
-                  <a:srgbClr val="D4D4D4"/>
-                </a:solidFill>
-                <a:effectLst/>
-                <a:latin typeface="-apple-system"/>
-              </a:rPr>
-              <a:t>.</a:t>
-            </a:r>
-          </a:p>
-          <a:p>
-            <a:pPr algn="l">
-              <a:buFont typeface="Arial" panose="020B0604020202020204" pitchFamily="34" charset="0"/>
-              <a:buNone/>
-            </a:pPr>
-            <a:r>
-              <a:rPr lang="es-ES" b="0" i="0" dirty="0">
-                <a:solidFill>
-                  <a:srgbClr val="D4D4D4"/>
-                </a:solidFill>
-                <a:effectLst/>
-                <a:latin typeface="-apple-system"/>
-              </a:rPr>
-              <a:t>- Ofrece </a:t>
-            </a:r>
-            <a:r>
-              <a:rPr lang="es-ES" b="0" i="0" dirty="0" err="1">
-                <a:solidFill>
-                  <a:srgbClr val="D4D4D4"/>
-                </a:solidFill>
-                <a:effectLst/>
-                <a:latin typeface="-apple-system"/>
-              </a:rPr>
-              <a:t>templates</a:t>
-            </a:r>
-            <a:r>
-              <a:rPr lang="es-ES" b="0" i="0" dirty="0">
-                <a:solidFill>
-                  <a:srgbClr val="D4D4D4"/>
-                </a:solidFill>
-                <a:effectLst/>
-                <a:latin typeface="-apple-system"/>
-              </a:rPr>
-              <a:t> para arrancar a trabajar con los </a:t>
-            </a:r>
-            <a:r>
-              <a:rPr lang="es-ES" b="0" i="0" dirty="0" err="1">
-                <a:solidFill>
-                  <a:srgbClr val="D4D4D4"/>
-                </a:solidFill>
-                <a:effectLst/>
-                <a:latin typeface="-apple-system"/>
-              </a:rPr>
-              <a:t>frameworks</a:t>
-            </a:r>
-            <a:r>
-              <a:rPr lang="es-ES" b="0" i="0" dirty="0">
-                <a:solidFill>
-                  <a:srgbClr val="D4D4D4"/>
-                </a:solidFill>
-                <a:effectLst/>
-                <a:latin typeface="-apple-system"/>
-              </a:rPr>
-              <a:t> más conocidos como </a:t>
-            </a:r>
-            <a:r>
-              <a:rPr lang="es-ES" b="0" i="0" dirty="0" err="1">
-                <a:solidFill>
-                  <a:srgbClr val="D4D4D4"/>
-                </a:solidFill>
-                <a:effectLst/>
-                <a:latin typeface="-apple-system"/>
-              </a:rPr>
-              <a:t>react</a:t>
-            </a:r>
-            <a:r>
-              <a:rPr lang="es-ES" b="0" i="0" dirty="0">
-                <a:solidFill>
-                  <a:srgbClr val="D4D4D4"/>
-                </a:solidFill>
-                <a:effectLst/>
-                <a:latin typeface="-apple-system"/>
-              </a:rPr>
-              <a:t>, </a:t>
-            </a:r>
-            <a:r>
-              <a:rPr lang="es-ES" b="0" i="0" dirty="0" err="1">
-                <a:solidFill>
-                  <a:srgbClr val="D4D4D4"/>
-                </a:solidFill>
-                <a:effectLst/>
-                <a:latin typeface="-apple-system"/>
-              </a:rPr>
-              <a:t>vue</a:t>
-            </a:r>
-            <a:r>
-              <a:rPr lang="es-ES" b="0" i="0" dirty="0">
-                <a:solidFill>
-                  <a:srgbClr val="D4D4D4"/>
-                </a:solidFill>
-                <a:effectLst/>
-                <a:latin typeface="-apple-system"/>
-              </a:rPr>
-              <a:t>, </a:t>
-            </a:r>
-            <a:r>
-              <a:rPr lang="es-ES" b="0" i="0" dirty="0" err="1">
-                <a:solidFill>
-                  <a:srgbClr val="D4D4D4"/>
-                </a:solidFill>
-                <a:effectLst/>
-                <a:latin typeface="-apple-system"/>
-              </a:rPr>
-              <a:t>preact</a:t>
-            </a:r>
-            <a:r>
-              <a:rPr lang="es-ES" b="0" i="0" dirty="0">
-                <a:solidFill>
-                  <a:srgbClr val="D4D4D4"/>
-                </a:solidFill>
-                <a:effectLst/>
-                <a:latin typeface="-apple-system"/>
-              </a:rPr>
-              <a:t>, </a:t>
-            </a:r>
-            <a:r>
-              <a:rPr lang="es-ES" b="0" i="0" dirty="0" err="1">
-                <a:solidFill>
-                  <a:srgbClr val="D4D4D4"/>
-                </a:solidFill>
-                <a:effectLst/>
-                <a:latin typeface="-apple-system"/>
-              </a:rPr>
-              <a:t>svelte</a:t>
-            </a:r>
-            <a:r>
-              <a:rPr lang="es-ES" b="0" i="0" dirty="0">
-                <a:solidFill>
-                  <a:srgbClr val="D4D4D4"/>
-                </a:solidFill>
-                <a:effectLst/>
-                <a:latin typeface="-apple-system"/>
-              </a:rPr>
-              <a:t>, etc.</a:t>
-            </a:r>
-          </a:p>
-          <a:p>
-            <a:pPr algn="l">
-              <a:buFont typeface="Arial" panose="020B0604020202020204" pitchFamily="34" charset="0"/>
-              <a:buChar char="•"/>
+            <a:pPr marL="628650" lvl="1" indent="-171450" algn="l">
+              <a:buFontTx/>
+              <a:buChar char="-"/>
             </a:pPr>
             <a:endParaRPr lang="es-ES" b="0" i="0" dirty="0">
               <a:solidFill>
@@ -4576,6 +3782,249 @@
             </a:endParaRPr>
           </a:p>
           <a:p>
+            <a:pPr marL="457200" lvl="1" indent="0" algn="l">
+              <a:buFontTx/>
+              <a:buNone/>
+            </a:pPr>
+            <a:r>
+              <a:rPr lang="es-ES" b="0" i="0" dirty="0">
+                <a:solidFill>
+                  <a:srgbClr val="D4D4D4"/>
+                </a:solidFill>
+                <a:effectLst/>
+                <a:latin typeface="-apple-system"/>
+              </a:rPr>
+              <a:t>OTRAS VENTAJAS</a:t>
+            </a:r>
+          </a:p>
+          <a:p>
+            <a:pPr marL="628650" lvl="1" indent="-171450" algn="l">
+              <a:buFontTx/>
+              <a:buChar char="-"/>
+            </a:pPr>
+            <a:r>
+              <a:rPr lang="es-ES" b="0" i="0" dirty="0">
+                <a:solidFill>
+                  <a:srgbClr val="D4D4D4"/>
+                </a:solidFill>
+                <a:effectLst/>
+                <a:latin typeface="-apple-system"/>
+              </a:rPr>
+              <a:t>Soporte nativo de TS (gracias a </a:t>
+            </a:r>
+            <a:r>
+              <a:rPr lang="es-ES" b="0" i="0" dirty="0" err="1">
+                <a:solidFill>
+                  <a:srgbClr val="D4D4D4"/>
+                </a:solidFill>
+                <a:effectLst/>
+                <a:latin typeface="-apple-system"/>
+              </a:rPr>
+              <a:t>esbuild</a:t>
+            </a:r>
+            <a:r>
+              <a:rPr lang="es-ES" b="0" i="0" dirty="0">
+                <a:solidFill>
+                  <a:srgbClr val="D4D4D4"/>
+                </a:solidFill>
+                <a:effectLst/>
+                <a:latin typeface="-apple-system"/>
+              </a:rPr>
+              <a:t>).</a:t>
+            </a:r>
+          </a:p>
+          <a:p>
+            <a:pPr marL="628650" marR="0" lvl="1" indent="-171450" algn="l" defTabSz="914400" eaLnBrk="1" fontAlgn="auto" latinLnBrk="0" hangingPunct="1">
+              <a:lnSpc>
+                <a:spcPct val="100000"/>
+              </a:lnSpc>
+              <a:spcBef>
+                <a:spcPts val="0"/>
+              </a:spcBef>
+              <a:spcAft>
+                <a:spcPts val="0"/>
+              </a:spcAft>
+              <a:buClrTx/>
+              <a:buSzTx/>
+              <a:buFontTx/>
+              <a:buChar char="-"/>
+              <a:tabLst/>
+              <a:defRPr/>
+            </a:pPr>
+            <a:r>
+              <a:rPr lang="es-ES" sz="1200" b="0" i="0" dirty="0">
+                <a:effectLst/>
+                <a:latin typeface="+mn-lt"/>
+                <a:ea typeface="+mn-ea"/>
+                <a:cs typeface="+mn-cs"/>
+                <a:sym typeface="Calibri"/>
+              </a:rPr>
+              <a:t>Ofrece </a:t>
+            </a:r>
+            <a:r>
+              <a:rPr lang="es-ES" sz="1200" b="0" i="0" dirty="0" err="1">
+                <a:effectLst/>
+                <a:latin typeface="+mn-lt"/>
+                <a:ea typeface="+mn-ea"/>
+                <a:cs typeface="+mn-cs"/>
+                <a:sym typeface="Calibri"/>
+              </a:rPr>
+              <a:t>templates</a:t>
+            </a:r>
+            <a:r>
+              <a:rPr lang="es-ES" sz="1200" b="0" i="0" dirty="0">
+                <a:effectLst/>
+                <a:latin typeface="+mn-lt"/>
+                <a:ea typeface="+mn-ea"/>
+                <a:cs typeface="+mn-cs"/>
+                <a:sym typeface="Calibri"/>
+              </a:rPr>
+              <a:t> para arrancar a trabajar con los </a:t>
+            </a:r>
+            <a:r>
+              <a:rPr lang="es-ES" sz="1200" b="0" i="0" dirty="0" err="1">
+                <a:effectLst/>
+                <a:latin typeface="+mn-lt"/>
+                <a:ea typeface="+mn-ea"/>
+                <a:cs typeface="+mn-cs"/>
+                <a:sym typeface="Calibri"/>
+              </a:rPr>
+              <a:t>frameworks</a:t>
+            </a:r>
+            <a:r>
+              <a:rPr lang="es-ES" sz="1200" b="0" i="0" dirty="0">
+                <a:effectLst/>
+                <a:latin typeface="+mn-lt"/>
+                <a:ea typeface="+mn-ea"/>
+                <a:cs typeface="+mn-cs"/>
+                <a:sym typeface="Calibri"/>
+              </a:rPr>
+              <a:t> más conocidos como </a:t>
+            </a:r>
+            <a:r>
+              <a:rPr lang="es-ES" sz="1200" b="0" i="0" dirty="0" err="1">
+                <a:effectLst/>
+                <a:latin typeface="+mn-lt"/>
+                <a:ea typeface="+mn-ea"/>
+                <a:cs typeface="+mn-cs"/>
+                <a:sym typeface="Calibri"/>
+              </a:rPr>
+              <a:t>react</a:t>
+            </a:r>
+            <a:r>
+              <a:rPr lang="es-ES" sz="1200" b="0" i="0" dirty="0">
+                <a:effectLst/>
+                <a:latin typeface="+mn-lt"/>
+                <a:ea typeface="+mn-ea"/>
+                <a:cs typeface="+mn-cs"/>
+                <a:sym typeface="Calibri"/>
+              </a:rPr>
+              <a:t>, </a:t>
+            </a:r>
+            <a:r>
+              <a:rPr lang="es-ES" sz="1200" b="0" i="0" dirty="0" err="1">
+                <a:effectLst/>
+                <a:latin typeface="+mn-lt"/>
+                <a:ea typeface="+mn-ea"/>
+                <a:cs typeface="+mn-cs"/>
+                <a:sym typeface="Calibri"/>
+              </a:rPr>
+              <a:t>vue</a:t>
+            </a:r>
+            <a:r>
+              <a:rPr lang="es-ES" sz="1200" b="0" i="0" dirty="0">
+                <a:effectLst/>
+                <a:latin typeface="+mn-lt"/>
+                <a:ea typeface="+mn-ea"/>
+                <a:cs typeface="+mn-cs"/>
+                <a:sym typeface="Calibri"/>
+              </a:rPr>
+              <a:t>, </a:t>
+            </a:r>
+            <a:r>
+              <a:rPr lang="es-ES" sz="1200" b="0" i="0" dirty="0" err="1">
+                <a:effectLst/>
+                <a:latin typeface="+mn-lt"/>
+                <a:ea typeface="+mn-ea"/>
+                <a:cs typeface="+mn-cs"/>
+                <a:sym typeface="Calibri"/>
+              </a:rPr>
+              <a:t>preact</a:t>
+            </a:r>
+            <a:r>
+              <a:rPr lang="es-ES" sz="1200" b="0" i="0" dirty="0">
+                <a:effectLst/>
+                <a:latin typeface="+mn-lt"/>
+                <a:ea typeface="+mn-ea"/>
+                <a:cs typeface="+mn-cs"/>
+                <a:sym typeface="Calibri"/>
+              </a:rPr>
+              <a:t>, </a:t>
+            </a:r>
+            <a:r>
+              <a:rPr lang="es-ES" sz="1200" b="0" i="0" dirty="0" err="1">
+                <a:effectLst/>
+                <a:latin typeface="+mn-lt"/>
+                <a:ea typeface="+mn-ea"/>
+                <a:cs typeface="+mn-cs"/>
+                <a:sym typeface="Calibri"/>
+              </a:rPr>
+              <a:t>svelte</a:t>
+            </a:r>
+            <a:r>
+              <a:rPr lang="es-ES" sz="1200" b="0" i="0" dirty="0">
+                <a:effectLst/>
+                <a:latin typeface="+mn-lt"/>
+                <a:ea typeface="+mn-ea"/>
+                <a:cs typeface="+mn-cs"/>
+                <a:sym typeface="Calibri"/>
+              </a:rPr>
+              <a:t>, etc.</a:t>
+            </a:r>
+          </a:p>
+          <a:p>
+            <a:pPr marL="457200" lvl="1" indent="0" algn="l">
+              <a:buFontTx/>
+              <a:buNone/>
+            </a:pPr>
+            <a:endParaRPr lang="es-ES" b="0" i="0" u="sng" dirty="0">
+              <a:solidFill>
+                <a:srgbClr val="D4D4D4"/>
+              </a:solidFill>
+              <a:effectLst/>
+              <a:latin typeface="-apple-system"/>
+            </a:endParaRPr>
+          </a:p>
+          <a:p>
+            <a:pPr marL="628650" lvl="1" indent="-171450" algn="l">
+              <a:buFontTx/>
+              <a:buChar char="-"/>
+            </a:pPr>
+            <a:endParaRPr lang="es-ES" b="0" i="0" dirty="0">
+              <a:solidFill>
+                <a:srgbClr val="D4D4D4"/>
+              </a:solidFill>
+              <a:effectLst/>
+              <a:latin typeface="-apple-system"/>
+            </a:endParaRPr>
+          </a:p>
+          <a:p>
+            <a:pPr marL="457200" lvl="1" indent="0" algn="l">
+              <a:buFontTx/>
+              <a:buNone/>
+            </a:pPr>
+            <a:endParaRPr lang="es-ES" b="0" i="0" dirty="0">
+              <a:solidFill>
+                <a:srgbClr val="D4D4D4"/>
+              </a:solidFill>
+              <a:effectLst/>
+              <a:latin typeface="-apple-system"/>
+            </a:endParaRPr>
+          </a:p>
+          <a:p>
+            <a:endParaRPr lang="es-ES" dirty="0"/>
+          </a:p>
+          <a:p>
             <a:pPr algn="l">
               <a:buFont typeface="Arial" panose="020B0604020202020204" pitchFamily="34" charset="0"/>
               <a:buNone/>
@@ -4588,7 +4037,7 @@
                 <a:effectLst/>
                 <a:latin typeface="-apple-system"/>
               </a:rPr>
-              <a:t>CONS</a:t>
+              <a:t>INCONVENIENTES</a:t>
             </a:r>
           </a:p>
           <a:p>
@@ -4669,7 +4118,7 @@
                 <a:effectLst/>
                 <a:latin typeface="-apple-system"/>
               </a:rPr>
-              <a:t> en la </a:t>
+              <a:t> en la transpilación de TS, si bien gana </a:t>
             </a:r>
             <a:r>
               <a:rPr lang="es-ES" b="0" i="0" dirty="0" err="1">
@@ -4679,7 +4128,7 @@
                 <a:effectLst/>
                 <a:latin typeface="-apple-system"/>
               </a:rPr>
-              <a:t>transpilación</a:t>
+              <a:t>muchisimo</a:t>
             </a:r>
             <a:r>
               <a:rPr lang="es-ES" b="0" i="0" dirty="0">
@@ -4689,7 +4138,7 @@
                 <a:effectLst/>
                 <a:latin typeface="-apple-system"/>
               </a:rPr>
-              <a:t> de TS, si bien gana </a:t>
+              <a:t> en rendimiento (20-30x mas rápido que TSC), por otro lado obliga a trabajar en </a:t>
             </a:r>
             <a:r>
               <a:rPr lang="es-ES" b="0" i="0" dirty="0" err="1">
@@ -4699,7 +4148,7 @@
                 <a:effectLst/>
                 <a:latin typeface="-apple-system"/>
               </a:rPr>
-              <a:t>muchisimo</a:t>
+              <a:t>módo</a:t>
             </a:r>
             <a:r>
               <a:rPr lang="es-ES" b="0" i="0" dirty="0">
@@ -4709,7 +4158,7 @@
                 <a:effectLst/>
                 <a:latin typeface="-apple-system"/>
               </a:rPr>
-              <a:t> en rendimiento (20-30x mas rápido que TSC), por otro lado obliga a trabajar en </a:t>
+              <a:t> (</a:t>
             </a:r>
             <a:r>
               <a:rPr lang="es-ES" b="0" i="0" dirty="0" err="1">
@@ -4719,7 +4168,7 @@
                 <a:effectLst/>
                 <a:latin typeface="-apple-system"/>
               </a:rPr>
-              <a:t>módo</a:t>
+              <a:t>isolatedModules</a:t>
             </a:r>
             <a:r>
               <a:rPr lang="es-ES" b="0" i="0" dirty="0">
@@ -4729,7 +4178,28 @@
                 <a:effectLst/>
                 <a:latin typeface="-apple-system"/>
               </a:rPr>
-              <a:t> (</a:t>
+              <a:t>)[</a:t>
+            </a:r>
+            <a:r>
+              <a:rPr lang="es-ES" b="0" i="0" u="none" strike="noStrike" dirty="0">
+                <a:solidFill>
+                  <a:srgbClr val="D4D4D4"/>
+                </a:solidFill>
+                <a:effectLst/>
+                <a:latin typeface="-apple-system"/>
+                <a:hlinkClick r:id="rId3" tooltip="https://www.typescriptlang.org/tsconfig#isolatedModules"/>
+              </a:rPr>
+              <a:t>https://www.typescriptlang.org/tsconfig#isolatedModules</a:t>
+            </a:r>
+            <a:r>
+              <a:rPr lang="es-ES" b="0" i="0" dirty="0">
+                <a:solidFill>
+                  <a:srgbClr val="D4D4D4"/>
+                </a:solidFill>
+                <a:effectLst/>
+                <a:latin typeface="-apple-system"/>
+              </a:rPr>
+              <a:t>] puesto que </a:t>
             </a:r>
             <a:r>
               <a:rPr lang="es-ES" b="0" i="0" dirty="0" err="1">
@@ -4739,7 +4209,7 @@
                 <a:effectLst/>
                 <a:latin typeface="-apple-system"/>
               </a:rPr>
-              <a:t>isolatedModules</a:t>
+              <a:t>esbuild</a:t>
             </a:r>
             <a:r>
               <a:rPr lang="es-ES" b="0" i="0" dirty="0">
@@ -4749,18 +4219,17 @@
                 <a:effectLst/>
                 <a:latin typeface="-apple-system"/>
               </a:rPr>
-              <a:t>)[</a:t>
-            </a:r>
-            <a:r>
-              <a:rPr lang="es-ES" b="0" i="0" u="none" strike="noStrike" dirty="0">
-                <a:solidFill>
-                  <a:srgbClr val="D4D4D4"/>
-                </a:solidFill>
-                <a:effectLst/>
-                <a:latin typeface="-apple-system"/>
-                <a:hlinkClick r:id="rId3" tooltip="https://www.typescriptlang.org/tsconfig#isolatedModules"/>
-              </a:rPr>
-              <a:t>https://www.typescriptlang.org/tsconfig#isolatedModules</a:t>
+              <a:t> </a:t>
+            </a:r>
+            <a:r>
+              <a:rPr lang="es-ES" b="0" i="0" dirty="0" err="1">
+                <a:solidFill>
+                  <a:srgbClr val="D4D4D4"/>
+                </a:solidFill>
+                <a:effectLst/>
+                <a:latin typeface="-apple-system"/>
+              </a:rPr>
+              <a:t>parsea</a:t>
             </a:r>
             <a:r>
               <a:rPr lang="es-ES" b="0" i="0" dirty="0">
@@ -4770,7 +4239,7 @@
                 <a:effectLst/>
                 <a:latin typeface="-apple-system"/>
               </a:rPr>
-              <a:t>] puesto que </a:t>
+              <a:t> módulos TS de uno en uno y no tiene constancia de todo el sistema de tipos (como si sucede con TSC, que elabora el sistema de tipos completo antes de comenzar la transpilación). Por tanto, en modo aislado, no se pueden hacer comprobaciones/verificaciones de tipos con toda profundidad, de modo que podrían haber errores que pasen desapercibidos y que no se manifiesten hasta que no se haga una </a:t>
             </a:r>
             <a:r>
               <a:rPr lang="es-ES" b="0" i="0" dirty="0" err="1">
@@ -4780,7 +4249,7 @@
                 <a:effectLst/>
                 <a:latin typeface="-apple-system"/>
               </a:rPr>
-              <a:t>esbuild</a:t>
+              <a:t>una</a:t>
             </a:r>
             <a:r>
               <a:rPr lang="es-ES" b="0" i="0" dirty="0">
@@ -4790,47 +4259,7 @@
                 <a:effectLst/>
                 <a:latin typeface="-apple-system"/>
               </a:rPr>
-              <a:t> </a:t>
-            </a:r>
-            <a:r>
-              <a:rPr lang="es-ES" b="0" i="0" dirty="0" err="1">
-                <a:solidFill>
-                  <a:srgbClr val="D4D4D4"/>
-                </a:solidFill>
-                <a:effectLst/>
-                <a:latin typeface="-apple-system"/>
-              </a:rPr>
-              <a:t>parsea</a:t>
-            </a:r>
-            <a:r>
-              <a:rPr lang="es-ES" b="0" i="0" dirty="0">
-                <a:solidFill>
-                  <a:srgbClr val="D4D4D4"/>
-                </a:solidFill>
-                <a:effectLst/>
-                <a:latin typeface="-apple-system"/>
-              </a:rPr>
-              <a:t> módulos TS de uno en uno y no tiene constancia de todo el sistema de tipos (como si sucede con TSC, que elabora el sistema de tipos completo antes de comenzar la </a:t>
-            </a:r>
-            <a:r>
-              <a:rPr lang="es-ES" b="0" i="0" dirty="0" err="1">
-                <a:solidFill>
-                  <a:srgbClr val="D4D4D4"/>
-                </a:solidFill>
-                <a:effectLst/>
-                <a:latin typeface="-apple-system"/>
-              </a:rPr>
-              <a:t>transpilación</a:t>
-            </a:r>
-            <a:r>
-              <a:rPr lang="es-ES" b="0" i="0" dirty="0">
-                <a:solidFill>
-                  <a:srgbClr val="D4D4D4"/>
-                </a:solidFill>
-                <a:effectLst/>
-                <a:latin typeface="-apple-system"/>
-              </a:rPr>
-              <a:t>).</a:t>
+              <a:t> transpilación completa con TS. Es habitual tener un proceso paralelo configurado con TSC para el chequeo estático de tipos a la vez que el server de desarrollo está en funcionamiento.</a:t>
             </a:r>
           </a:p>
           <a:p>
@@ -5030,6 +4459,286 @@
           </a:p>
           <a:p>
             <a:pPr algn="l"/>
+            <a:br>
+              <a:rPr lang="es-ES" b="0" i="0" dirty="0">
+                <a:solidFill>
+                  <a:srgbClr val="D4D4D4"/>
+                </a:solidFill>
+                <a:effectLst/>
+                <a:latin typeface="-apple-system"/>
+              </a:rPr>
+            </a:br>
+            <a:r>
+              <a:rPr lang="es-ES" b="0" i="0" dirty="0">
+                <a:solidFill>
+                  <a:srgbClr val="D4D4D4"/>
+                </a:solidFill>
+                <a:effectLst/>
+                <a:latin typeface="-apple-system"/>
+              </a:rPr>
+              <a:t>Podríamos pensar, si es tan rápido usar </a:t>
+            </a:r>
+            <a:r>
+              <a:rPr lang="es-ES" b="0" i="0" dirty="0" err="1">
+                <a:solidFill>
+                  <a:srgbClr val="D4D4D4"/>
+                </a:solidFill>
+                <a:effectLst/>
+                <a:latin typeface="-apple-system"/>
+              </a:rPr>
+              <a:t>ESModules</a:t>
+            </a:r>
+            <a:r>
+              <a:rPr lang="es-ES" b="0" i="0" dirty="0">
+                <a:solidFill>
+                  <a:srgbClr val="D4D4D4"/>
+                </a:solidFill>
+                <a:effectLst/>
+                <a:latin typeface="-apple-system"/>
+              </a:rPr>
+              <a:t> y delegar en el navegador la orquestación y descarga de los módulos ¿por qué no usarlo en producción también? Hoy día la mayoría de </a:t>
+            </a:r>
+            <a:r>
+              <a:rPr lang="es-ES" b="0" i="1" dirty="0">
+                <a:solidFill>
+                  <a:srgbClr val="D4D4D4"/>
+                </a:solidFill>
+                <a:effectLst/>
+                <a:latin typeface="-apple-system"/>
+              </a:rPr>
+              <a:t>browsers</a:t>
+            </a:r>
+            <a:r>
+              <a:rPr lang="es-ES" b="0" i="0" dirty="0">
+                <a:solidFill>
+                  <a:srgbClr val="D4D4D4"/>
+                </a:solidFill>
+                <a:effectLst/>
+                <a:latin typeface="-apple-system"/>
+              </a:rPr>
+              <a:t> soportan módulos nativos, no debería haber problema ¿cierto?</a:t>
+            </a:r>
+            <a:br>
+              <a:rPr lang="es-ES" b="0" i="0" dirty="0">
+                <a:solidFill>
+                  <a:srgbClr val="D4D4D4"/>
+                </a:solidFill>
+                <a:effectLst/>
+                <a:latin typeface="-apple-system"/>
+              </a:rPr>
+            </a:br>
+            <a:r>
+              <a:rPr lang="es-ES" b="0" i="0" dirty="0">
+                <a:solidFill>
+                  <a:srgbClr val="D4D4D4"/>
+                </a:solidFill>
+                <a:effectLst/>
+                <a:latin typeface="-apple-system"/>
+              </a:rPr>
+              <a:t>Pensemos detenidamente. El paradigma en </a:t>
+            </a:r>
+            <a:r>
+              <a:rPr lang="es-ES" b="1" i="0" dirty="0">
+                <a:solidFill>
+                  <a:srgbClr val="D4D4D4"/>
+                </a:solidFill>
+                <a:effectLst/>
+                <a:latin typeface="-apple-system"/>
+              </a:rPr>
+              <a:t>desarrollo</a:t>
+            </a:r>
+            <a:r>
+              <a:rPr lang="es-ES" b="0" i="0" dirty="0">
+                <a:solidFill>
+                  <a:srgbClr val="D4D4D4"/>
+                </a:solidFill>
+                <a:effectLst/>
+                <a:latin typeface="-apple-system"/>
+              </a:rPr>
+              <a:t> es radicalmente distinto principalmente por un motivo: </a:t>
+            </a:r>
+            <a:r>
+              <a:rPr lang="es-ES" b="1" i="0" dirty="0">
+                <a:solidFill>
+                  <a:srgbClr val="D4D4D4"/>
+                </a:solidFill>
+                <a:effectLst/>
+                <a:latin typeface="-apple-system"/>
+              </a:rPr>
+              <a:t>servidor de desarrollo y navegador están en la misma máquina</a:t>
+            </a:r>
+            <a:r>
+              <a:rPr lang="es-ES" b="0" i="0" dirty="0">
+                <a:solidFill>
+                  <a:srgbClr val="D4D4D4"/>
+                </a:solidFill>
+                <a:effectLst/>
+                <a:latin typeface="-apple-system"/>
+              </a:rPr>
+              <a:t>. En este escenario, las transacciones son inmediatas y el coste de hacer muchísimas peticiones para descargarnos cientos de módulos es relativamente bajo. </a:t>
+            </a:r>
+          </a:p>
+          <a:p>
+            <a:pPr algn="l"/>
+            <a:r>
+              <a:rPr lang="es-ES" b="0" i="0" dirty="0">
+                <a:solidFill>
+                  <a:srgbClr val="D4D4D4"/>
+                </a:solidFill>
+                <a:effectLst/>
+                <a:latin typeface="-apple-system"/>
+              </a:rPr>
+              <a:t>En </a:t>
+            </a:r>
+            <a:r>
+              <a:rPr lang="es-ES" b="1" i="0" dirty="0">
+                <a:solidFill>
+                  <a:srgbClr val="D4D4D4"/>
+                </a:solidFill>
+                <a:effectLst/>
+                <a:latin typeface="-apple-system"/>
+              </a:rPr>
+              <a:t>producción</a:t>
+            </a:r>
+            <a:r>
+              <a:rPr lang="es-ES" b="0" i="0" dirty="0">
+                <a:solidFill>
+                  <a:srgbClr val="D4D4D4"/>
+                </a:solidFill>
+                <a:effectLst/>
+                <a:latin typeface="-apple-system"/>
+              </a:rPr>
+              <a:t>, estamos sometidos al estado de la red, la calidad de nuestra conexión, saturación de tráfico, a todas las entidades y capas intermedias que pueda haber entre cliente y servidor (</a:t>
+            </a:r>
+            <a:r>
+              <a:rPr lang="es-ES" b="0" i="0" dirty="0" err="1">
+                <a:solidFill>
+                  <a:srgbClr val="D4D4D4"/>
+                </a:solidFill>
+                <a:effectLst/>
+                <a:latin typeface="-apple-system"/>
+              </a:rPr>
+              <a:t>ingress</a:t>
+            </a:r>
+            <a:r>
+              <a:rPr lang="es-ES" b="0" i="0" dirty="0">
+                <a:solidFill>
+                  <a:srgbClr val="D4D4D4"/>
+                </a:solidFill>
+                <a:effectLst/>
+                <a:latin typeface="-apple-system"/>
+              </a:rPr>
+              <a:t>, load </a:t>
+            </a:r>
+            <a:r>
+              <a:rPr lang="es-ES" b="0" i="0" dirty="0" err="1">
+                <a:solidFill>
+                  <a:srgbClr val="D4D4D4"/>
+                </a:solidFill>
+                <a:effectLst/>
+                <a:latin typeface="-apple-system"/>
+              </a:rPr>
+              <a:t>balancer</a:t>
+            </a:r>
+            <a:r>
+              <a:rPr lang="es-ES" b="0" i="0" dirty="0">
+                <a:solidFill>
+                  <a:srgbClr val="D4D4D4"/>
+                </a:solidFill>
+                <a:effectLst/>
+                <a:latin typeface="-apple-system"/>
+              </a:rPr>
+              <a:t>, api </a:t>
+            </a:r>
+            <a:r>
+              <a:rPr lang="es-ES" b="0" i="0" dirty="0" err="1">
+                <a:solidFill>
+                  <a:srgbClr val="D4D4D4"/>
+                </a:solidFill>
+                <a:effectLst/>
+                <a:latin typeface="-apple-system"/>
+              </a:rPr>
+              <a:t>gateway</a:t>
+            </a:r>
+            <a:r>
+              <a:rPr lang="es-ES" b="0" i="0" dirty="0">
+                <a:solidFill>
+                  <a:srgbClr val="D4D4D4"/>
+                </a:solidFill>
+                <a:effectLst/>
+                <a:latin typeface="-apple-system"/>
+              </a:rPr>
+              <a:t>, </a:t>
+            </a:r>
+            <a:r>
+              <a:rPr lang="es-ES" b="0" i="0" dirty="0" err="1">
+                <a:solidFill>
+                  <a:srgbClr val="D4D4D4"/>
+                </a:solidFill>
+                <a:effectLst/>
+                <a:latin typeface="-apple-system"/>
+              </a:rPr>
+              <a:t>etc</a:t>
+            </a:r>
+            <a:r>
+              <a:rPr lang="es-ES" b="0" i="0" dirty="0">
+                <a:solidFill>
+                  <a:srgbClr val="D4D4D4"/>
+                </a:solidFill>
+                <a:effectLst/>
+                <a:latin typeface="-apple-system"/>
+              </a:rPr>
+              <a:t>) … en definitiva, las peticiones tienen un retardo mucho más acusado. Sería ineficiente servir nuestro proyecto en cientos de módulos que causarían un gran número de peticiones, que además se agravarían debido a los </a:t>
+            </a:r>
+            <a:r>
+              <a:rPr lang="es-ES" b="0" i="1" dirty="0" err="1">
+                <a:solidFill>
+                  <a:srgbClr val="D4D4D4"/>
+                </a:solidFill>
+                <a:effectLst/>
+                <a:latin typeface="-apple-system"/>
+              </a:rPr>
+              <a:t>imports</a:t>
+            </a:r>
+            <a:r>
+              <a:rPr lang="es-ES" b="0" i="0" dirty="0">
+                <a:solidFill>
+                  <a:srgbClr val="D4D4D4"/>
+                </a:solidFill>
+                <a:effectLst/>
+                <a:latin typeface="-apple-system"/>
+              </a:rPr>
+              <a:t> anidados (efecto dominó</a:t>
+            </a:r>
+            <a:r>
+              <a:rPr lang="es-ES" b="0" i="0" u="sng" dirty="0">
+                <a:solidFill>
+                  <a:srgbClr val="D4D4D4"/>
+                </a:solidFill>
+                <a:effectLst/>
+                <a:latin typeface="-apple-system"/>
+              </a:rPr>
+              <a:t>).</a:t>
+            </a:r>
+            <a:r>
+              <a:rPr lang="es-ES" b="0" i="0" dirty="0">
+                <a:solidFill>
+                  <a:srgbClr val="D4D4D4"/>
+                </a:solidFill>
+                <a:effectLst/>
+                <a:latin typeface="-apple-system"/>
+              </a:rPr>
+              <a:t> </a:t>
+            </a:r>
+            <a:br>
+              <a:rPr lang="es-ES" b="0" i="0" dirty="0">
+                <a:solidFill>
+                  <a:srgbClr val="D4D4D4"/>
+                </a:solidFill>
+                <a:effectLst/>
+                <a:latin typeface="-apple-system"/>
+              </a:rPr>
+            </a:br>
             <a:endParaRPr lang="es-ES" b="0" i="0" dirty="0">
               <a:solidFill>
                 <a:srgbClr val="D4D4D4"/>
@@ -5048,50 +4757,10 @@
                 <a:effectLst/>
                 <a:latin typeface="-apple-system"/>
               </a:rPr>
-              <a:t>A pesar de que la mayoría de </a:t>
+              <a:t>Si bien esta estrategia nos beneficia en desarrollo donde prima la inmediatez del cambio o edición, en producción es más eficiente seguir usando un </a:t>
             </a:r>
             <a:r>
               <a:rPr lang="es-ES" b="0" i="1" dirty="0">
-                <a:solidFill>
-                  <a:srgbClr val="D4D4D4"/>
-                </a:solidFill>
-                <a:effectLst/>
-                <a:latin typeface="-apple-system"/>
-              </a:rPr>
-              <a:t>browsers</a:t>
-            </a:r>
-            <a:r>
-              <a:rPr lang="es-ES" b="0" i="0" dirty="0">
-                <a:solidFill>
-                  <a:srgbClr val="D4D4D4"/>
-                </a:solidFill>
-                <a:effectLst/>
-                <a:latin typeface="-apple-system"/>
-              </a:rPr>
-              <a:t> soportan módulos nativos ESM, sería ineficiente servir nuestro proyecto en cientos de módulos que causarían un gran número de peticiones, que además se agravarían debido a los </a:t>
-            </a:r>
-            <a:r>
-              <a:rPr lang="es-ES" b="0" i="1" dirty="0" err="1">
-                <a:solidFill>
-                  <a:srgbClr val="D4D4D4"/>
-                </a:solidFill>
-                <a:effectLst/>
-                <a:latin typeface="-apple-system"/>
-              </a:rPr>
-              <a:t>imports</a:t>
-            </a:r>
-            <a:r>
-              <a:rPr lang="es-ES" b="0" i="0" dirty="0">
-                <a:solidFill>
-                  <a:srgbClr val="D4D4D4"/>
-                </a:solidFill>
-                <a:effectLst/>
-                <a:latin typeface="-apple-system"/>
-              </a:rPr>
-              <a:t> anidados. Si bien esta estrategia nos beneficia en desarrollo donde prima la inmediatez del cambio o edición, en producción es más eficiente seguir usando un </a:t>
-            </a:r>
-            <a:r>
-              <a:rPr lang="es-ES" b="0" i="1" dirty="0" err="1">
                 <a:solidFill>
                   <a:srgbClr val="D4D4D4"/>
                 </a:solidFill>
@@ -5254,6 +4923,126 @@
               <a:t> en producción, vite hace uso de </a:t>
             </a:r>
             <a:r>
+              <a:rPr lang="es-ES" b="1" i="0" dirty="0" err="1">
+                <a:solidFill>
+                  <a:srgbClr val="D4D4D4"/>
+                </a:solidFill>
+                <a:effectLst/>
+                <a:latin typeface="-apple-system"/>
+              </a:rPr>
+              <a:t>rollup</a:t>
+            </a:r>
+            <a:r>
+              <a:rPr lang="es-ES" b="0" i="0" dirty="0">
+                <a:solidFill>
+                  <a:srgbClr val="D4D4D4"/>
+                </a:solidFill>
+                <a:effectLst/>
+                <a:latin typeface="-apple-system"/>
+              </a:rPr>
+              <a:t> aunque no descarta en un futuro la posibilidad de emplear también </a:t>
+            </a:r>
+            <a:r>
+              <a:rPr lang="es-ES" b="1" i="0" dirty="0" err="1">
+                <a:solidFill>
+                  <a:srgbClr val="D4D4D4"/>
+                </a:solidFill>
+                <a:effectLst/>
+                <a:latin typeface="-apple-system"/>
+              </a:rPr>
+              <a:t>esbuild</a:t>
+            </a:r>
+            <a:r>
+              <a:rPr lang="es-ES" b="0" i="0" dirty="0">
+                <a:solidFill>
+                  <a:srgbClr val="D4D4D4"/>
+                </a:solidFill>
+                <a:effectLst/>
+                <a:latin typeface="-apple-system"/>
+              </a:rPr>
+              <a:t> para este cometido, o, como ya puede probarse, </a:t>
+            </a:r>
+            <a:r>
+              <a:rPr lang="es-ES" b="1" i="0" dirty="0" err="1">
+                <a:solidFill>
+                  <a:srgbClr val="D4D4D4"/>
+                </a:solidFill>
+                <a:effectLst/>
+                <a:latin typeface="-apple-system"/>
+              </a:rPr>
+              <a:t>rolldown</a:t>
+            </a:r>
+            <a:r>
+              <a:rPr lang="es-ES" b="1" i="0" dirty="0">
+                <a:solidFill>
+                  <a:srgbClr val="D4D4D4"/>
+                </a:solidFill>
+                <a:effectLst/>
+                <a:latin typeface="-apple-system"/>
+              </a:rPr>
+              <a:t> (reimplementación de </a:t>
+            </a:r>
+            <a:r>
+              <a:rPr lang="es-ES" b="1" i="0" dirty="0" err="1">
+                <a:solidFill>
+                  <a:srgbClr val="D4D4D4"/>
+                </a:solidFill>
+                <a:effectLst/>
+                <a:latin typeface="-apple-system"/>
+              </a:rPr>
+              <a:t>rollup</a:t>
+            </a:r>
+            <a:r>
+              <a:rPr lang="es-ES" b="1" i="0" dirty="0">
+                <a:solidFill>
+                  <a:srgbClr val="D4D4D4"/>
+                </a:solidFill>
+                <a:effectLst/>
+                <a:latin typeface="-apple-system"/>
+              </a:rPr>
+              <a:t> con </a:t>
+            </a:r>
+            <a:r>
+              <a:rPr lang="es-ES" b="1" i="0" dirty="0" err="1">
+                <a:solidFill>
+                  <a:srgbClr val="D4D4D4"/>
+                </a:solidFill>
+                <a:effectLst/>
+                <a:latin typeface="-apple-system"/>
+              </a:rPr>
+              <a:t>Rust</a:t>
+            </a:r>
+            <a:r>
+              <a:rPr lang="es-ES" b="1" i="0" u="sng" dirty="0">
+                <a:solidFill>
+                  <a:srgbClr val="D4D4D4"/>
+                </a:solidFill>
+                <a:effectLst/>
+                <a:latin typeface="-apple-system"/>
+              </a:rPr>
+              <a:t>)</a:t>
+            </a:r>
+            <a:r>
+              <a:rPr lang="es-ES" b="0" i="0" u="sng" dirty="0">
+                <a:solidFill>
+                  <a:srgbClr val="D4D4D4"/>
+                </a:solidFill>
+                <a:effectLst/>
+                <a:latin typeface="-apple-system"/>
+              </a:rPr>
+              <a:t>.</a:t>
+            </a:r>
+            <a:r>
+              <a:rPr lang="es-ES" b="0" i="0" dirty="0">
+                <a:solidFill>
+                  <a:srgbClr val="D4D4D4"/>
+                </a:solidFill>
+                <a:effectLst/>
+                <a:latin typeface="-apple-system"/>
+              </a:rPr>
+              <a:t> ¿Por qué no utilizar ya </a:t>
+            </a:r>
+            <a:r>
               <a:rPr lang="es-ES" b="0" i="0" dirty="0" err="1">
                 <a:solidFill>
                   <a:srgbClr val="D4D4D4"/>
@@ -5261,7 +5050,7 @@
                 <a:effectLst/>
                 <a:latin typeface="-apple-system"/>
               </a:rPr>
-              <a:t>rollup</a:t>
+              <a:t>esbuild</a:t>
             </a:r>
             <a:r>
               <a:rPr lang="es-ES" b="0" i="0" dirty="0">
@@ -5271,7 +5060,7 @@
                 <a:effectLst/>
                 <a:latin typeface="-apple-system"/>
               </a:rPr>
-              <a:t> aunque no descarta en un futuro la posibilidad de emplear también </a:t>
+              <a:t>? A pesar del asombroso rendimiento de </a:t>
             </a:r>
             <a:r>
               <a:rPr lang="es-ES" b="0" i="0" dirty="0" err="1">
@@ -5291,7 +5080,67 @@
                 <a:effectLst/>
                 <a:latin typeface="-apple-system"/>
               </a:rPr>
-              <a:t> para este cometido. ¿Por qué no utilizar ya </a:t>
+              <a:t> y de su buen funcionamiento para el empaquetado de librerías, todavía no ofrece una optimización 100% madura para el </a:t>
+            </a:r>
+            <a:r>
+              <a:rPr lang="es-ES" b="0" i="1" dirty="0" err="1">
+                <a:solidFill>
+                  <a:srgbClr val="D4D4D4"/>
+                </a:solidFill>
+                <a:effectLst/>
+                <a:latin typeface="-apple-system"/>
+              </a:rPr>
+              <a:t>bundling</a:t>
+            </a:r>
+            <a:r>
+              <a:rPr lang="es-ES" b="0" i="0" dirty="0">
+                <a:solidFill>
+                  <a:srgbClr val="D4D4D4"/>
+                </a:solidFill>
+                <a:effectLst/>
+                <a:latin typeface="-apple-system"/>
+              </a:rPr>
+              <a:t> de aplicaciones (</a:t>
+            </a:r>
+            <a:r>
+              <a:rPr lang="es-ES" b="0" i="1" dirty="0" err="1">
+                <a:solidFill>
+                  <a:srgbClr val="D4D4D4"/>
+                </a:solidFill>
+                <a:effectLst/>
+                <a:latin typeface="-apple-system"/>
+              </a:rPr>
+              <a:t>code</a:t>
+            </a:r>
+            <a:r>
+              <a:rPr lang="es-ES" b="0" i="1" dirty="0">
+                <a:solidFill>
+                  <a:srgbClr val="D4D4D4"/>
+                </a:solidFill>
+                <a:effectLst/>
+                <a:latin typeface="-apple-system"/>
+              </a:rPr>
+              <a:t> </a:t>
+            </a:r>
+            <a:r>
+              <a:rPr lang="es-ES" b="0" i="1" dirty="0" err="1">
+                <a:solidFill>
+                  <a:srgbClr val="D4D4D4"/>
+                </a:solidFill>
+                <a:effectLst/>
+                <a:latin typeface="-apple-system"/>
+              </a:rPr>
+              <a:t>splitting</a:t>
+            </a:r>
+            <a:r>
+              <a:rPr lang="es-ES" b="0" i="0" dirty="0">
+                <a:solidFill>
+                  <a:srgbClr val="D4D4D4"/>
+                </a:solidFill>
+                <a:effectLst/>
+                <a:latin typeface="-apple-system"/>
+              </a:rPr>
+              <a:t>, manejo de CSS, </a:t>
             </a:r>
             <a:r>
               <a:rPr lang="es-ES" b="0" i="0" dirty="0" err="1">
@@ -5301,7 +5150,7 @@
                 <a:effectLst/>
                 <a:latin typeface="-apple-system"/>
               </a:rPr>
-              <a:t>esbuild</a:t>
+              <a:t>etc</a:t>
             </a:r>
             <a:r>
               <a:rPr lang="es-ES" b="0" i="0" dirty="0">
@@ -5311,111 +5160,11 @@
                 <a:effectLst/>
                 <a:latin typeface="-apple-system"/>
               </a:rPr>
-              <a:t>? A pesar del asombroso rendimiento de </a:t>
-            </a:r>
-            <a:r>
-              <a:rPr lang="es-ES" b="0" i="0" dirty="0" err="1">
-                <a:solidFill>
-                  <a:srgbClr val="D4D4D4"/>
-                </a:solidFill>
-                <a:effectLst/>
-                <a:latin typeface="-apple-system"/>
-              </a:rPr>
-              <a:t>esbuild</a:t>
-            </a:r>
-            <a:r>
-              <a:rPr lang="es-ES" b="0" i="0" dirty="0">
-                <a:solidFill>
-                  <a:srgbClr val="D4D4D4"/>
-                </a:solidFill>
-                <a:effectLst/>
-                <a:latin typeface="-apple-system"/>
-              </a:rPr>
-              <a:t> y de su buen funcionamiento para el empaquetado de librerías, todavía no ofrece una optimización 100% madura para el </a:t>
-            </a:r>
-            <a:r>
-              <a:rPr lang="es-ES" b="0" i="1" dirty="0" err="1">
-                <a:solidFill>
-                  <a:srgbClr val="D4D4D4"/>
-                </a:solidFill>
-                <a:effectLst/>
-                <a:latin typeface="-apple-system"/>
-              </a:rPr>
-              <a:t>bundling</a:t>
-            </a:r>
-            <a:r>
-              <a:rPr lang="es-ES" b="0" i="0" dirty="0">
-                <a:solidFill>
-                  <a:srgbClr val="D4D4D4"/>
-                </a:solidFill>
-                <a:effectLst/>
-                <a:latin typeface="-apple-system"/>
-              </a:rPr>
-              <a:t> de aplicaciones (</a:t>
-            </a:r>
-            <a:r>
-              <a:rPr lang="es-ES" b="0" i="1" dirty="0" err="1">
-                <a:solidFill>
-                  <a:srgbClr val="D4D4D4"/>
-                </a:solidFill>
-                <a:effectLst/>
-                <a:latin typeface="-apple-system"/>
-              </a:rPr>
-              <a:t>code</a:t>
-            </a:r>
-            <a:r>
-              <a:rPr lang="es-ES" b="0" i="1" dirty="0">
-                <a:solidFill>
-                  <a:srgbClr val="D4D4D4"/>
-                </a:solidFill>
-                <a:effectLst/>
-                <a:latin typeface="-apple-system"/>
-              </a:rPr>
-              <a:t> </a:t>
-            </a:r>
-            <a:r>
-              <a:rPr lang="es-ES" b="0" i="1" dirty="0" err="1">
-                <a:solidFill>
-                  <a:srgbClr val="D4D4D4"/>
-                </a:solidFill>
-                <a:effectLst/>
-                <a:latin typeface="-apple-system"/>
-              </a:rPr>
-              <a:t>splitting</a:t>
-            </a:r>
-            <a:r>
-              <a:rPr lang="es-ES" b="0" i="0" dirty="0">
-                <a:solidFill>
-                  <a:srgbClr val="D4D4D4"/>
-                </a:solidFill>
-                <a:effectLst/>
-                <a:latin typeface="-apple-system"/>
-              </a:rPr>
-              <a:t>, manejo de CSS, </a:t>
-            </a:r>
-            <a:r>
-              <a:rPr lang="es-ES" b="0" i="0" dirty="0" err="1">
-                <a:solidFill>
-                  <a:srgbClr val="D4D4D4"/>
-                </a:solidFill>
-                <a:effectLst/>
-                <a:latin typeface="-apple-system"/>
-              </a:rPr>
-              <a:t>etc</a:t>
-            </a:r>
-            <a:r>
-              <a:rPr lang="es-ES" b="0" i="0" dirty="0">
-                <a:solidFill>
-                  <a:srgbClr val="D4D4D4"/>
-                </a:solidFill>
-                <a:effectLst/>
-                <a:latin typeface="-apple-system"/>
-              </a:rPr>
               <a:t>).</a:t>
             </a:r>
           </a:p>
           <a:p>
-            <a:endParaRPr lang="es-ES" dirty="0"/>
+            <a:endParaRPr lang="es-ES" u="sng" dirty="0"/>
           </a:p>
         </p:txBody>
       </p:sp>
@@ -7133,7 +6882,7 @@
           </a:ln>
           <a:extLst>
             <a:ext uri="{C572A759-6A51-4108-AA02-DFA0A04FC94B}">
-              <ma14:wrappingTextBoxFlag xmlns="" xmlns:m="http://schemas.openxmlformats.org/officeDocument/2006/math" xmlns:a14="http://schemas.microsoft.com/office/drawing/2010/main" xmlns:ma14="http://schemas.microsoft.com/office/mac/drawingml/2011/main" val="1"/>
+              <ma14:wrappingTextBoxFlag xmlns:ma14="http://schemas.microsoft.com/office/mac/drawingml/2011/main" xmlns:a14="http://schemas.microsoft.com/office/drawing/2010/main" xmlns:m="http://schemas.openxmlformats.org/officeDocument/2006/math" xmlns="" val="1"/>
             </a:ext>
           </a:extLst>
         </p:spPr>
@@ -7172,7 +6921,7 @@
           </a:ln>
           <a:extLst>
             <a:ext uri="{C572A759-6A51-4108-AA02-DFA0A04FC94B}">
-              <ma14:wrappingTextBoxFlag xmlns="" xmlns:m="http://schemas.openxmlformats.org/officeDocument/2006/math" xmlns:a14="http://schemas.microsoft.com/office/drawing/2010/main" xmlns:ma14="http://schemas.microsoft.com/office/mac/drawingml/2011/main" val="1"/>
+              <ma14:wrappingTextBoxFlag xmlns:ma14="http://schemas.microsoft.com/office/mac/drawingml/2011/main" xmlns:a14="http://schemas.microsoft.com/office/drawing/2010/main" xmlns:m="http://schemas.openxmlformats.org/officeDocument/2006/math" xmlns="" val="1"/>
             </a:ext>
           </a:extLst>
         </p:spPr>
@@ -8130,7 +7879,7 @@
           </a:ln>
           <a:extLst>
             <a:ext uri="{C572A759-6A51-4108-AA02-DFA0A04FC94B}">
-              <ma14:wrappingTextBoxFlag xmlns="" xmlns:m="http://schemas.openxmlformats.org/officeDocument/2006/math" xmlns:a14="http://schemas.microsoft.com/office/drawing/2010/main" xmlns:ma14="http://schemas.microsoft.com/office/mac/drawingml/2011/main" val="1"/>
+              <ma14:wrappingTextBoxFlag xmlns:ma14="http://schemas.microsoft.com/office/mac/drawingml/2011/main" xmlns:a14="http://schemas.microsoft.com/office/drawing/2010/main" xmlns:m="http://schemas.openxmlformats.org/officeDocument/2006/math" xmlns="" val="1"/>
             </a:ext>
           </a:extLst>
         </p:spPr>
@@ -8182,7 +7931,7 @@
           </a:ln>
           <a:extLst>
             <a:ext uri="{C572A759-6A51-4108-AA02-DFA0A04FC94B}">
-              <ma14:wrappingTextBoxFlag xmlns="" xmlns:m="http://schemas.openxmlformats.org/officeDocument/2006/math" xmlns:a14="http://schemas.microsoft.com/office/drawing/2010/main" xmlns:ma14="http://schemas.microsoft.com/office/mac/drawingml/2011/main" val="1"/>
+              <ma14:wrappingTextBoxFlag xmlns:ma14="http://schemas.microsoft.com/office/mac/drawingml/2011/main" xmlns:a14="http://schemas.microsoft.com/office/drawing/2010/main" xmlns:m="http://schemas.openxmlformats.org/officeDocument/2006/math" xmlns="" val="1"/>
             </a:ext>
           </a:extLst>
         </p:spPr>
@@ -8346,7 +8095,7 @@
           </a:ln>
           <a:extLst>
             <a:ext uri="{C572A759-6A51-4108-AA02-DFA0A04FC94B}">
-              <ma14:wrappingTextBoxFlag xmlns="" xmlns:m="http://schemas.openxmlformats.org/officeDocument/2006/math" xmlns:a14="http://schemas.microsoft.com/office/drawing/2010/main" xmlns:ma14="http://schemas.microsoft.com/office/mac/drawingml/2011/main" val="1"/>
+              <ma14:wrappingTextBoxFlag xmlns:ma14="http://schemas.microsoft.com/office/mac/drawingml/2011/main" xmlns:a14="http://schemas.microsoft.com/office/drawing/2010/main" xmlns:m="http://schemas.openxmlformats.org/officeDocument/2006/math" xmlns="" val="1"/>
             </a:ext>
           </a:extLst>
         </p:spPr>
@@ -8619,7 +8368,7 @@
             <a:effectLst/>
             <a:extLst>
               <a:ext uri="{C572A759-6A51-4108-AA02-DFA0A04FC94B}">
-                <ma14:wrappingTextBoxFlag xmlns="" xmlns:m="http://schemas.openxmlformats.org/officeDocument/2006/math" xmlns:a14="http://schemas.microsoft.com/office/drawing/2010/main" xmlns:ma14="http://schemas.microsoft.com/office/mac/drawingml/2011/main" val="1"/>
+                <ma14:wrappingTextBoxFlag xmlns:ma14="http://schemas.microsoft.com/office/mac/drawingml/2011/main" xmlns:a14="http://schemas.microsoft.com/office/drawing/2010/main" xmlns:m="http://schemas.openxmlformats.org/officeDocument/2006/math" xmlns="" val="1"/>
               </a:ext>
             </a:extLst>
           </p:spPr>
@@ -8669,7 +8418,7 @@
             <a:effectLst/>
             <a:extLst>
               <a:ext uri="{C572A759-6A51-4108-AA02-DFA0A04FC94B}">
-                <ma14:wrappingTextBoxFlag xmlns="" xmlns:m="http://schemas.openxmlformats.org/officeDocument/2006/math" xmlns:a14="http://schemas.microsoft.com/office/drawing/2010/main" xmlns:ma14="http://schemas.microsoft.com/office/mac/drawingml/2011/main" val="1"/>
+                <ma14:wrappingTextBoxFlag xmlns:ma14="http://schemas.microsoft.com/office/mac/drawingml/2011/main" xmlns:a14="http://schemas.microsoft.com/office/drawing/2010/main" xmlns:m="http://schemas.openxmlformats.org/officeDocument/2006/math" xmlns="" val="1"/>
               </a:ext>
             </a:extLst>
           </p:spPr>
@@ -8719,7 +8468,7 @@
             <a:effectLst/>
             <a:extLst>
               <a:ext uri="{C572A759-6A51-4108-AA02-DFA0A04FC94B}">
-                <ma14:wrappingTextBoxFlag xmlns="" xmlns:m="http://schemas.openxmlformats.org/officeDocument/2006/math" xmlns:a14="http://schemas.microsoft.com/office/drawing/2010/main" xmlns:ma14="http://schemas.microsoft.com/office/mac/drawingml/2011/main" val="1"/>
+                <ma14:wrappingTextBoxFlag xmlns:ma14="http://schemas.microsoft.com/office/mac/drawingml/2011/main" xmlns:a14="http://schemas.microsoft.com/office/drawing/2010/main" xmlns:m="http://schemas.openxmlformats.org/officeDocument/2006/math" xmlns="" val="1"/>
               </a:ext>
             </a:extLst>
           </p:spPr>
@@ -8769,7 +8518,7 @@
             <a:effectLst/>
             <a:extLst>
               <a:ext uri="{C572A759-6A51-4108-AA02-DFA0A04FC94B}">
-                <ma14:wrappingTextBoxFlag xmlns="" xmlns:m="http://schemas.openxmlformats.org/officeDocument/2006/math" xmlns:a14="http://schemas.microsoft.com/office/drawing/2010/main" xmlns:ma14="http://schemas.microsoft.com/office/mac/drawingml/2011/main" val="1"/>
+                <ma14:wrappingTextBoxFlag xmlns:ma14="http://schemas.microsoft.com/office/mac/drawingml/2011/main" xmlns:a14="http://schemas.microsoft.com/office/drawing/2010/main" xmlns:m="http://schemas.openxmlformats.org/officeDocument/2006/math" xmlns="" val="1"/>
               </a:ext>
             </a:extLst>
           </p:spPr>
@@ -9880,7 +9629,7 @@
           <a:effectLst/>
           <a:extLst>
             <a:ext uri="{C572A759-6A51-4108-AA02-DFA0A04FC94B}">
-              <ma14:wrappingTextBoxFlag xmlns="" xmlns:m="http://schemas.openxmlformats.org/officeDocument/2006/math" xmlns:a14="http://schemas.microsoft.com/office/drawing/2010/main" xmlns:ma14="http://schemas.microsoft.com/office/mac/drawingml/2011/main" val="1"/>
+              <ma14:wrappingTextBoxFlag xmlns:ma14="http://schemas.microsoft.com/office/mac/drawingml/2011/main" xmlns:a14="http://schemas.microsoft.com/office/drawing/2010/main" xmlns:m="http://schemas.openxmlformats.org/officeDocument/2006/math" xmlns="" val="1"/>
             </a:ext>
           </a:extLst>
         </p:spPr>
@@ -9940,7 +9689,7 @@
           <a:effectLst/>
           <a:extLst>
             <a:ext uri="{C572A759-6A51-4108-AA02-DFA0A04FC94B}">
-              <ma14:wrappingTextBoxFlag xmlns="" xmlns:m="http://schemas.openxmlformats.org/officeDocument/2006/math" xmlns:a14="http://schemas.microsoft.com/office/drawing/2010/main" xmlns:ma14="http://schemas.microsoft.com/office/mac/drawingml/2011/main" val="1"/>
+              <ma14:wrappingTextBoxFlag xmlns:ma14="http://schemas.microsoft.com/office/mac/drawingml/2011/main" xmlns:a14="http://schemas.microsoft.com/office/drawing/2010/main" xmlns:m="http://schemas.openxmlformats.org/officeDocument/2006/math" xmlns="" val="1"/>
             </a:ext>
           </a:extLst>
         </p:spPr>
@@ -10000,7 +9749,7 @@
           <a:effectLst/>
           <a:extLst>
             <a:ext uri="{C572A759-6A51-4108-AA02-DFA0A04FC94B}">
-              <ma14:wrappingTextBoxFlag xmlns="" xmlns:m="http://schemas.openxmlformats.org/officeDocument/2006/math" xmlns:a14="http://schemas.microsoft.com/office/drawing/2010/main" xmlns:ma14="http://schemas.microsoft.com/office/mac/drawingml/2011/main" val="1"/>
+              <ma14:wrappingTextBoxFlag xmlns:ma14="http://schemas.microsoft.com/office/mac/drawingml/2011/main" xmlns:a14="http://schemas.microsoft.com/office/drawing/2010/main" xmlns:m="http://schemas.openxmlformats.org/officeDocument/2006/math" xmlns="" val="1"/>
             </a:ext>
           </a:extLst>
         </p:spPr>
@@ -10148,7 +9897,7 @@
           </a:ln>
           <a:extLst>
             <a:ext uri="{C572A759-6A51-4108-AA02-DFA0A04FC94B}">
-              <ma14:wrappingTextBoxFlag xmlns="" xmlns:m="http://schemas.openxmlformats.org/officeDocument/2006/math" xmlns:a14="http://schemas.microsoft.com/office/drawing/2010/main" xmlns:ma14="http://schemas.microsoft.com/office/mac/drawingml/2011/main" val="1"/>
+              <ma14:wrappingTextBoxFlag xmlns:ma14="http://schemas.microsoft.com/office/mac/drawingml/2011/main" xmlns:a14="http://schemas.microsoft.com/office/drawing/2010/main" xmlns:m="http://schemas.openxmlformats.org/officeDocument/2006/math" xmlns="" val="1"/>
             </a:ext>
           </a:extLst>
         </p:spPr>
@@ -10329,7 +10078,7 @@
           </a:ln>
           <a:extLst>
             <a:ext uri="{C572A759-6A51-4108-AA02-DFA0A04FC94B}">
-              <ma14:wrappingTextBoxFlag xmlns="" xmlns:m="http://schemas.openxmlformats.org/officeDocument/2006/math" xmlns:a14="http://schemas.microsoft.com/office/drawing/2010/main" xmlns:ma14="http://schemas.microsoft.com/office/mac/drawingml/2011/main" val="1"/>
+              <ma14:wrappingTextBoxFlag xmlns:ma14="http://schemas.microsoft.com/office/mac/drawingml/2011/main" xmlns:a14="http://schemas.microsoft.com/office/drawing/2010/main" xmlns:m="http://schemas.openxmlformats.org/officeDocument/2006/math" xmlns="" val="1"/>
             </a:ext>
           </a:extLst>
         </p:spPr>
@@ -10510,7 +10259,7 @@
           </a:ln>
           <a:extLst>
             <a:ext uri="{C572A759-6A51-4108-AA02-DFA0A04FC94B}">
-              <ma14:wrappingTextBoxFlag xmlns="" xmlns:m="http://schemas.openxmlformats.org/officeDocument/2006/math" xmlns:a14="http://schemas.microsoft.com/office/drawing/2010/main" xmlns:ma14="http://schemas.microsoft.com/office/mac/drawingml/2011/main" val="1"/>
+              <ma14:wrappingTextBoxFlag xmlns:ma14="http://schemas.microsoft.com/office/mac/drawingml/2011/main" xmlns:a14="http://schemas.microsoft.com/office/drawing/2010/main" xmlns:m="http://schemas.openxmlformats.org/officeDocument/2006/math" xmlns="" val="1"/>
             </a:ext>
           </a:extLst>
         </p:spPr>
@@ -11368,7 +11117,7 @@
           <a:effectLst/>
           <a:extLst>
             <a:ext uri="{C572A759-6A51-4108-AA02-DFA0A04FC94B}">
-              <ma14:wrappingTextBoxFlag xmlns="" xmlns:m="http://schemas.openxmlformats.org/officeDocument/2006/math" xmlns:a14="http://schemas.microsoft.com/office/drawing/2010/main" xmlns:ma14="http://schemas.microsoft.com/office/mac/drawingml/2011/main" val="1"/>
+              <ma14:wrappingTextBoxFlag xmlns:ma14="http://schemas.microsoft.com/office/mac/drawingml/2011/main" xmlns:a14="http://schemas.microsoft.com/office/drawing/2010/main" xmlns:m="http://schemas.openxmlformats.org/officeDocument/2006/math" xmlns="" val="1"/>
             </a:ext>
           </a:extLst>
         </p:spPr>
@@ -11428,7 +11177,7 @@
           <a:effectLst/>
           <a:extLst>
             <a:ext uri="{C572A759-6A51-4108-AA02-DFA0A04FC94B}">
-              <ma14:wrappingTextBoxFlag xmlns="" xmlns:m="http://schemas.openxmlformats.org/officeDocument/2006/math" xmlns:a14="http://schemas.microsoft.com/office/drawing/2010/main" xmlns:ma14="http://schemas.microsoft.com/office/mac/drawingml/2011/main" val="1"/>
+              <ma14:wrappingTextBoxFlag xmlns:ma14="http://schemas.microsoft.com/office/mac/drawingml/2011/main" xmlns:a14="http://schemas.microsoft.com/office/drawing/2010/main" xmlns:m="http://schemas.openxmlformats.org/officeDocument/2006/math" xmlns="" val="1"/>
             </a:ext>
           </a:extLst>
         </p:spPr>
@@ -11488,7 +11237,7 @@
           <a:effectLst/>
           <a:extLst>
             <a:ext uri="{C572A759-6A51-4108-AA02-DFA0A04FC94B}">
-              <ma14:wrappingTextBoxFlag xmlns="" xmlns:m="http://schemas.openxmlformats.org/officeDocument/2006/math" xmlns:a14="http://schemas.microsoft.com/office/drawing/2010/main" xmlns:ma14="http://schemas.microsoft.com/office/mac/drawingml/2011/main" val="1"/>
+              <ma14:wrappingTextBoxFlag xmlns:ma14="http://schemas.microsoft.com/office/mac/drawingml/2011/main" xmlns:a14="http://schemas.microsoft.com/office/drawing/2010/main" xmlns:m="http://schemas.openxmlformats.org/officeDocument/2006/math" xmlns="" val="1"/>
             </a:ext>
           </a:extLst>
         </p:spPr>
@@ -11677,7 +11426,7 @@
           </a:ln>
           <a:extLst>
             <a:ext uri="{C572A759-6A51-4108-AA02-DFA0A04FC94B}">
-              <ma14:wrappingTextBoxFlag xmlns="" xmlns:m="http://schemas.openxmlformats.org/officeDocument/2006/math" xmlns:a14="http://schemas.microsoft.com/office/drawing/2010/main" xmlns:ma14="http://schemas.microsoft.com/office/mac/drawingml/2011/main" val="1"/>
+              <ma14:wrappingTextBoxFlag xmlns:ma14="http://schemas.microsoft.com/office/mac/drawingml/2011/main" xmlns:a14="http://schemas.microsoft.com/office/drawing/2010/main" xmlns:m="http://schemas.openxmlformats.org/officeDocument/2006/math" xmlns="" val="1"/>
             </a:ext>
           </a:extLst>
         </p:spPr>
@@ -11740,7 +11489,7 @@
           </a:ln>
           <a:extLst>
             <a:ext uri="{C572A759-6A51-4108-AA02-DFA0A04FC94B}">
-              <ma14:wrappingTextBoxFlag xmlns="" xmlns:m="http://schemas.openxmlformats.org/officeDocument/2006/math" xmlns:a14="http://schemas.microsoft.com/office/drawing/2010/main" xmlns:ma14="http://schemas.microsoft.com/office/mac/drawingml/2011/main" val="1"/>
+              <ma14:wrappingTextBoxFlag xmlns:ma14="http://schemas.microsoft.com/office/mac/drawingml/2011/main" xmlns:a14="http://schemas.microsoft.com/office/drawing/2010/main" xmlns:m="http://schemas.openxmlformats.org/officeDocument/2006/math" xmlns="" val="1"/>
             </a:ext>
           </a:extLst>
         </p:spPr>
@@ -11796,7 +11545,7 @@
           </a:ln>
           <a:extLst>
             <a:ext uri="{C572A759-6A51-4108-AA02-DFA0A04FC94B}">
-              <ma14:wrappingTextBoxFlag xmlns="" xmlns:m="http://schemas.openxmlformats.org/officeDocument/2006/math" xmlns:a14="http://schemas.microsoft.com/office/drawing/2010/main" xmlns:ma14="http://schemas.microsoft.com/office/mac/drawingml/2011/main" val="1"/>
+              <ma14:wrappingTextBoxFlag xmlns:ma14="http://schemas.microsoft.com/office/mac/drawingml/2011/main" xmlns:a14="http://schemas.microsoft.com/office/drawing/2010/main" xmlns:m="http://schemas.openxmlformats.org/officeDocument/2006/math" xmlns="" val="1"/>
             </a:ext>
           </a:extLst>
         </p:spPr>
@@ -11863,7 +11612,7 @@
           <a:effectLst/>
           <a:extLst>
             <a:ext uri="{C572A759-6A51-4108-AA02-DFA0A04FC94B}">
-              <ma14:wrappingTextBoxFlag xmlns="" xmlns:m="http://schemas.openxmlformats.org/officeDocument/2006/math" xmlns:a14="http://schemas.microsoft.com/office/drawing/2010/main" xmlns:ma14="http://schemas.microsoft.com/office/mac/drawingml/2011/main" val="1"/>
+              <ma14:wrappingTextBoxFlag xmlns:ma14="http://schemas.microsoft.com/office/mac/drawingml/2011/main" xmlns:a14="http://schemas.microsoft.com/office/drawing/2010/main" xmlns:m="http://schemas.openxmlformats.org/officeDocument/2006/math" xmlns="" val="1"/>
             </a:ext>
           </a:extLst>
         </p:spPr>
@@ -11923,7 +11672,7 @@
           <a:effectLst/>
           <a:extLst>
             <a:ext uri="{C572A759-6A51-4108-AA02-DFA0A04FC94B}">
-              <ma14:wrappingTextBoxFlag xmlns="" xmlns:m="http://schemas.openxmlformats.org/officeDocument/2006/math" xmlns:a14="http://schemas.microsoft.com/office/drawing/2010/main" xmlns:ma14="http://schemas.microsoft.com/office/mac/drawingml/2011/main" val="1"/>
+              <ma14:wrappingTextBoxFlag xmlns:ma14="http://schemas.microsoft.com/office/mac/drawingml/2011/main" xmlns:a14="http://schemas.microsoft.com/office/drawing/2010/main" xmlns:m="http://schemas.openxmlformats.org/officeDocument/2006/math" xmlns="" val="1"/>
             </a:ext>
           </a:extLst>
         </p:spPr>
@@ -12131,7 +11880,7 @@
           <a:effectLst/>
           <a:extLst>
             <a:ext uri="{C572A759-6A51-4108-AA02-DFA0A04FC94B}">
-              <ma14:wrappingTextBoxFlag xmlns="" xmlns:m="http://schemas.openxmlformats.org/officeDocument/2006/math" xmlns:a14="http://schemas.microsoft.com/office/drawing/2010/main" xmlns:ma14="http://schemas.microsoft.com/office/mac/drawingml/2011/main" val="1"/>
+              <ma14:wrappingTextBoxFlag xmlns:ma14="http://schemas.microsoft.com/office/mac/drawingml/2011/main" xmlns:a14="http://schemas.microsoft.com/office/drawing/2010/main" xmlns:m="http://schemas.openxmlformats.org/officeDocument/2006/math" xmlns="" val="1"/>
             </a:ext>
           </a:extLst>
         </p:spPr>
@@ -12436,7 +12185,7 @@
           </a:ln>
           <a:extLst>
             <a:ext uri="{C572A759-6A51-4108-AA02-DFA0A04FC94B}">
-              <ma14:wrappingTextBoxFlag xmlns="" xmlns:m="http://schemas.openxmlformats.org/officeDocument/2006/math" xmlns:a14="http://schemas.microsoft.com/office/drawing/2010/main" xmlns:ma14="http://schemas.microsoft.com/office/mac/drawingml/2011/main" val="1"/>
+              <ma14:wrappingTextBoxFlag xmlns:ma14="http://schemas.microsoft.com/office/mac/drawingml/2011/main" xmlns:a14="http://schemas.microsoft.com/office/drawing/2010/main" xmlns:m="http://schemas.openxmlformats.org/officeDocument/2006/math" xmlns="" val="1"/>
             </a:ext>
           </a:extLst>
         </p:spPr>
@@ -12588,7 +12337,7 @@
           <a:effectLst/>
           <a:extLst>
             <a:ext uri="{C572A759-6A51-4108-AA02-DFA0A04FC94B}">
-              <ma14:wrappingTextBoxFlag xmlns="" xmlns:m="http://schemas.openxmlformats.org/officeDocument/2006/math" xmlns:a14="http://schemas.microsoft.com/office/drawing/2010/main" xmlns:ma14="http://schemas.microsoft.com/office/mac/drawingml/2011/main" val="1"/>
+              <ma14:wrappingTextBoxFlag xmlns:ma14="http://schemas.microsoft.com/office/mac/drawingml/2011/main" xmlns:a14="http://schemas.microsoft.com/office/drawing/2010/main" xmlns:m="http://schemas.openxmlformats.org/officeDocument/2006/math" xmlns="" val="1"/>
             </a:ext>
           </a:extLst>
         </p:spPr>
@@ -13112,7 +12861,7 @@
           </a:ln>
           <a:extLst>
             <a:ext uri="{C572A759-6A51-4108-AA02-DFA0A04FC94B}">
-              <ma14:wrappingTextBoxFlag xmlns="" xmlns:m="http://schemas.openxmlformats.org/officeDocument/2006/math" xmlns:a14="http://schemas.microsoft.com/office/drawing/2010/main" xmlns:ma14="http://schemas.microsoft.com/office/mac/drawingml/2011/main" val="1"/>
+              <ma14:wrappingTextBoxFlag xmlns:ma14="http://schemas.microsoft.com/office/mac/drawingml/2011/main" xmlns:a14="http://schemas.microsoft.com/office/drawing/2010/main" xmlns:m="http://schemas.openxmlformats.org/officeDocument/2006/math" xmlns="" val="1"/>
             </a:ext>
           </a:extLst>
         </p:spPr>
@@ -13264,7 +13013,7 @@
           <a:effectLst/>
           <a:extLst>
             <a:ext uri="{C572A759-6A51-4108-AA02-DFA0A04FC94B}">
-              <ma14:wrappingTextBoxFlag xmlns="" xmlns:m="http://schemas.openxmlformats.org/officeDocument/2006/math" xmlns:a14="http://schemas.microsoft.com/office/drawing/2010/main" xmlns:ma14="http://schemas.microsoft.com/office/mac/drawingml/2011/main" val="1"/>
+              <ma14:wrappingTextBoxFlag xmlns:ma14="http://schemas.microsoft.com/office/mac/drawingml/2011/main" xmlns:a14="http://schemas.microsoft.com/office/drawing/2010/main" xmlns:m="http://schemas.openxmlformats.org/officeDocument/2006/math" xmlns="" val="1"/>
             </a:ext>
           </a:extLst>
         </p:spPr>
@@ -13336,7 +13085,7 @@
           </a:ln>
           <a:extLst>
             <a:ext uri="{C572A759-6A51-4108-AA02-DFA0A04FC94B}">
-              <ma14:wrappingTextBoxFlag xmlns="" xmlns:m="http://schemas.openxmlformats.org/officeDocument/2006/math" xmlns:a14="http://schemas.microsoft.com/office/drawing/2010/main" xmlns:ma14="http://schemas.microsoft.com/office/mac/drawingml/2011/main" val="1"/>
+              <ma14:wrappingTextBoxFlag xmlns:ma14="http://schemas.microsoft.com/office/mac/drawingml/2011/main" xmlns:a14="http://schemas.microsoft.com/office/drawing/2010/main" xmlns:m="http://schemas.openxmlformats.org/officeDocument/2006/math" xmlns="" val="1"/>
             </a:ext>
           </a:extLst>
         </p:spPr>
@@ -13512,7 +13261,7 @@
           <a:effectLst/>
           <a:extLst>
             <a:ext uri="{C572A759-6A51-4108-AA02-DFA0A04FC94B}">
-              <ma14:wrappingTextBoxFlag xmlns="" xmlns:m="http://schemas.openxmlformats.org/officeDocument/2006/math" xmlns:a14="http://schemas.microsoft.com/office/drawing/2010/main" xmlns:ma14="http://schemas.microsoft.com/office/mac/drawingml/2011/main" val="1"/>
+              <ma14:wrappingTextBoxFlag xmlns:ma14="http://schemas.microsoft.com/office/mac/drawingml/2011/main" xmlns:a14="http://schemas.microsoft.com/office/drawing/2010/main" xmlns:m="http://schemas.openxmlformats.org/officeDocument/2006/math" xmlns="" val="1"/>
             </a:ext>
           </a:extLst>
         </p:spPr>
@@ -13688,7 +13437,7 @@
           </a:ln>
           <a:extLst>
             <a:ext uri="{C572A759-6A51-4108-AA02-DFA0A04FC94B}">
-              <ma14:wrappingTextBoxFlag xmlns="" xmlns:m="http://schemas.openxmlformats.org/officeDocument/2006/math" xmlns:a14="http://schemas.microsoft.com/office/drawing/2010/main" xmlns:ma14="http://schemas.microsoft.com/office/mac/drawingml/2011/main" val="1"/>
+              <ma14:wrappingTextBoxFlag xmlns:ma14="http://schemas.microsoft.com/office/mac/drawingml/2011/main" xmlns:a14="http://schemas.microsoft.com/office/drawing/2010/main" xmlns:m="http://schemas.openxmlformats.org/officeDocument/2006/math" xmlns="" val="1"/>
             </a:ext>
           </a:extLst>
         </p:spPr>
@@ -13755,7 +13504,7 @@
           <a:effectLst/>
           <a:extLst>
             <a:ext uri="{C572A759-6A51-4108-AA02-DFA0A04FC94B}">
-              <ma14:wrappingTextBoxFlag xmlns="" xmlns:m="http://schemas.openxmlformats.org/officeDocument/2006/math" xmlns:a14="http://schemas.microsoft.com/office/drawing/2010/main" xmlns:ma14="http://schemas.microsoft.com/office/mac/drawingml/2011/main" val="1"/>
+              <ma14:wrappingTextBoxFlag xmlns:ma14="http://schemas.microsoft.com/office/mac/drawingml/2011/main" xmlns:a14="http://schemas.microsoft.com/office/drawing/2010/main" xmlns:m="http://schemas.openxmlformats.org/officeDocument/2006/math" xmlns="" val="1"/>
             </a:ext>
           </a:extLst>
         </p:spPr>
@@ -13815,7 +13564,7 @@
           <a:effectLst/>
           <a:extLst>
             <a:ext uri="{C572A759-6A51-4108-AA02-DFA0A04FC94B}">
-              <ma14:wrappingTextBoxFlag xmlns="" xmlns:m="http://schemas.openxmlformats.org/officeDocument/2006/math" xmlns:a14="http://schemas.microsoft.com/office/drawing/2010/main" xmlns:ma14="http://schemas.microsoft.com/office/mac/drawingml/2011/main" val="1"/>
+              <ma14:wrappingTextBoxFlag xmlns:ma14="http://schemas.microsoft.com/office/mac/drawingml/2011/main" xmlns:a14="http://schemas.microsoft.com/office/drawing/2010/main" xmlns:m="http://schemas.openxmlformats.org/officeDocument/2006/math" xmlns="" val="1"/>
             </a:ext>
           </a:extLst>
         </p:spPr>
@@ -14075,7 +13824,7 @@
           </a:ln>
           <a:extLst>
             <a:ext uri="{C572A759-6A51-4108-AA02-DFA0A04FC94B}">
-              <ma14:wrappingTextBoxFlag xmlns="" xmlns:m="http://schemas.openxmlformats.org/officeDocument/2006/math" xmlns:a14="http://schemas.microsoft.com/office/drawing/2010/main" xmlns:ma14="http://schemas.microsoft.com/office/mac/drawingml/2011/main" val="1"/>
+              <ma14:wrappingTextBoxFlag xmlns:ma14="http://schemas.microsoft.com/office/mac/drawingml/2011/main" xmlns:a14="http://schemas.microsoft.com/office/drawing/2010/main" xmlns:m="http://schemas.openxmlformats.org/officeDocument/2006/math" xmlns="" val="1"/>
             </a:ext>
           </a:extLst>
         </p:spPr>
@@ -15517,7 +15266,7 @@
           </a:ln>
           <a:extLst>
             <a:ext uri="{C572A759-6A51-4108-AA02-DFA0A04FC94B}">
-              <ma14:wrappingTextBoxFlag xmlns:ma14="http://schemas.microsoft.com/office/mac/drawingml/2011/main" xmlns:a14="http://schemas.microsoft.com/office/drawing/2010/main" xmlns:m="http://schemas.openxmlformats.org/officeDocument/2006/math" xmlns="" val="1"/>
+              <ma14:wrappingTextBoxFlag xmlns="" xmlns:m="http://schemas.openxmlformats.org/officeDocument/2006/math" xmlns:a14="http://schemas.microsoft.com/office/drawing/2010/main" xmlns:ma14="http://schemas.microsoft.com/office/mac/drawingml/2011/main" val="1"/>
             </a:ext>
           </a:extLst>
         </p:spPr>
@@ -16987,7 +16736,7 @@
               </a:ln>
               <a:extLst>
                 <a:ext uri="{C572A759-6A51-4108-AA02-DFA0A04FC94B}">
-                  <ma14:wrappingTextBoxFlag xmlns="" xmlns:m="http://schemas.openxmlformats.org/officeDocument/2006/math" xmlns:a14="http://schemas.microsoft.com/office/drawing/2010/main" xmlns:ma14="http://schemas.microsoft.com/office/mac/drawingml/2011/main" val="1"/>
+                  <ma14:wrappingTextBoxFlag xmlns:ma14="http://schemas.microsoft.com/office/mac/drawingml/2011/main" xmlns:a14="http://schemas.microsoft.com/office/drawing/2010/main" xmlns:m="http://schemas.openxmlformats.org/officeDocument/2006/math" xmlns="" val="1"/>
                 </a:ext>
               </a:extLst>
             </p:spPr>
@@ -17091,7 +16840,7 @@
               </a:ln>
               <a:extLst>
                 <a:ext uri="{C572A759-6A51-4108-AA02-DFA0A04FC94B}">
-                  <ma14:wrappingTextBoxFlag xmlns="" xmlns:m="http://schemas.openxmlformats.org/officeDocument/2006/math" xmlns:a14="http://schemas.microsoft.com/office/drawing/2010/main" xmlns:ma14="http://schemas.microsoft.com/office/mac/drawingml/2011/main" val="1"/>
+                  <ma14:wrappingTextBoxFlag xmlns:ma14="http://schemas.microsoft.com/office/mac/drawingml/2011/main" xmlns:a14="http://schemas.microsoft.com/office/drawing/2010/main" xmlns:m="http://schemas.openxmlformats.org/officeDocument/2006/math" xmlns="" val="1"/>
                 </a:ext>
               </a:extLst>
             </p:spPr>
@@ -20417,7 +20166,7 @@
             </a:ln>
             <a:extLst>
               <a:ext uri="{C572A759-6A51-4108-AA02-DFA0A04FC94B}">
-                <ma14:wrappingTextBoxFlag xmlns:ma14="http://schemas.microsoft.com/office/mac/drawingml/2011/main" xmlns:a14="http://schemas.microsoft.com/office/drawing/2010/main" xmlns:m="http://schemas.openxmlformats.org/officeDocument/2006/math" xmlns="" val="1"/>
+                <ma14:wrappingTextBoxFlag xmlns="" xmlns:m="http://schemas.openxmlformats.org/officeDocument/2006/math" xmlns:a14="http://schemas.microsoft.com/office/drawing/2010/main" xmlns:ma14="http://schemas.microsoft.com/office/mac/drawingml/2011/main" val="1"/>
               </a:ext>
             </a:extLst>
           </p:spPr>
@@ -20498,7 +20247,7 @@
             </a:ln>
             <a:extLst>
               <a:ext uri="{C572A759-6A51-4108-AA02-DFA0A04FC94B}">
-                <ma14:wrappingTextBoxFlag xmlns:ma14="http://schemas.microsoft.com/office/mac/drawingml/2011/main" xmlns:a14="http://schemas.microsoft.com/office/drawing/2010/main" xmlns:m="http://schemas.openxmlformats.org/officeDocument/2006/math" xmlns="" val="1"/>
+                <ma14:wrappingTextBoxFlag xmlns="" xmlns:m="http://schemas.openxmlformats.org/officeDocument/2006/math" xmlns:a14="http://schemas.microsoft.com/office/drawing/2010/main" xmlns:ma14="http://schemas.microsoft.com/office/mac/drawingml/2011/main" val="1"/>
               </a:ext>
             </a:extLst>
           </p:spPr>
@@ -20977,7 +20726,7 @@
               </a:ln>
               <a:extLst>
                 <a:ext uri="{C572A759-6A51-4108-AA02-DFA0A04FC94B}">
-                  <ma14:wrappingTextBoxFlag xmlns:ma14="http://schemas.microsoft.com/office/mac/drawingml/2011/main" xmlns:a14="http://schemas.microsoft.com/office/drawing/2010/main" xmlns:m="http://schemas.openxmlformats.org/officeDocument/2006/math" xmlns="" val="1"/>
+                  <ma14:wrappingTextBoxFlag xmlns="" xmlns:m="http://schemas.openxmlformats.org/officeDocument/2006/math" xmlns:a14="http://schemas.microsoft.com/office/drawing/2010/main" xmlns:ma14="http://schemas.microsoft.com/office/mac/drawingml/2011/main" val="1"/>
                 </a:ext>
               </a:extLst>
             </p:spPr>
@@ -21096,7 +20845,7 @@
           </a:ln>
           <a:extLst>
             <a:ext uri="{C572A759-6A51-4108-AA02-DFA0A04FC94B}">
-              <ma14:wrappingTextBoxFlag xmlns="" xmlns:m="http://schemas.openxmlformats.org/officeDocument/2006/math" xmlns:a14="http://schemas.microsoft.com/office/drawing/2010/main" xmlns:ma14="http://schemas.microsoft.com/office/mac/drawingml/2011/main" val="1"/>
+              <ma14:wrappingTextBoxFlag xmlns:ma14="http://schemas.microsoft.com/office/mac/drawingml/2011/main" xmlns:a14="http://schemas.microsoft.com/office/drawing/2010/main" xmlns:m="http://schemas.openxmlformats.org/officeDocument/2006/math" xmlns="" val="1"/>
             </a:ext>
           </a:extLst>
         </p:spPr>
@@ -21391,7 +21140,7 @@
           <a:effectLst/>
           <a:extLst>
             <a:ext uri="{C572A759-6A51-4108-AA02-DFA0A04FC94B}">
-              <ma14:wrappingTextBoxFlag xmlns="" xmlns:m="http://schemas.openxmlformats.org/officeDocument/2006/math" xmlns:a14="http://schemas.microsoft.com/office/drawing/2010/main" xmlns:ma14="http://schemas.microsoft.com/office/mac/drawingml/2011/main" val="1"/>
+              <ma14:wrappingTextBoxFlag xmlns:ma14="http://schemas.microsoft.com/office/mac/drawingml/2011/main" xmlns:a14="http://schemas.microsoft.com/office/drawing/2010/main" xmlns:m="http://schemas.openxmlformats.org/officeDocument/2006/math" xmlns="" val="1"/>
             </a:ext>
           </a:extLst>
         </p:spPr>
@@ -22147,7 +21896,7 @@
           <a:effectLst/>
           <a:extLst>
             <a:ext uri="{C572A759-6A51-4108-AA02-DFA0A04FC94B}">
-              <ma14:wrappingTextBoxFlag xmlns="" xmlns:m="http://schemas.openxmlformats.org/officeDocument/2006/math" xmlns:a14="http://schemas.microsoft.com/office/drawing/2010/main" xmlns:ma14="http://schemas.microsoft.com/office/mac/drawingml/2011/main" val="1"/>
+              <ma14:wrappingTextBoxFlag xmlns:ma14="http://schemas.microsoft.com/office/mac/drawingml/2011/main" xmlns:a14="http://schemas.microsoft.com/office/drawing/2010/main" xmlns:m="http://schemas.openxmlformats.org/officeDocument/2006/math" xmlns="" val="1"/>
             </a:ext>
           </a:extLst>
         </p:spPr>
@@ -22806,7 +22555,7 @@
           </a:ln>
           <a:extLst>
             <a:ext uri="{C572A759-6A51-4108-AA02-DFA0A04FC94B}">
-              <ma14:wrappingTextBoxFlag xmlns:ma14="http://schemas.microsoft.com/office/mac/drawingml/2011/main" xmlns:a14="http://schemas.microsoft.com/office/drawing/2010/main" xmlns:m="http://schemas.openxmlformats.org/officeDocument/2006/math" xmlns="" val="1"/>
+              <ma14:wrappingTextBoxFlag xmlns="" xmlns:m="http://schemas.openxmlformats.org/officeDocument/2006/math" xmlns:a14="http://schemas.microsoft.com/office/drawing/2010/main" xmlns:ma14="http://schemas.microsoft.com/office/mac/drawingml/2011/main" val="1"/>
             </a:ext>
           </a:extLst>
         </p:spPr>
@@ -22868,7 +22617,7 @@
           </a:ln>
           <a:extLst>
             <a:ext uri="{C572A759-6A51-4108-AA02-DFA0A04FC94B}">
-              <ma14:wrappingTextBoxFlag xmlns:ma14="http://schemas.microsoft.com/office/mac/drawingml/2011/main" xmlns:a14="http://schemas.microsoft.com/office/drawing/2010/main" xmlns:m="http://schemas.openxmlformats.org/officeDocument/2006/math" xmlns="" val="1"/>
+              <ma14:wrappingTextBoxFlag xmlns="" xmlns:m="http://schemas.openxmlformats.org/officeDocument/2006/math" xmlns:a14="http://schemas.microsoft.com/office/drawing/2010/main" xmlns:ma14="http://schemas.microsoft.com/office/mac/drawingml/2011/main" val="1"/>
             </a:ext>
           </a:extLst>
         </p:spPr>
@@ -23020,7 +22769,7 @@
           </a:ln>
           <a:extLst>
             <a:ext uri="{C572A759-6A51-4108-AA02-DFA0A04FC94B}">
-              <ma14:wrappingTextBoxFlag xmlns:ma14="http://schemas.microsoft.com/office/mac/drawingml/2011/main" xmlns:a14="http://schemas.microsoft.com/office/drawing/2010/main" xmlns:m="http://schemas.openxmlformats.org/officeDocument/2006/math" xmlns="" val="1"/>
+              <ma14:wrappingTextBoxFlag xmlns="" xmlns:m="http://schemas.openxmlformats.org/officeDocument/2006/math" xmlns:a14="http://schemas.microsoft.com/office/drawing/2010/main" xmlns:ma14="http://schemas.microsoft.com/office/mac/drawingml/2011/main" val="1"/>
             </a:ext>
           </a:extLst>
         </p:spPr>
@@ -23189,7 +22938,7 @@
         <p:spPr>
           <a:xfrm>
             <a:off x="900109" y="3828144"/>
-            <a:ext cx="7653195" cy="246221"/>
+            <a:ext cx="7653195" cy="492443"/>
           </a:xfrm>
           <a:prstGeom prst="rect">
             <a:avLst/>
@@ -23199,7 +22948,7 @@
           </a:ln>
           <a:extLst>
             <a:ext uri="{C572A759-6A51-4108-AA02-DFA0A04FC94B}">
-              <ma14:wrappingTextBoxFlag xmlns:ma14="http://schemas.microsoft.com/office/mac/drawingml/2011/main" xmlns:a14="http://schemas.microsoft.com/office/drawing/2010/main" xmlns:m="http://schemas.openxmlformats.org/officeDocument/2006/math" xmlns="" val="1"/>
+              <ma14:wrappingTextBoxFlag xmlns="" xmlns:m="http://schemas.openxmlformats.org/officeDocument/2006/math" xmlns:a14="http://schemas.microsoft.com/office/drawing/2010/main" xmlns:ma14="http://schemas.microsoft.com/office/mac/drawingml/2011/main" val="1"/>
             </a:ext>
           </a:extLst>
         </p:spPr>
@@ -23238,7 +22987,7 @@
             </a:r>
             <a:r>
               <a:rPr lang="es-ES" sz="1600" dirty="0"/>
-              <a:t>, con la vista puesta en </a:t>
+              <a:t>, con la vista puesta a ser sustituido por alternativas más eficientes en el futuro, como </a:t>
             </a:r>
             <a:r>
               <a:rPr lang="es-ES" sz="1600" b="1" dirty="0" err="1"/>
@@ -23246,7 +22995,11 @@
             </a:r>
             <a:r>
               <a:rPr lang="es-ES" sz="1600" dirty="0"/>
-              <a:t> a futuro*</a:t>
+              <a:t>* o </a:t>
+            </a:r>
+            <a:r>
+              <a:rPr lang="es-ES" sz="1600" b="1" dirty="0" err="1"/>
+              <a:t>rolldown</a:t>
             </a:r>
             <a:endParaRPr sz="1600" b="1" dirty="0"/>
           </a:p>
